--- a/Final Project Part1/Automation Project Part 1 presentation.pptx
+++ b/Final Project Part1/Automation Project Part 1 presentation.pptx
@@ -10,7 +10,12 @@
     <p:sldId id="257" r:id="rId4"/>
     <p:sldId id="258" r:id="rId5"/>
     <p:sldId id="259" r:id="rId6"/>
-    <p:sldId id="260" r:id="rId7"/>
+    <p:sldId id="263" r:id="rId7"/>
+    <p:sldId id="264" r:id="rId8"/>
+    <p:sldId id="262" r:id="rId9"/>
+    <p:sldId id="260" r:id="rId10"/>
+    <p:sldId id="265" r:id="rId11"/>
+    <p:sldId id="266" r:id="rId12"/>
   </p:sldIdLst>
   <p:sldSz cx="12192000" cy="6858000"/>
   <p:notesSz cx="6858000" cy="9144000"/>
@@ -109,6 +114,11 @@
       </a:defRPr>
     </a:lvl9pPr>
   </p:defaultTextStyle>
+  <p:extLst>
+    <p:ext uri="{EFAFB233-063F-42B5-8137-9DF3F51BA10A}">
+      <p15:sldGuideLst xmlns:p15="http://schemas.microsoft.com/office/powerpoint/2012/main"/>
+    </p:ext>
+  </p:extLst>
 </p:presentation>
 </file>
 
@@ -350,7 +360,7 @@
           <a:p>
             <a:fld id="{ED291B17-9318-49DB-B28B-6E5994AE9581}" type="datetime1">
               <a:rPr lang="en-US" smtClean="0"/>
-              <a:t>7/12/2024</a:t>
+              <a:t>7/14/2024</a:t>
             </a:fld>
             <a:endParaRPr lang="en-US" dirty="0"/>
           </a:p>
@@ -420,13 +430,13 @@
   <p:clrMapOvr>
     <a:masterClrMapping/>
   </p:clrMapOvr>
-  <mc:AlternateContent xmlns:mc="http://schemas.openxmlformats.org/markup-compatibility/2006">
-    <mc:Choice xmlns:p14="http://schemas.microsoft.com/office/powerpoint/2010/main" Requires="p14">
+  <mc:AlternateContent xmlns:mc="http://schemas.openxmlformats.org/markup-compatibility/2006" xmlns:p14="http://schemas.microsoft.com/office/powerpoint/2010/main">
+    <mc:Choice Requires="p14">
       <p:transition spd="slow" p14:dur="1500">
         <p:random/>
       </p:transition>
     </mc:Choice>
-    <mc:Fallback>
+    <mc:Fallback xmlns="">
       <p:transition spd="slow">
         <p:random/>
       </p:transition>
@@ -565,7 +575,7 @@
           <a:p>
             <a:fld id="{2CED4963-E985-44C4-B8C4-FDD613B7C2F8}" type="datetime1">
               <a:rPr lang="en-US" smtClean="0"/>
-              <a:t>7/12/2024</a:t>
+              <a:t>7/14/2024</a:t>
             </a:fld>
             <a:endParaRPr lang="en-US" dirty="0"/>
           </a:p>
@@ -623,13 +633,13 @@
   <p:clrMapOvr>
     <a:masterClrMapping/>
   </p:clrMapOvr>
-  <mc:AlternateContent xmlns:mc="http://schemas.openxmlformats.org/markup-compatibility/2006">
-    <mc:Choice xmlns:p14="http://schemas.microsoft.com/office/powerpoint/2010/main" Requires="p14">
+  <mc:AlternateContent xmlns:mc="http://schemas.openxmlformats.org/markup-compatibility/2006" xmlns:p14="http://schemas.microsoft.com/office/powerpoint/2010/main">
+    <mc:Choice Requires="p14">
       <p:transition spd="slow" p14:dur="1500">
         <p:random/>
       </p:transition>
     </mc:Choice>
-    <mc:Fallback>
+    <mc:Fallback xmlns="">
       <p:transition spd="slow">
         <p:random/>
       </p:transition>
@@ -939,7 +949,7 @@
           <a:p>
             <a:fld id="{ED291B17-9318-49DB-B28B-6E5994AE9581}" type="datetime1">
               <a:rPr lang="en-US" smtClean="0"/>
-              <a:t>7/12/2024</a:t>
+              <a:t>7/14/2024</a:t>
             </a:fld>
             <a:endParaRPr lang="en-US" dirty="0"/>
           </a:p>
@@ -1009,13 +1019,13 @@
   <p:clrMapOvr>
     <a:masterClrMapping/>
   </p:clrMapOvr>
-  <mc:AlternateContent xmlns:mc="http://schemas.openxmlformats.org/markup-compatibility/2006">
-    <mc:Choice xmlns:p14="http://schemas.microsoft.com/office/powerpoint/2010/main" Requires="p14">
+  <mc:AlternateContent xmlns:mc="http://schemas.openxmlformats.org/markup-compatibility/2006" xmlns:p14="http://schemas.microsoft.com/office/powerpoint/2010/main">
+    <mc:Choice Requires="p14">
       <p:transition spd="slow" p14:dur="1500">
         <p:random/>
       </p:transition>
     </mc:Choice>
-    <mc:Fallback>
+    <mc:Fallback xmlns="">
       <p:transition spd="slow">
         <p:random/>
       </p:transition>
@@ -1149,7 +1159,7 @@
           <a:p>
             <a:fld id="{78DD82B9-B8EE-4375-B6FF-88FA6ABB15D9}" type="datetime1">
               <a:rPr lang="en-US" smtClean="0"/>
-              <a:t>7/12/2024</a:t>
+              <a:t>7/14/2024</a:t>
             </a:fld>
             <a:endParaRPr lang="en-US" dirty="0"/>
           </a:p>
@@ -1219,13 +1229,13 @@
   <p:clrMapOvr>
     <a:masterClrMapping/>
   </p:clrMapOvr>
-  <mc:AlternateContent xmlns:mc="http://schemas.openxmlformats.org/markup-compatibility/2006">
-    <mc:Choice xmlns:p14="http://schemas.microsoft.com/office/powerpoint/2010/main" Requires="p14">
+  <mc:AlternateContent xmlns:mc="http://schemas.openxmlformats.org/markup-compatibility/2006" xmlns:p14="http://schemas.microsoft.com/office/powerpoint/2010/main">
+    <mc:Choice Requires="p14">
       <p:transition spd="slow" p14:dur="1500">
         <p:random/>
       </p:transition>
     </mc:Choice>
-    <mc:Fallback>
+    <mc:Fallback xmlns="">
       <p:transition spd="slow">
         <p:random/>
       </p:transition>
@@ -1473,7 +1483,7 @@
           <a:p>
             <a:fld id="{B2497495-0637-405E-AE64-5CC7506D51F5}" type="datetime1">
               <a:rPr lang="en-US" smtClean="0"/>
-              <a:t>7/12/2024</a:t>
+              <a:t>7/14/2024</a:t>
             </a:fld>
             <a:endParaRPr lang="en-US" dirty="0"/>
           </a:p>
@@ -1543,13 +1553,13 @@
   <p:clrMapOvr>
     <a:masterClrMapping/>
   </p:clrMapOvr>
-  <mc:AlternateContent xmlns:mc="http://schemas.openxmlformats.org/markup-compatibility/2006">
-    <mc:Choice xmlns:p14="http://schemas.microsoft.com/office/powerpoint/2010/main" Requires="p14">
+  <mc:AlternateContent xmlns:mc="http://schemas.openxmlformats.org/markup-compatibility/2006" xmlns:p14="http://schemas.microsoft.com/office/powerpoint/2010/main">
+    <mc:Choice Requires="p14">
       <p:transition spd="slow" p14:dur="1500">
         <p:random/>
       </p:transition>
     </mc:Choice>
-    <mc:Fallback>
+    <mc:Fallback xmlns="">
       <p:transition spd="slow">
         <p:random/>
       </p:transition>
@@ -1738,7 +1748,7 @@
           <a:p>
             <a:fld id="{7BFFD690-9426-415D-8B65-26881E07B2D4}" type="datetime1">
               <a:rPr lang="en-US" smtClean="0"/>
-              <a:t>7/12/2024</a:t>
+              <a:t>7/14/2024</a:t>
             </a:fld>
             <a:endParaRPr lang="en-US" dirty="0"/>
           </a:p>
@@ -1796,13 +1806,13 @@
   <p:clrMapOvr>
     <a:masterClrMapping/>
   </p:clrMapOvr>
-  <mc:AlternateContent xmlns:mc="http://schemas.openxmlformats.org/markup-compatibility/2006">
-    <mc:Choice xmlns:p14="http://schemas.microsoft.com/office/powerpoint/2010/main" Requires="p14">
+  <mc:AlternateContent xmlns:mc="http://schemas.openxmlformats.org/markup-compatibility/2006" xmlns:p14="http://schemas.microsoft.com/office/powerpoint/2010/main">
+    <mc:Choice Requires="p14">
       <p:transition spd="slow" p14:dur="1500">
         <p:random/>
       </p:transition>
     </mc:Choice>
-    <mc:Fallback>
+    <mc:Fallback xmlns="">
       <p:transition spd="slow">
         <p:random/>
       </p:transition>
@@ -2172,7 +2182,7 @@
           <a:p>
             <a:fld id="{04C4989A-474C-40DE-95B9-011C28B71673}" type="datetime1">
               <a:rPr lang="en-US" smtClean="0"/>
-              <a:t>7/12/2024</a:t>
+              <a:t>7/14/2024</a:t>
             </a:fld>
             <a:endParaRPr lang="en-US" dirty="0"/>
           </a:p>
@@ -2230,13 +2240,13 @@
   <p:clrMapOvr>
     <a:masterClrMapping/>
   </p:clrMapOvr>
-  <mc:AlternateContent xmlns:mc="http://schemas.openxmlformats.org/markup-compatibility/2006">
-    <mc:Choice xmlns:p14="http://schemas.microsoft.com/office/powerpoint/2010/main" Requires="p14">
+  <mc:AlternateContent xmlns:mc="http://schemas.openxmlformats.org/markup-compatibility/2006" xmlns:p14="http://schemas.microsoft.com/office/powerpoint/2010/main">
+    <mc:Choice Requires="p14">
       <p:transition spd="slow" p14:dur="1500">
         <p:random/>
       </p:transition>
     </mc:Choice>
-    <mc:Fallback>
+    <mc:Fallback xmlns="">
       <p:transition spd="slow">
         <p:random/>
       </p:transition>
@@ -2307,7 +2317,7 @@
           <a:p>
             <a:fld id="{5DB4ED54-5B5E-4A04-93D3-5772E3CE3818}" type="datetime1">
               <a:rPr lang="en-US" smtClean="0"/>
-              <a:t>7/12/2024</a:t>
+              <a:t>7/14/2024</a:t>
             </a:fld>
             <a:endParaRPr lang="en-US" dirty="0"/>
           </a:p>
@@ -2365,13 +2375,13 @@
   <p:clrMapOvr>
     <a:masterClrMapping/>
   </p:clrMapOvr>
-  <mc:AlternateContent xmlns:mc="http://schemas.openxmlformats.org/markup-compatibility/2006">
-    <mc:Choice xmlns:p14="http://schemas.microsoft.com/office/powerpoint/2010/main" Requires="p14">
+  <mc:AlternateContent xmlns:mc="http://schemas.openxmlformats.org/markup-compatibility/2006" xmlns:p14="http://schemas.microsoft.com/office/powerpoint/2010/main">
+    <mc:Choice Requires="p14">
       <p:transition spd="slow" p14:dur="1500">
         <p:random/>
       </p:transition>
     </mc:Choice>
-    <mc:Fallback>
+    <mc:Fallback xmlns="">
       <p:transition spd="slow">
         <p:random/>
       </p:transition>
@@ -2414,7 +2424,7 @@
           <a:p>
             <a:fld id="{4EDE50D6-574B-40AF-946F-D52A04ADE379}" type="datetime1">
               <a:rPr lang="en-US" smtClean="0"/>
-              <a:t>7/12/2024</a:t>
+              <a:t>7/14/2024</a:t>
             </a:fld>
             <a:endParaRPr lang="en-US" dirty="0"/>
           </a:p>
@@ -2472,13 +2482,13 @@
   <p:clrMapOvr>
     <a:masterClrMapping/>
   </p:clrMapOvr>
-  <mc:AlternateContent xmlns:mc="http://schemas.openxmlformats.org/markup-compatibility/2006">
-    <mc:Choice xmlns:p14="http://schemas.microsoft.com/office/powerpoint/2010/main" Requires="p14">
+  <mc:AlternateContent xmlns:mc="http://schemas.openxmlformats.org/markup-compatibility/2006" xmlns:p14="http://schemas.microsoft.com/office/powerpoint/2010/main">
+    <mc:Choice Requires="p14">
       <p:transition spd="slow" p14:dur="1500">
         <p:random/>
       </p:transition>
     </mc:Choice>
-    <mc:Fallback>
+    <mc:Fallback xmlns="">
       <p:transition spd="slow">
         <p:random/>
       </p:transition>
@@ -2803,7 +2813,7 @@
           <a:p>
             <a:fld id="{D82884F1-FFEA-405F-9602-3DCA865EDA4E}" type="datetime1">
               <a:rPr lang="en-US" smtClean="0"/>
-              <a:t>7/12/2024</a:t>
+              <a:t>7/14/2024</a:t>
             </a:fld>
             <a:endParaRPr lang="en-US" dirty="0"/>
           </a:p>
@@ -2884,13 +2894,13 @@
   <p:clrMapOvr>
     <a:masterClrMapping/>
   </p:clrMapOvr>
-  <mc:AlternateContent xmlns:mc="http://schemas.openxmlformats.org/markup-compatibility/2006">
-    <mc:Choice xmlns:p14="http://schemas.microsoft.com/office/powerpoint/2010/main" Requires="p14">
+  <mc:AlternateContent xmlns:mc="http://schemas.openxmlformats.org/markup-compatibility/2006" xmlns:p14="http://schemas.microsoft.com/office/powerpoint/2010/main">
+    <mc:Choice Requires="p14">
       <p:transition spd="slow" p14:dur="1500">
         <p:random/>
       </p:transition>
     </mc:Choice>
-    <mc:Fallback>
+    <mc:Fallback xmlns="">
       <p:transition spd="slow">
         <p:random/>
       </p:transition>
@@ -3108,7 +3118,7 @@
           <a:p>
             <a:fld id="{7E18DB4A-8810-4A10-AD5C-D5E2C667F5B3}" type="datetime1">
               <a:rPr lang="en-US" smtClean="0"/>
-              <a:t>7/12/2024</a:t>
+              <a:t>7/14/2024</a:t>
             </a:fld>
             <a:endParaRPr lang="en-US" dirty="0"/>
           </a:p>
@@ -3167,13 +3177,13 @@
   <p:clrMapOvr>
     <a:masterClrMapping/>
   </p:clrMapOvr>
-  <mc:AlternateContent xmlns:mc="http://schemas.openxmlformats.org/markup-compatibility/2006">
-    <mc:Choice xmlns:p14="http://schemas.microsoft.com/office/powerpoint/2010/main" Requires="p14">
+  <mc:AlternateContent xmlns:mc="http://schemas.openxmlformats.org/markup-compatibility/2006" xmlns:p14="http://schemas.microsoft.com/office/powerpoint/2010/main">
+    <mc:Choice Requires="p14">
       <p:transition spd="slow" p14:dur="1500">
         <p:random/>
       </p:transition>
     </mc:Choice>
-    <mc:Fallback>
+    <mc:Fallback xmlns="">
       <p:transition spd="slow">
         <p:random/>
       </p:transition>
@@ -3331,7 +3341,7 @@
           <a:p>
             <a:fld id="{ED291B17-9318-49DB-B28B-6E5994AE9581}" type="datetime1">
               <a:rPr lang="en-US" smtClean="0"/>
-              <a:t>7/12/2024</a:t>
+              <a:t>7/14/2024</a:t>
             </a:fld>
             <a:endParaRPr lang="en-US" dirty="0"/>
           </a:p>
@@ -3549,13 +3559,13 @@
     <p:sldLayoutId id="2147483665" r:id="rId10"/>
     <p:sldLayoutId id="2147483667" r:id="rId11"/>
   </p:sldLayoutIdLst>
-  <mc:AlternateContent xmlns:mc="http://schemas.openxmlformats.org/markup-compatibility/2006">
-    <mc:Choice xmlns:p14="http://schemas.microsoft.com/office/powerpoint/2010/main" Requires="p14">
+  <mc:AlternateContent xmlns:mc="http://schemas.openxmlformats.org/markup-compatibility/2006" xmlns:p14="http://schemas.microsoft.com/office/powerpoint/2010/main">
+    <mc:Choice Requires="p14">
       <p:transition spd="slow" p14:dur="1500">
         <p:random/>
       </p:transition>
     </mc:Choice>
-    <mc:Fallback>
+    <mc:Fallback xmlns="">
       <p:transition spd="slow">
         <p:random/>
       </p:transition>
@@ -4432,13 +4442,848 @@
   <p:clrMapOvr>
     <a:masterClrMapping/>
   </p:clrMapOvr>
-  <mc:AlternateContent xmlns:mc="http://schemas.openxmlformats.org/markup-compatibility/2006">
-    <mc:Choice xmlns:p14="http://schemas.microsoft.com/office/powerpoint/2010/main" Requires="p14">
+  <mc:AlternateContent xmlns:mc="http://schemas.openxmlformats.org/markup-compatibility/2006" xmlns:p14="http://schemas.microsoft.com/office/powerpoint/2010/main">
+    <mc:Choice Requires="p14">
       <p:transition spd="slow" p14:dur="1500">
         <p:random/>
       </p:transition>
     </mc:Choice>
-    <mc:Fallback>
+    <mc:Fallback xmlns="">
+      <p:transition spd="slow">
+        <p:random/>
+      </p:transition>
+    </mc:Fallback>
+  </mc:AlternateContent>
+</p:sld>
+</file>
+
+<file path=ppt/slides/slide10.xml><?xml version="1.0" encoding="utf-8"?>
+<p:sld xmlns:a="http://schemas.openxmlformats.org/drawingml/2006/main" xmlns:r="http://schemas.openxmlformats.org/officeDocument/2006/relationships" xmlns:p="http://schemas.openxmlformats.org/presentationml/2006/main">
+  <p:cSld>
+    <p:bg>
+      <p:bgPr>
+        <a:solidFill>
+          <a:schemeClr val="bg1"/>
+        </a:solidFill>
+        <a:effectLst/>
+      </p:bgPr>
+    </p:bg>
+    <p:spTree>
+      <p:nvGrpSpPr>
+        <p:cNvPr id="1" name=""/>
+        <p:cNvGrpSpPr/>
+        <p:nvPr/>
+      </p:nvGrpSpPr>
+      <p:grpSpPr>
+        <a:xfrm>
+          <a:off x="0" y="0"/>
+          <a:ext cx="0" cy="0"/>
+          <a:chOff x="0" y="0"/>
+          <a:chExt cx="0" cy="0"/>
+        </a:xfrm>
+      </p:grpSpPr>
+      <p:sp useBgFill="1">
+        <p:nvSpPr>
+          <p:cNvPr id="9" name="Rectangle 8">
+            <a:extLst>
+              <a:ext uri="{FF2B5EF4-FFF2-40B4-BE49-F238E27FC236}">
+                <a16:creationId xmlns:a16="http://schemas.microsoft.com/office/drawing/2014/main" id="{504BED40-EAF7-4E55-AFF7-2CD840EBD3AA}"/>
+              </a:ext>
+              <a:ext uri="{C183D7F6-B498-43B3-948B-1728B52AA6E4}">
+                <adec:decorative xmlns:adec="http://schemas.microsoft.com/office/drawing/2017/decorative" val="1"/>
+              </a:ext>
+            </a:extLst>
+          </p:cNvPr>
+          <p:cNvSpPr>
+            <a:spLocks noGrp="1" noRot="1" noChangeAspect="1" noMove="1" noResize="1" noEditPoints="1" noAdjustHandles="1" noChangeArrowheads="1" noChangeShapeType="1" noTextEdit="1"/>
+          </p:cNvSpPr>
+          <p:nvPr>
+            <p:extLst>
+              <p:ext uri="{386F3935-93C4-4BCD-93E2-E3B085C9AB24}">
+                <p16:designElem xmlns:p16="http://schemas.microsoft.com/office/powerpoint/2015/main" val="1"/>
+              </p:ext>
+            </p:extLst>
+          </p:nvPr>
+        </p:nvSpPr>
+        <p:spPr>
+          <a:xfrm>
+            <a:off x="0" y="0"/>
+            <a:ext cx="12192000" cy="6858000"/>
+          </a:xfrm>
+          <a:prstGeom prst="rect">
+            <a:avLst/>
+          </a:prstGeom>
+          <a:ln>
+            <a:noFill/>
+          </a:ln>
+        </p:spPr>
+        <p:style>
+          <a:lnRef idx="2">
+            <a:schemeClr val="accent1">
+              <a:shade val="50000"/>
+            </a:schemeClr>
+          </a:lnRef>
+          <a:fillRef idx="1">
+            <a:schemeClr val="accent1"/>
+          </a:fillRef>
+          <a:effectRef idx="0">
+            <a:schemeClr val="accent1"/>
+          </a:effectRef>
+          <a:fontRef idx="minor">
+            <a:schemeClr val="lt1"/>
+          </a:fontRef>
+        </p:style>
+        <p:txBody>
+          <a:bodyPr rtlCol="0" anchor="ctr"/>
+          <a:lstStyle/>
+          <a:p>
+            <a:pPr algn="ctr"/>
+            <a:endParaRPr lang="en-US"/>
+          </a:p>
+        </p:txBody>
+      </p:sp>
+      <p:sp>
+        <p:nvSpPr>
+          <p:cNvPr id="2" name="כותרת 1">
+            <a:extLst>
+              <a:ext uri="{FF2B5EF4-FFF2-40B4-BE49-F238E27FC236}">
+                <a16:creationId xmlns:a16="http://schemas.microsoft.com/office/drawing/2014/main" id="{18B2BB5A-88F1-21DE-9CE2-622CEB143C10}"/>
+              </a:ext>
+            </a:extLst>
+          </p:cNvPr>
+          <p:cNvSpPr>
+            <a:spLocks noGrp="1"/>
+          </p:cNvSpPr>
+          <p:nvPr>
+            <p:ph type="title"/>
+          </p:nvPr>
+        </p:nvSpPr>
+        <p:spPr>
+          <a:xfrm>
+            <a:off x="581193" y="702156"/>
+            <a:ext cx="6309003" cy="1013800"/>
+          </a:xfrm>
+        </p:spPr>
+        <p:txBody>
+          <a:bodyPr>
+            <a:normAutofit/>
+          </a:bodyPr>
+          <a:lstStyle/>
+          <a:p>
+            <a:pPr>
+              <a:lnSpc>
+                <a:spcPct val="90000"/>
+              </a:lnSpc>
+            </a:pPr>
+            <a:r>
+              <a:rPr lang="en-US" sz="3300">
+                <a:solidFill>
+                  <a:schemeClr val="tx2"/>
+                </a:solidFill>
+              </a:rPr>
+              <a:t>Difficulties And Hurdles During The Project</a:t>
+            </a:r>
+            <a:endParaRPr lang="he-IL" sz="3300">
+              <a:solidFill>
+                <a:schemeClr val="tx2"/>
+              </a:solidFill>
+            </a:endParaRPr>
+          </a:p>
+        </p:txBody>
+      </p:sp>
+      <p:sp>
+        <p:nvSpPr>
+          <p:cNvPr id="11" name="Rectangle 10">
+            <a:extLst>
+              <a:ext uri="{FF2B5EF4-FFF2-40B4-BE49-F238E27FC236}">
+                <a16:creationId xmlns:a16="http://schemas.microsoft.com/office/drawing/2014/main" id="{F367CCF1-BB1E-41CF-8499-94A870C33EFA}"/>
+              </a:ext>
+              <a:ext uri="{C183D7F6-B498-43B3-948B-1728B52AA6E4}">
+                <adec:decorative xmlns:adec="http://schemas.microsoft.com/office/drawing/2017/decorative" val="1"/>
+              </a:ext>
+            </a:extLst>
+          </p:cNvPr>
+          <p:cNvSpPr>
+            <a:spLocks noGrp="1" noRot="1" noChangeAspect="1" noMove="1" noResize="1" noEditPoints="1" noAdjustHandles="1" noChangeArrowheads="1" noChangeShapeType="1" noTextEdit="1"/>
+          </p:cNvSpPr>
+          <p:nvPr>
+            <p:extLst>
+              <p:ext uri="{386F3935-93C4-4BCD-93E2-E3B085C9AB24}">
+                <p16:designElem xmlns:p16="http://schemas.microsoft.com/office/powerpoint/2015/main" val="1"/>
+              </p:ext>
+            </p:extLst>
+          </p:nvPr>
+        </p:nvSpPr>
+        <p:spPr>
+          <a:xfrm>
+            <a:off x="446534" y="457200"/>
+            <a:ext cx="6675120" cy="94997"/>
+          </a:xfrm>
+          <a:prstGeom prst="rect">
+            <a:avLst/>
+          </a:prstGeom>
+          <a:solidFill>
+            <a:schemeClr val="accent1"/>
+          </a:solidFill>
+          <a:ln>
+            <a:noFill/>
+          </a:ln>
+          <a:effectLst/>
+        </p:spPr>
+        <p:style>
+          <a:lnRef idx="1">
+            <a:schemeClr val="accent1"/>
+          </a:lnRef>
+          <a:fillRef idx="3">
+            <a:schemeClr val="accent1"/>
+          </a:fillRef>
+          <a:effectRef idx="2">
+            <a:schemeClr val="accent1"/>
+          </a:effectRef>
+          <a:fontRef idx="minor">
+            <a:schemeClr val="lt1"/>
+          </a:fontRef>
+        </p:style>
+        <p:txBody>
+          <a:bodyPr/>
+          <a:lstStyle/>
+          <a:p>
+            <a:endParaRPr lang="en-US"/>
+          </a:p>
+        </p:txBody>
+      </p:sp>
+      <p:sp>
+        <p:nvSpPr>
+          <p:cNvPr id="3" name="מציין מיקום תוכן 2">
+            <a:extLst>
+              <a:ext uri="{FF2B5EF4-FFF2-40B4-BE49-F238E27FC236}">
+                <a16:creationId xmlns:a16="http://schemas.microsoft.com/office/drawing/2014/main" id="{148CE4C4-2C1F-BC75-CEA3-72B4754E3258}"/>
+              </a:ext>
+            </a:extLst>
+          </p:cNvPr>
+          <p:cNvSpPr>
+            <a:spLocks noGrp="1"/>
+          </p:cNvSpPr>
+          <p:nvPr>
+            <p:ph idx="1"/>
+          </p:nvPr>
+        </p:nvSpPr>
+        <p:spPr>
+          <a:xfrm>
+            <a:off x="581194" y="1896533"/>
+            <a:ext cx="6309003" cy="3962266"/>
+          </a:xfrm>
+        </p:spPr>
+        <p:txBody>
+          <a:bodyPr>
+            <a:normAutofit/>
+          </a:bodyPr>
+          <a:lstStyle/>
+          <a:p>
+            <a:pPr marL="0" indent="0">
+              <a:buNone/>
+            </a:pPr>
+            <a:r>
+              <a:rPr lang="en-US" dirty="0">
+                <a:solidFill>
+                  <a:schemeClr val="tx2"/>
+                </a:solidFill>
+                <a:latin typeface="+mj-lt"/>
+              </a:rPr>
+              <a:t>During the project I faced some difficulties and problems that challenged me. </a:t>
+            </a:r>
+          </a:p>
+          <a:p>
+            <a:pPr marL="0" indent="0">
+              <a:buNone/>
+            </a:pPr>
+            <a:r>
+              <a:rPr lang="en-US" dirty="0">
+                <a:solidFill>
+                  <a:schemeClr val="tx2"/>
+                </a:solidFill>
+                <a:latin typeface="+mj-lt"/>
+              </a:rPr>
+              <a:t>An example for this is a random bug that suddenly occurred while I making sure that the test are running smoothly and made all the test fail without changing anything in the code, but with some help from my friends (credit for Jameel for helping me with this bug </a:t>
+            </a:r>
+            <a:r>
+              <a:rPr lang="en-US" dirty="0">
+                <a:solidFill>
+                  <a:schemeClr val="tx2"/>
+                </a:solidFill>
+                <a:latin typeface="+mj-lt"/>
+                <a:sym typeface="Wingdings" panose="05000000000000000000" pitchFamily="2" charset="2"/>
+              </a:rPr>
+              <a:t>), I managed to solve it.</a:t>
+            </a:r>
+            <a:r>
+              <a:rPr lang="en-US" dirty="0">
+                <a:solidFill>
+                  <a:schemeClr val="tx2"/>
+                </a:solidFill>
+                <a:latin typeface="+mj-lt"/>
+              </a:rPr>
+              <a:t> </a:t>
+            </a:r>
+            <a:endParaRPr lang="he-IL" dirty="0">
+              <a:solidFill>
+                <a:schemeClr val="tx2"/>
+              </a:solidFill>
+              <a:latin typeface="+mj-lt"/>
+            </a:endParaRPr>
+          </a:p>
+        </p:txBody>
+      </p:sp>
+      <p:pic>
+        <p:nvPicPr>
+          <p:cNvPr id="5" name="Picture 4" descr="Ladybug on a white background">
+            <a:extLst>
+              <a:ext uri="{FF2B5EF4-FFF2-40B4-BE49-F238E27FC236}">
+                <a16:creationId xmlns:a16="http://schemas.microsoft.com/office/drawing/2014/main" id="{2194E2D6-73DE-0F89-7075-496062F3728C}"/>
+              </a:ext>
+            </a:extLst>
+          </p:cNvPr>
+          <p:cNvPicPr>
+            <a:picLocks noChangeAspect="1"/>
+          </p:cNvPicPr>
+          <p:nvPr/>
+        </p:nvPicPr>
+        <p:blipFill rotWithShape="1">
+          <a:blip r:embed="rId2"/>
+          <a:srcRect l="9496" r="44873" b="2"/>
+          <a:stretch/>
+        </p:blipFill>
+        <p:spPr>
+          <a:xfrm>
+            <a:off x="7521283" y="10"/>
+            <a:ext cx="4670717" cy="6857990"/>
+          </a:xfrm>
+          <a:prstGeom prst="rect">
+            <a:avLst/>
+          </a:prstGeom>
+        </p:spPr>
+      </p:pic>
+    </p:spTree>
+    <p:extLst>
+      <p:ext uri="{BB962C8B-B14F-4D97-AF65-F5344CB8AC3E}">
+        <p14:creationId xmlns:p14="http://schemas.microsoft.com/office/powerpoint/2010/main" val="273271295"/>
+      </p:ext>
+    </p:extLst>
+  </p:cSld>
+  <p:clrMapOvr>
+    <a:masterClrMapping/>
+  </p:clrMapOvr>
+  <mc:AlternateContent xmlns:mc="http://schemas.openxmlformats.org/markup-compatibility/2006" xmlns:p14="http://schemas.microsoft.com/office/powerpoint/2010/main">
+    <mc:Choice Requires="p14">
+      <p:transition spd="slow" p14:dur="1500">
+        <p:random/>
+      </p:transition>
+    </mc:Choice>
+    <mc:Fallback xmlns="">
+      <p:transition spd="slow">
+        <p:random/>
+      </p:transition>
+    </mc:Fallback>
+  </mc:AlternateContent>
+</p:sld>
+</file>
+
+<file path=ppt/slides/slide11.xml><?xml version="1.0" encoding="utf-8"?>
+<p:sld xmlns:a="http://schemas.openxmlformats.org/drawingml/2006/main" xmlns:r="http://schemas.openxmlformats.org/officeDocument/2006/relationships" xmlns:p="http://schemas.openxmlformats.org/presentationml/2006/main">
+  <p:cSld>
+    <p:bg>
+      <p:bgPr>
+        <a:solidFill>
+          <a:schemeClr val="bg1"/>
+        </a:solidFill>
+        <a:effectLst/>
+      </p:bgPr>
+    </p:bg>
+    <p:spTree>
+      <p:nvGrpSpPr>
+        <p:cNvPr id="1" name=""/>
+        <p:cNvGrpSpPr/>
+        <p:nvPr/>
+      </p:nvGrpSpPr>
+      <p:grpSpPr>
+        <a:xfrm>
+          <a:off x="0" y="0"/>
+          <a:ext cx="0" cy="0"/>
+          <a:chOff x="0" y="0"/>
+          <a:chExt cx="0" cy="0"/>
+        </a:xfrm>
+      </p:grpSpPr>
+      <p:sp>
+        <p:nvSpPr>
+          <p:cNvPr id="9" name="Rectangle 8">
+            <a:extLst>
+              <a:ext uri="{FF2B5EF4-FFF2-40B4-BE49-F238E27FC236}">
+                <a16:creationId xmlns:a16="http://schemas.microsoft.com/office/drawing/2014/main" id="{E6C8E6EB-4C59-429B-97E4-72A058CFC4FB}"/>
+              </a:ext>
+              <a:ext uri="{C183D7F6-B498-43B3-948B-1728B52AA6E4}">
+                <adec:decorative xmlns:adec="http://schemas.microsoft.com/office/drawing/2017/decorative" val="1"/>
+              </a:ext>
+            </a:extLst>
+          </p:cNvPr>
+          <p:cNvSpPr>
+            <a:spLocks noGrp="1" noRot="1" noChangeAspect="1" noMove="1" noResize="1" noEditPoints="1" noAdjustHandles="1" noChangeArrowheads="1" noChangeShapeType="1" noTextEdit="1"/>
+          </p:cNvSpPr>
+          <p:nvPr>
+            <p:extLst>
+              <p:ext uri="{386F3935-93C4-4BCD-93E2-E3B085C9AB24}">
+                <p16:designElem xmlns:p16="http://schemas.microsoft.com/office/powerpoint/2015/main" val="1"/>
+              </p:ext>
+            </p:extLst>
+          </p:nvPr>
+        </p:nvSpPr>
+        <p:spPr>
+          <a:xfrm>
+            <a:off x="446534" y="457200"/>
+            <a:ext cx="3703320" cy="94997"/>
+          </a:xfrm>
+          <a:prstGeom prst="rect">
+            <a:avLst/>
+          </a:prstGeom>
+          <a:solidFill>
+            <a:srgbClr val="465359"/>
+          </a:solidFill>
+          <a:ln>
+            <a:noFill/>
+          </a:ln>
+          <a:effectLst/>
+        </p:spPr>
+        <p:style>
+          <a:lnRef idx="1">
+            <a:schemeClr val="accent1"/>
+          </a:lnRef>
+          <a:fillRef idx="3">
+            <a:schemeClr val="accent1"/>
+          </a:fillRef>
+          <a:effectRef idx="2">
+            <a:schemeClr val="accent1"/>
+          </a:effectRef>
+          <a:fontRef idx="minor">
+            <a:schemeClr val="lt1"/>
+          </a:fontRef>
+        </p:style>
+        <p:txBody>
+          <a:bodyPr/>
+          <a:lstStyle/>
+          <a:p>
+            <a:endParaRPr lang="he-IL"/>
+          </a:p>
+        </p:txBody>
+      </p:sp>
+      <p:sp>
+        <p:nvSpPr>
+          <p:cNvPr id="11" name="Rectangle 10">
+            <a:extLst>
+              <a:ext uri="{FF2B5EF4-FFF2-40B4-BE49-F238E27FC236}">
+                <a16:creationId xmlns:a16="http://schemas.microsoft.com/office/drawing/2014/main" id="{B5B90362-AFCC-46A9-B41C-A257A8C5B314}"/>
+              </a:ext>
+              <a:ext uri="{C183D7F6-B498-43B3-948B-1728B52AA6E4}">
+                <adec:decorative xmlns:adec="http://schemas.microsoft.com/office/drawing/2017/decorative" val="1"/>
+              </a:ext>
+            </a:extLst>
+          </p:cNvPr>
+          <p:cNvSpPr>
+            <a:spLocks noGrp="1" noRot="1" noChangeAspect="1" noMove="1" noResize="1" noEditPoints="1" noAdjustHandles="1" noChangeArrowheads="1" noChangeShapeType="1" noTextEdit="1"/>
+          </p:cNvSpPr>
+          <p:nvPr>
+            <p:extLst>
+              <p:ext uri="{386F3935-93C4-4BCD-93E2-E3B085C9AB24}">
+                <p16:designElem xmlns:p16="http://schemas.microsoft.com/office/powerpoint/2015/main" val="1"/>
+              </p:ext>
+            </p:extLst>
+          </p:nvPr>
+        </p:nvSpPr>
+        <p:spPr>
+          <a:xfrm>
+            <a:off x="8042147" y="453643"/>
+            <a:ext cx="3703320" cy="98554"/>
+          </a:xfrm>
+          <a:prstGeom prst="rect">
+            <a:avLst/>
+          </a:prstGeom>
+          <a:solidFill>
+            <a:srgbClr val="969FA7"/>
+          </a:solidFill>
+          <a:ln>
+            <a:noFill/>
+          </a:ln>
+          <a:effectLst/>
+        </p:spPr>
+        <p:style>
+          <a:lnRef idx="1">
+            <a:schemeClr val="accent1"/>
+          </a:lnRef>
+          <a:fillRef idx="3">
+            <a:schemeClr val="accent1"/>
+          </a:fillRef>
+          <a:effectRef idx="2">
+            <a:schemeClr val="accent1"/>
+          </a:effectRef>
+          <a:fontRef idx="minor">
+            <a:schemeClr val="lt1"/>
+          </a:fontRef>
+        </p:style>
+        <p:txBody>
+          <a:bodyPr/>
+          <a:lstStyle/>
+          <a:p>
+            <a:endParaRPr lang="he-IL"/>
+          </a:p>
+        </p:txBody>
+      </p:sp>
+      <p:sp>
+        <p:nvSpPr>
+          <p:cNvPr id="13" name="Rectangle 12">
+            <a:extLst>
+              <a:ext uri="{FF2B5EF4-FFF2-40B4-BE49-F238E27FC236}">
+                <a16:creationId xmlns:a16="http://schemas.microsoft.com/office/drawing/2014/main" id="{F71EF7F1-38BA-471D-8CD4-2A9AE8E35527}"/>
+              </a:ext>
+              <a:ext uri="{C183D7F6-B498-43B3-948B-1728B52AA6E4}">
+                <adec:decorative xmlns:adec="http://schemas.microsoft.com/office/drawing/2017/decorative" val="1"/>
+              </a:ext>
+            </a:extLst>
+          </p:cNvPr>
+          <p:cNvSpPr>
+            <a:spLocks noGrp="1" noRot="1" noChangeAspect="1" noMove="1" noResize="1" noEditPoints="1" noAdjustHandles="1" noChangeArrowheads="1" noChangeShapeType="1" noTextEdit="1"/>
+          </p:cNvSpPr>
+          <p:nvPr>
+            <p:extLst>
+              <p:ext uri="{386F3935-93C4-4BCD-93E2-E3B085C9AB24}">
+                <p16:designElem xmlns:p16="http://schemas.microsoft.com/office/powerpoint/2015/main" val="1"/>
+              </p:ext>
+            </p:extLst>
+          </p:nvPr>
+        </p:nvSpPr>
+        <p:spPr>
+          <a:xfrm>
+            <a:off x="4241830" y="457200"/>
+            <a:ext cx="3703320" cy="91440"/>
+          </a:xfrm>
+          <a:prstGeom prst="rect">
+            <a:avLst/>
+          </a:prstGeom>
+          <a:solidFill>
+            <a:schemeClr val="accent1"/>
+          </a:solidFill>
+          <a:ln>
+            <a:noFill/>
+          </a:ln>
+          <a:effectLst/>
+        </p:spPr>
+        <p:style>
+          <a:lnRef idx="1">
+            <a:schemeClr val="accent1"/>
+          </a:lnRef>
+          <a:fillRef idx="3">
+            <a:schemeClr val="accent1"/>
+          </a:fillRef>
+          <a:effectRef idx="2">
+            <a:schemeClr val="accent1"/>
+          </a:effectRef>
+          <a:fontRef idx="minor">
+            <a:schemeClr val="lt1"/>
+          </a:fontRef>
+        </p:style>
+        <p:txBody>
+          <a:bodyPr/>
+          <a:lstStyle/>
+          <a:p>
+            <a:endParaRPr lang="he-IL"/>
+          </a:p>
+        </p:txBody>
+      </p:sp>
+      <p:sp>
+        <p:nvSpPr>
+          <p:cNvPr id="15" name="Rectangle 14">
+            <a:extLst>
+              <a:ext uri="{FF2B5EF4-FFF2-40B4-BE49-F238E27FC236}">
+                <a16:creationId xmlns:a16="http://schemas.microsoft.com/office/drawing/2014/main" id="{C0524398-BFB4-4C4A-8317-83B8729F9B26}"/>
+              </a:ext>
+              <a:ext uri="{C183D7F6-B498-43B3-948B-1728B52AA6E4}">
+                <adec:decorative xmlns:adec="http://schemas.microsoft.com/office/drawing/2017/decorative" val="1"/>
+              </a:ext>
+            </a:extLst>
+          </p:cNvPr>
+          <p:cNvSpPr>
+            <a:spLocks noGrp="1" noRot="1" noChangeAspect="1" noMove="1" noResize="1" noEditPoints="1" noAdjustHandles="1" noChangeArrowheads="1" noChangeShapeType="1" noTextEdit="1"/>
+          </p:cNvSpPr>
+          <p:nvPr>
+            <p:extLst>
+              <p:ext uri="{386F3935-93C4-4BCD-93E2-E3B085C9AB24}">
+                <p16:designElem xmlns:p16="http://schemas.microsoft.com/office/powerpoint/2015/main" val="1"/>
+              </p:ext>
+            </p:extLst>
+          </p:nvPr>
+        </p:nvSpPr>
+        <p:spPr>
+          <a:xfrm>
+            <a:off x="446534" y="3085764"/>
+            <a:ext cx="11298932" cy="3338149"/>
+          </a:xfrm>
+          <a:prstGeom prst="rect">
+            <a:avLst/>
+          </a:prstGeom>
+          <a:solidFill>
+            <a:srgbClr val="465359"/>
+          </a:solidFill>
+          <a:ln>
+            <a:noFill/>
+          </a:ln>
+          <a:effectLst/>
+        </p:spPr>
+        <p:style>
+          <a:lnRef idx="1">
+            <a:schemeClr val="accent1"/>
+          </a:lnRef>
+          <a:fillRef idx="3">
+            <a:schemeClr val="accent1"/>
+          </a:fillRef>
+          <a:effectRef idx="2">
+            <a:schemeClr val="accent1"/>
+          </a:effectRef>
+          <a:fontRef idx="minor">
+            <a:schemeClr val="lt1"/>
+          </a:fontRef>
+        </p:style>
+        <p:txBody>
+          <a:bodyPr/>
+          <a:lstStyle/>
+          <a:p>
+            <a:endParaRPr lang="he-IL"/>
+          </a:p>
+        </p:txBody>
+      </p:sp>
+      <p:sp useBgFill="1">
+        <p:nvSpPr>
+          <p:cNvPr id="17" name="Rectangle 16">
+            <a:extLst>
+              <a:ext uri="{FF2B5EF4-FFF2-40B4-BE49-F238E27FC236}">
+                <a16:creationId xmlns:a16="http://schemas.microsoft.com/office/drawing/2014/main" id="{2FB82883-1DC0-4BE1-A607-009095F3355A}"/>
+              </a:ext>
+              <a:ext uri="{C183D7F6-B498-43B3-948B-1728B52AA6E4}">
+                <adec:decorative xmlns:adec="http://schemas.microsoft.com/office/drawing/2017/decorative" val="1"/>
+              </a:ext>
+            </a:extLst>
+          </p:cNvPr>
+          <p:cNvSpPr>
+            <a:spLocks noGrp="1" noRot="1" noChangeAspect="1" noMove="1" noResize="1" noEditPoints="1" noAdjustHandles="1" noChangeArrowheads="1" noChangeShapeType="1" noTextEdit="1"/>
+          </p:cNvSpPr>
+          <p:nvPr>
+            <p:extLst>
+              <p:ext uri="{386F3935-93C4-4BCD-93E2-E3B085C9AB24}">
+                <p16:designElem xmlns:p16="http://schemas.microsoft.com/office/powerpoint/2015/main" val="1"/>
+              </p:ext>
+            </p:extLst>
+          </p:nvPr>
+        </p:nvSpPr>
+        <p:spPr>
+          <a:xfrm>
+            <a:off x="0" y="0"/>
+            <a:ext cx="12192000" cy="6858000"/>
+          </a:xfrm>
+          <a:prstGeom prst="rect">
+            <a:avLst/>
+          </a:prstGeom>
+          <a:ln>
+            <a:noFill/>
+          </a:ln>
+        </p:spPr>
+        <p:style>
+          <a:lnRef idx="2">
+            <a:schemeClr val="accent1">
+              <a:shade val="50000"/>
+            </a:schemeClr>
+          </a:lnRef>
+          <a:fillRef idx="1">
+            <a:schemeClr val="accent1"/>
+          </a:fillRef>
+          <a:effectRef idx="0">
+            <a:schemeClr val="accent1"/>
+          </a:effectRef>
+          <a:fontRef idx="minor">
+            <a:schemeClr val="lt1"/>
+          </a:fontRef>
+        </p:style>
+        <p:txBody>
+          <a:bodyPr rtlCol="0" anchor="ctr"/>
+          <a:lstStyle/>
+          <a:p>
+            <a:pPr algn="ctr"/>
+            <a:endParaRPr lang="en-US"/>
+          </a:p>
+        </p:txBody>
+      </p:sp>
+      <p:pic>
+        <p:nvPicPr>
+          <p:cNvPr id="5" name="Picture 4" descr="Computer script on a screen">
+            <a:extLst>
+              <a:ext uri="{FF2B5EF4-FFF2-40B4-BE49-F238E27FC236}">
+                <a16:creationId xmlns:a16="http://schemas.microsoft.com/office/drawing/2014/main" id="{6A679BBA-863C-ABA6-80CB-DACA8D9E8D47}"/>
+              </a:ext>
+            </a:extLst>
+          </p:cNvPr>
+          <p:cNvPicPr>
+            <a:picLocks noChangeAspect="1"/>
+          </p:cNvPicPr>
+          <p:nvPr/>
+        </p:nvPicPr>
+        <p:blipFill rotWithShape="1">
+          <a:blip r:embed="rId2"/>
+          <a:srcRect t="5981" b="9750"/>
+          <a:stretch/>
+        </p:blipFill>
+        <p:spPr>
+          <a:xfrm>
+            <a:off x="20" y="10"/>
+            <a:ext cx="12191980" cy="6857990"/>
+          </a:xfrm>
+          <a:prstGeom prst="rect">
+            <a:avLst/>
+          </a:prstGeom>
+        </p:spPr>
+      </p:pic>
+      <p:sp>
+        <p:nvSpPr>
+          <p:cNvPr id="19" name="Rectangle 18">
+            <a:extLst>
+              <a:ext uri="{FF2B5EF4-FFF2-40B4-BE49-F238E27FC236}">
+                <a16:creationId xmlns:a16="http://schemas.microsoft.com/office/drawing/2014/main" id="{9FA98EAA-A866-4C95-A2A8-44E46FBAD5A0}"/>
+              </a:ext>
+              <a:ext uri="{C183D7F6-B498-43B3-948B-1728B52AA6E4}">
+                <adec:decorative xmlns:adec="http://schemas.microsoft.com/office/drawing/2017/decorative" val="1"/>
+              </a:ext>
+            </a:extLst>
+          </p:cNvPr>
+          <p:cNvSpPr>
+            <a:spLocks noGrp="1" noRot="1" noChangeAspect="1" noMove="1" noResize="1" noEditPoints="1" noAdjustHandles="1" noChangeArrowheads="1" noChangeShapeType="1" noTextEdit="1"/>
+          </p:cNvSpPr>
+          <p:nvPr>
+            <p:extLst>
+              <p:ext uri="{386F3935-93C4-4BCD-93E2-E3B085C9AB24}">
+                <p16:designElem xmlns:p16="http://schemas.microsoft.com/office/powerpoint/2015/main" val="1"/>
+              </p:ext>
+            </p:extLst>
+          </p:nvPr>
+        </p:nvSpPr>
+        <p:spPr>
+          <a:xfrm rot="10800000">
+            <a:off x="-3" y="4530071"/>
+            <a:ext cx="12191999" cy="2327926"/>
+          </a:xfrm>
+          <a:prstGeom prst="rect">
+            <a:avLst/>
+          </a:prstGeom>
+          <a:gradFill flip="none" rotWithShape="1">
+            <a:gsLst>
+              <a:gs pos="56000">
+                <a:schemeClr val="tx1">
+                  <a:alpha val="39000"/>
+                </a:schemeClr>
+              </a:gs>
+              <a:gs pos="100000">
+                <a:schemeClr val="tx1">
+                  <a:alpha val="80000"/>
+                </a:schemeClr>
+              </a:gs>
+              <a:gs pos="0">
+                <a:schemeClr val="tx1">
+                  <a:alpha val="0"/>
+                </a:schemeClr>
+              </a:gs>
+            </a:gsLst>
+            <a:lin ang="16200000" scaled="1"/>
+            <a:tileRect/>
+          </a:gradFill>
+          <a:ln>
+            <a:noFill/>
+          </a:ln>
+        </p:spPr>
+        <p:style>
+          <a:lnRef idx="2">
+            <a:schemeClr val="accent1">
+              <a:shade val="50000"/>
+            </a:schemeClr>
+          </a:lnRef>
+          <a:fillRef idx="1">
+            <a:schemeClr val="accent1"/>
+          </a:fillRef>
+          <a:effectRef idx="0">
+            <a:schemeClr val="accent1"/>
+          </a:effectRef>
+          <a:fontRef idx="minor">
+            <a:schemeClr val="lt1"/>
+          </a:fontRef>
+        </p:style>
+        <p:txBody>
+          <a:bodyPr rtlCol="0" anchor="ctr"/>
+          <a:lstStyle/>
+          <a:p>
+            <a:pPr algn="ctr"/>
+            <a:endParaRPr lang="en-US"/>
+          </a:p>
+        </p:txBody>
+      </p:sp>
+      <p:sp>
+        <p:nvSpPr>
+          <p:cNvPr id="2" name="כותרת 1">
+            <a:extLst>
+              <a:ext uri="{FF2B5EF4-FFF2-40B4-BE49-F238E27FC236}">
+                <a16:creationId xmlns:a16="http://schemas.microsoft.com/office/drawing/2014/main" id="{2BBAD259-5D06-9DC6-563B-79DD3DB9F128}"/>
+              </a:ext>
+            </a:extLst>
+          </p:cNvPr>
+          <p:cNvSpPr>
+            <a:spLocks noGrp="1"/>
+          </p:cNvSpPr>
+          <p:nvPr>
+            <p:ph type="title"/>
+          </p:nvPr>
+        </p:nvSpPr>
+        <p:spPr>
+          <a:xfrm>
+            <a:off x="2103121" y="4727173"/>
+            <a:ext cx="7985759" cy="868823"/>
+          </a:xfrm>
+        </p:spPr>
+        <p:txBody>
+          <a:bodyPr vert="horz" lIns="91440" tIns="45720" rIns="91440" bIns="45720" rtlCol="0" anchor="b">
+            <a:normAutofit/>
+          </a:bodyPr>
+          <a:lstStyle/>
+          <a:p>
+            <a:pPr algn="ctr"/>
+            <a:r>
+              <a:rPr lang="en-US" sz="4000" cap="all" dirty="0">
+                <a:solidFill>
+                  <a:schemeClr val="bg1"/>
+                </a:solidFill>
+              </a:rPr>
+              <a:t>Thank You For Listening!</a:t>
+            </a:r>
+          </a:p>
+        </p:txBody>
+      </p:sp>
+    </p:spTree>
+    <p:extLst>
+      <p:ext uri="{BB962C8B-B14F-4D97-AF65-F5344CB8AC3E}">
+        <p14:creationId xmlns:p14="http://schemas.microsoft.com/office/powerpoint/2010/main" val="3555773614"/>
+      </p:ext>
+    </p:extLst>
+  </p:cSld>
+  <p:clrMapOvr>
+    <a:masterClrMapping/>
+  </p:clrMapOvr>
+  <mc:AlternateContent xmlns:mc="http://schemas.openxmlformats.org/markup-compatibility/2006" xmlns:p14="http://schemas.microsoft.com/office/powerpoint/2010/main">
+    <mc:Choice Requires="p14">
+      <p:transition spd="slow" p14:dur="1500">
+        <p:random/>
+      </p:transition>
+    </mc:Choice>
+    <mc:Fallback xmlns="">
       <p:transition spd="slow">
         <p:random/>
       </p:transition>
@@ -4736,13 +5581,13 @@
   <p:clrMapOvr>
     <a:masterClrMapping/>
   </p:clrMapOvr>
-  <mc:AlternateContent xmlns:mc="http://schemas.openxmlformats.org/markup-compatibility/2006">
-    <mc:Choice xmlns:p14="http://schemas.microsoft.com/office/powerpoint/2010/main" Requires="p14">
+  <mc:AlternateContent xmlns:mc="http://schemas.openxmlformats.org/markup-compatibility/2006" xmlns:p14="http://schemas.microsoft.com/office/powerpoint/2010/main">
+    <mc:Choice Requires="p14">
       <p:transition spd="slow" p14:dur="1500">
         <p:random/>
       </p:transition>
     </mc:Choice>
-    <mc:Fallback>
+    <mc:Fallback xmlns="">
       <p:transition spd="slow">
         <p:random/>
       </p:transition>
@@ -5040,13 +5885,13 @@
   <p:clrMapOvr>
     <a:masterClrMapping/>
   </p:clrMapOvr>
-  <mc:AlternateContent xmlns:mc="http://schemas.openxmlformats.org/markup-compatibility/2006">
-    <mc:Choice xmlns:p14="http://schemas.microsoft.com/office/powerpoint/2010/main" Requires="p14">
+  <mc:AlternateContent xmlns:mc="http://schemas.openxmlformats.org/markup-compatibility/2006" xmlns:p14="http://schemas.microsoft.com/office/powerpoint/2010/main">
+    <mc:Choice Requires="p14">
       <p:transition spd="slow" p14:dur="1500">
         <p:random/>
       </p:transition>
     </mc:Choice>
-    <mc:Fallback>
+    <mc:Fallback xmlns="">
       <p:transition spd="slow">
         <p:random/>
       </p:transition>
@@ -5229,13 +6074,13 @@
   <p:clrMapOvr>
     <a:masterClrMapping/>
   </p:clrMapOvr>
-  <mc:AlternateContent xmlns:mc="http://schemas.openxmlformats.org/markup-compatibility/2006">
-    <mc:Choice xmlns:p14="http://schemas.microsoft.com/office/powerpoint/2010/main" Requires="p14">
+  <mc:AlternateContent xmlns:mc="http://schemas.openxmlformats.org/markup-compatibility/2006" xmlns:p14="http://schemas.microsoft.com/office/powerpoint/2010/main">
+    <mc:Choice Requires="p14">
       <p:transition spd="slow" p14:dur="1500">
         <p:random/>
       </p:transition>
     </mc:Choice>
-    <mc:Fallback>
+    <mc:Fallback xmlns="">
       <p:transition spd="slow">
         <p:random/>
       </p:transition>
@@ -5247,6 +6092,14 @@
 <file path=ppt/slides/slide5.xml><?xml version="1.0" encoding="utf-8"?>
 <p:sld xmlns:a="http://schemas.openxmlformats.org/drawingml/2006/main" xmlns:r="http://schemas.openxmlformats.org/officeDocument/2006/relationships" xmlns:p="http://schemas.openxmlformats.org/presentationml/2006/main">
   <p:cSld>
+    <p:bg>
+      <p:bgPr>
+        <a:solidFill>
+          <a:schemeClr val="bg1"/>
+        </a:solidFill>
+        <a:effectLst/>
+      </p:bgPr>
+    </p:bg>
     <p:spTree>
       <p:nvGrpSpPr>
         <p:cNvPr id="1" name=""/>
@@ -5263,6 +6116,592 @@
       </p:grpSpPr>
       <p:sp>
         <p:nvSpPr>
+          <p:cNvPr id="10" name="Rectangle 9">
+            <a:extLst>
+              <a:ext uri="{FF2B5EF4-FFF2-40B4-BE49-F238E27FC236}">
+                <a16:creationId xmlns:a16="http://schemas.microsoft.com/office/drawing/2014/main" id="{DD651B61-325E-4E73-8445-38B0DE8AAAB6}"/>
+              </a:ext>
+              <a:ext uri="{C183D7F6-B498-43B3-948B-1728B52AA6E4}">
+                <adec:decorative xmlns:adec="http://schemas.microsoft.com/office/drawing/2017/decorative" val="1"/>
+              </a:ext>
+            </a:extLst>
+          </p:cNvPr>
+          <p:cNvSpPr>
+            <a:spLocks noGrp="1" noRot="1" noChangeAspect="1" noMove="1" noResize="1" noEditPoints="1" noAdjustHandles="1" noChangeArrowheads="1" noChangeShapeType="1" noTextEdit="1"/>
+          </p:cNvSpPr>
+          <p:nvPr>
+            <p:extLst>
+              <p:ext uri="{386F3935-93C4-4BCD-93E2-E3B085C9AB24}">
+                <p16:designElem xmlns:p16="http://schemas.microsoft.com/office/powerpoint/2015/main" val="1"/>
+              </p:ext>
+            </p:extLst>
+          </p:nvPr>
+        </p:nvSpPr>
+        <p:spPr>
+          <a:xfrm>
+            <a:off x="446534" y="457200"/>
+            <a:ext cx="3703320" cy="94997"/>
+          </a:xfrm>
+          <a:prstGeom prst="rect">
+            <a:avLst/>
+          </a:prstGeom>
+          <a:solidFill>
+            <a:srgbClr val="465359"/>
+          </a:solidFill>
+          <a:ln>
+            <a:noFill/>
+          </a:ln>
+          <a:effectLst/>
+        </p:spPr>
+        <p:style>
+          <a:lnRef idx="1">
+            <a:schemeClr val="accent1"/>
+          </a:lnRef>
+          <a:fillRef idx="3">
+            <a:schemeClr val="accent1"/>
+          </a:fillRef>
+          <a:effectRef idx="2">
+            <a:schemeClr val="accent1"/>
+          </a:effectRef>
+          <a:fontRef idx="minor">
+            <a:schemeClr val="lt1"/>
+          </a:fontRef>
+        </p:style>
+        <p:txBody>
+          <a:bodyPr/>
+          <a:lstStyle/>
+          <a:p>
+            <a:endParaRPr lang="he-IL"/>
+          </a:p>
+        </p:txBody>
+      </p:sp>
+      <p:sp>
+        <p:nvSpPr>
+          <p:cNvPr id="12" name="Rectangle 11">
+            <a:extLst>
+              <a:ext uri="{FF2B5EF4-FFF2-40B4-BE49-F238E27FC236}">
+                <a16:creationId xmlns:a16="http://schemas.microsoft.com/office/drawing/2014/main" id="{B42E5253-D3AC-4AC2-B766-8B34F13C2F5E}"/>
+              </a:ext>
+              <a:ext uri="{C183D7F6-B498-43B3-948B-1728B52AA6E4}">
+                <adec:decorative xmlns:adec="http://schemas.microsoft.com/office/drawing/2017/decorative" val="1"/>
+              </a:ext>
+            </a:extLst>
+          </p:cNvPr>
+          <p:cNvSpPr>
+            <a:spLocks noGrp="1" noRot="1" noChangeAspect="1" noMove="1" noResize="1" noEditPoints="1" noAdjustHandles="1" noChangeArrowheads="1" noChangeShapeType="1" noTextEdit="1"/>
+          </p:cNvSpPr>
+          <p:nvPr>
+            <p:extLst>
+              <p:ext uri="{386F3935-93C4-4BCD-93E2-E3B085C9AB24}">
+                <p16:designElem xmlns:p16="http://schemas.microsoft.com/office/powerpoint/2015/main" val="1"/>
+              </p:ext>
+            </p:extLst>
+          </p:nvPr>
+        </p:nvSpPr>
+        <p:spPr>
+          <a:xfrm>
+            <a:off x="8042147" y="453643"/>
+            <a:ext cx="3703320" cy="98554"/>
+          </a:xfrm>
+          <a:prstGeom prst="rect">
+            <a:avLst/>
+          </a:prstGeom>
+          <a:solidFill>
+            <a:srgbClr val="969FA7"/>
+          </a:solidFill>
+          <a:ln>
+            <a:noFill/>
+          </a:ln>
+          <a:effectLst/>
+        </p:spPr>
+        <p:style>
+          <a:lnRef idx="1">
+            <a:schemeClr val="accent1"/>
+          </a:lnRef>
+          <a:fillRef idx="3">
+            <a:schemeClr val="accent1"/>
+          </a:fillRef>
+          <a:effectRef idx="2">
+            <a:schemeClr val="accent1"/>
+          </a:effectRef>
+          <a:fontRef idx="minor">
+            <a:schemeClr val="lt1"/>
+          </a:fontRef>
+        </p:style>
+        <p:txBody>
+          <a:bodyPr/>
+          <a:lstStyle/>
+          <a:p>
+            <a:endParaRPr lang="he-IL"/>
+          </a:p>
+        </p:txBody>
+      </p:sp>
+      <p:sp>
+        <p:nvSpPr>
+          <p:cNvPr id="14" name="Rectangle 13">
+            <a:extLst>
+              <a:ext uri="{FF2B5EF4-FFF2-40B4-BE49-F238E27FC236}">
+                <a16:creationId xmlns:a16="http://schemas.microsoft.com/office/drawing/2014/main" id="{10AE8D57-436A-4073-9A75-15BB5949F8B4}"/>
+              </a:ext>
+              <a:ext uri="{C183D7F6-B498-43B3-948B-1728B52AA6E4}">
+                <adec:decorative xmlns:adec="http://schemas.microsoft.com/office/drawing/2017/decorative" val="1"/>
+              </a:ext>
+            </a:extLst>
+          </p:cNvPr>
+          <p:cNvSpPr>
+            <a:spLocks noGrp="1" noRot="1" noChangeAspect="1" noMove="1" noResize="1" noEditPoints="1" noAdjustHandles="1" noChangeArrowheads="1" noChangeShapeType="1" noTextEdit="1"/>
+          </p:cNvSpPr>
+          <p:nvPr>
+            <p:extLst>
+              <p:ext uri="{386F3935-93C4-4BCD-93E2-E3B085C9AB24}">
+                <p16:designElem xmlns:p16="http://schemas.microsoft.com/office/powerpoint/2015/main" val="1"/>
+              </p:ext>
+            </p:extLst>
+          </p:nvPr>
+        </p:nvSpPr>
+        <p:spPr>
+          <a:xfrm>
+            <a:off x="4241830" y="457200"/>
+            <a:ext cx="3703320" cy="91440"/>
+          </a:xfrm>
+          <a:prstGeom prst="rect">
+            <a:avLst/>
+          </a:prstGeom>
+          <a:solidFill>
+            <a:schemeClr val="accent1"/>
+          </a:solidFill>
+          <a:ln>
+            <a:noFill/>
+          </a:ln>
+          <a:effectLst/>
+        </p:spPr>
+        <p:style>
+          <a:lnRef idx="1">
+            <a:schemeClr val="accent1"/>
+          </a:lnRef>
+          <a:fillRef idx="3">
+            <a:schemeClr val="accent1"/>
+          </a:fillRef>
+          <a:effectRef idx="2">
+            <a:schemeClr val="accent1"/>
+          </a:effectRef>
+          <a:fontRef idx="minor">
+            <a:schemeClr val="lt1"/>
+          </a:fontRef>
+        </p:style>
+        <p:txBody>
+          <a:bodyPr/>
+          <a:lstStyle/>
+          <a:p>
+            <a:endParaRPr lang="he-IL"/>
+          </a:p>
+        </p:txBody>
+      </p:sp>
+      <p:sp>
+        <p:nvSpPr>
+          <p:cNvPr id="16" name="Rectangle 15">
+            <a:extLst>
+              <a:ext uri="{FF2B5EF4-FFF2-40B4-BE49-F238E27FC236}">
+                <a16:creationId xmlns:a16="http://schemas.microsoft.com/office/drawing/2014/main" id="{E2852671-8EB6-4EAF-8AF8-65CF3FD66456}"/>
+              </a:ext>
+              <a:ext uri="{C183D7F6-B498-43B3-948B-1728B52AA6E4}">
+                <adec:decorative xmlns:adec="http://schemas.microsoft.com/office/drawing/2017/decorative" val="1"/>
+              </a:ext>
+            </a:extLst>
+          </p:cNvPr>
+          <p:cNvSpPr>
+            <a:spLocks noGrp="1" noRot="1" noChangeAspect="1" noMove="1" noResize="1" noEditPoints="1" noAdjustHandles="1" noChangeArrowheads="1" noChangeShapeType="1" noTextEdit="1"/>
+          </p:cNvSpPr>
+          <p:nvPr>
+            <p:extLst>
+              <p:ext uri="{386F3935-93C4-4BCD-93E2-E3B085C9AB24}">
+                <p16:designElem xmlns:p16="http://schemas.microsoft.com/office/powerpoint/2015/main" val="1"/>
+              </p:ext>
+            </p:extLst>
+          </p:nvPr>
+        </p:nvSpPr>
+        <p:spPr>
+          <a:xfrm>
+            <a:off x="446534" y="3085764"/>
+            <a:ext cx="11298932" cy="3338149"/>
+          </a:xfrm>
+          <a:prstGeom prst="rect">
+            <a:avLst/>
+          </a:prstGeom>
+          <a:solidFill>
+            <a:srgbClr val="465359"/>
+          </a:solidFill>
+          <a:ln>
+            <a:noFill/>
+          </a:ln>
+          <a:effectLst/>
+        </p:spPr>
+        <p:style>
+          <a:lnRef idx="1">
+            <a:schemeClr val="accent1"/>
+          </a:lnRef>
+          <a:fillRef idx="3">
+            <a:schemeClr val="accent1"/>
+          </a:fillRef>
+          <a:effectRef idx="2">
+            <a:schemeClr val="accent1"/>
+          </a:effectRef>
+          <a:fontRef idx="minor">
+            <a:schemeClr val="lt1"/>
+          </a:fontRef>
+        </p:style>
+        <p:txBody>
+          <a:bodyPr/>
+          <a:lstStyle/>
+          <a:p>
+            <a:endParaRPr lang="he-IL"/>
+          </a:p>
+        </p:txBody>
+      </p:sp>
+      <p:sp useBgFill="1">
+        <p:nvSpPr>
+          <p:cNvPr id="18" name="Rectangle 17">
+            <a:extLst>
+              <a:ext uri="{FF2B5EF4-FFF2-40B4-BE49-F238E27FC236}">
+                <a16:creationId xmlns:a16="http://schemas.microsoft.com/office/drawing/2014/main" id="{7C427EA3-1645-4B27-A5C2-55E8E24C665F}"/>
+              </a:ext>
+              <a:ext uri="{C183D7F6-B498-43B3-948B-1728B52AA6E4}">
+                <adec:decorative xmlns:adec="http://schemas.microsoft.com/office/drawing/2017/decorative" val="1"/>
+              </a:ext>
+            </a:extLst>
+          </p:cNvPr>
+          <p:cNvSpPr>
+            <a:spLocks noGrp="1" noRot="1" noChangeAspect="1" noMove="1" noResize="1" noEditPoints="1" noAdjustHandles="1" noChangeArrowheads="1" noChangeShapeType="1" noTextEdit="1"/>
+          </p:cNvSpPr>
+          <p:nvPr>
+            <p:extLst>
+              <p:ext uri="{386F3935-93C4-4BCD-93E2-E3B085C9AB24}">
+                <p16:designElem xmlns:p16="http://schemas.microsoft.com/office/powerpoint/2015/main" val="1"/>
+              </p:ext>
+            </p:extLst>
+          </p:nvPr>
+        </p:nvSpPr>
+        <p:spPr>
+          <a:xfrm>
+            <a:off x="0" y="0"/>
+            <a:ext cx="12192000" cy="6858000"/>
+          </a:xfrm>
+          <a:prstGeom prst="rect">
+            <a:avLst/>
+          </a:prstGeom>
+          <a:ln>
+            <a:noFill/>
+          </a:ln>
+        </p:spPr>
+        <p:style>
+          <a:lnRef idx="2">
+            <a:schemeClr val="accent1">
+              <a:shade val="50000"/>
+            </a:schemeClr>
+          </a:lnRef>
+          <a:fillRef idx="1">
+            <a:schemeClr val="accent1"/>
+          </a:fillRef>
+          <a:effectRef idx="0">
+            <a:schemeClr val="accent1"/>
+          </a:effectRef>
+          <a:fontRef idx="minor">
+            <a:schemeClr val="lt1"/>
+          </a:fontRef>
+        </p:style>
+        <p:txBody>
+          <a:bodyPr rtlCol="0" anchor="ctr"/>
+          <a:lstStyle/>
+          <a:p>
+            <a:pPr algn="ctr"/>
+            <a:endParaRPr lang="en-US"/>
+          </a:p>
+        </p:txBody>
+      </p:sp>
+      <p:sp>
+        <p:nvSpPr>
+          <p:cNvPr id="20" name="Rectangle 19">
+            <a:extLst>
+              <a:ext uri="{FF2B5EF4-FFF2-40B4-BE49-F238E27FC236}">
+                <a16:creationId xmlns:a16="http://schemas.microsoft.com/office/drawing/2014/main" id="{885CDBF6-7B87-4A58-92CA-E887CA36AF04}"/>
+              </a:ext>
+              <a:ext uri="{C183D7F6-B498-43B3-948B-1728B52AA6E4}">
+                <adec:decorative xmlns:adec="http://schemas.microsoft.com/office/drawing/2017/decorative" val="1"/>
+              </a:ext>
+            </a:extLst>
+          </p:cNvPr>
+          <p:cNvSpPr>
+            <a:spLocks noGrp="1" noRot="1" noChangeAspect="1" noMove="1" noResize="1" noEditPoints="1" noAdjustHandles="1" noChangeArrowheads="1" noChangeShapeType="1" noTextEdit="1"/>
+          </p:cNvSpPr>
+          <p:nvPr>
+            <p:extLst>
+              <p:ext uri="{386F3935-93C4-4BCD-93E2-E3B085C9AB24}">
+                <p16:designElem xmlns:p16="http://schemas.microsoft.com/office/powerpoint/2015/main" val="1"/>
+              </p:ext>
+            </p:extLst>
+          </p:nvPr>
+        </p:nvSpPr>
+        <p:spPr>
+          <a:xfrm>
+            <a:off x="446534" y="457200"/>
+            <a:ext cx="3703320" cy="94997"/>
+          </a:xfrm>
+          <a:prstGeom prst="rect">
+            <a:avLst/>
+          </a:prstGeom>
+          <a:solidFill>
+            <a:srgbClr val="465359"/>
+          </a:solidFill>
+          <a:ln>
+            <a:noFill/>
+          </a:ln>
+          <a:effectLst/>
+        </p:spPr>
+        <p:style>
+          <a:lnRef idx="1">
+            <a:schemeClr val="accent1"/>
+          </a:lnRef>
+          <a:fillRef idx="3">
+            <a:schemeClr val="accent1"/>
+          </a:fillRef>
+          <a:effectRef idx="2">
+            <a:schemeClr val="accent1"/>
+          </a:effectRef>
+          <a:fontRef idx="minor">
+            <a:schemeClr val="lt1"/>
+          </a:fontRef>
+        </p:style>
+        <p:txBody>
+          <a:bodyPr/>
+          <a:lstStyle/>
+          <a:p>
+            <a:endParaRPr lang="he-IL"/>
+          </a:p>
+        </p:txBody>
+      </p:sp>
+      <p:sp>
+        <p:nvSpPr>
+          <p:cNvPr id="22" name="Rectangle 21">
+            <a:extLst>
+              <a:ext uri="{FF2B5EF4-FFF2-40B4-BE49-F238E27FC236}">
+                <a16:creationId xmlns:a16="http://schemas.microsoft.com/office/drawing/2014/main" id="{6BFF2B2E-1CF1-403F-BB44-3F9C3E7F67FF}"/>
+              </a:ext>
+              <a:ext uri="{C183D7F6-B498-43B3-948B-1728B52AA6E4}">
+                <adec:decorative xmlns:adec="http://schemas.microsoft.com/office/drawing/2017/decorative" val="1"/>
+              </a:ext>
+            </a:extLst>
+          </p:cNvPr>
+          <p:cNvSpPr>
+            <a:spLocks noGrp="1" noRot="1" noChangeAspect="1" noMove="1" noResize="1" noEditPoints="1" noAdjustHandles="1" noChangeArrowheads="1" noChangeShapeType="1" noTextEdit="1"/>
+          </p:cNvSpPr>
+          <p:nvPr>
+            <p:extLst>
+              <p:ext uri="{386F3935-93C4-4BCD-93E2-E3B085C9AB24}">
+                <p16:designElem xmlns:p16="http://schemas.microsoft.com/office/powerpoint/2015/main" val="1"/>
+              </p:ext>
+            </p:extLst>
+          </p:nvPr>
+        </p:nvSpPr>
+        <p:spPr>
+          <a:xfrm>
+            <a:off x="4241830" y="457200"/>
+            <a:ext cx="3703320" cy="91440"/>
+          </a:xfrm>
+          <a:prstGeom prst="rect">
+            <a:avLst/>
+          </a:prstGeom>
+          <a:solidFill>
+            <a:schemeClr val="accent1"/>
+          </a:solidFill>
+          <a:ln>
+            <a:noFill/>
+          </a:ln>
+          <a:effectLst/>
+        </p:spPr>
+        <p:style>
+          <a:lnRef idx="1">
+            <a:schemeClr val="accent1"/>
+          </a:lnRef>
+          <a:fillRef idx="3">
+            <a:schemeClr val="accent1"/>
+          </a:fillRef>
+          <a:effectRef idx="2">
+            <a:schemeClr val="accent1"/>
+          </a:effectRef>
+          <a:fontRef idx="minor">
+            <a:schemeClr val="lt1"/>
+          </a:fontRef>
+        </p:style>
+        <p:txBody>
+          <a:bodyPr/>
+          <a:lstStyle/>
+          <a:p>
+            <a:endParaRPr lang="he-IL"/>
+          </a:p>
+        </p:txBody>
+      </p:sp>
+      <p:sp>
+        <p:nvSpPr>
+          <p:cNvPr id="24" name="Rectangle 23">
+            <a:extLst>
+              <a:ext uri="{FF2B5EF4-FFF2-40B4-BE49-F238E27FC236}">
+                <a16:creationId xmlns:a16="http://schemas.microsoft.com/office/drawing/2014/main" id="{9D8B4D3C-0DE0-43B9-B032-32B536B96D02}"/>
+              </a:ext>
+              <a:ext uri="{C183D7F6-B498-43B3-948B-1728B52AA6E4}">
+                <adec:decorative xmlns:adec="http://schemas.microsoft.com/office/drawing/2017/decorative" val="1"/>
+              </a:ext>
+            </a:extLst>
+          </p:cNvPr>
+          <p:cNvSpPr>
+            <a:spLocks noGrp="1" noRot="1" noChangeAspect="1" noMove="1" noResize="1" noEditPoints="1" noAdjustHandles="1" noChangeArrowheads="1" noChangeShapeType="1" noTextEdit="1"/>
+          </p:cNvSpPr>
+          <p:nvPr>
+            <p:extLst>
+              <p:ext uri="{386F3935-93C4-4BCD-93E2-E3B085C9AB24}">
+                <p16:designElem xmlns:p16="http://schemas.microsoft.com/office/powerpoint/2015/main" val="1"/>
+              </p:ext>
+            </p:extLst>
+          </p:nvPr>
+        </p:nvSpPr>
+        <p:spPr>
+          <a:xfrm>
+            <a:off x="8042147" y="453643"/>
+            <a:ext cx="3703320" cy="98554"/>
+          </a:xfrm>
+          <a:prstGeom prst="rect">
+            <a:avLst/>
+          </a:prstGeom>
+          <a:solidFill>
+            <a:srgbClr val="969FA7"/>
+          </a:solidFill>
+          <a:ln>
+            <a:noFill/>
+          </a:ln>
+          <a:effectLst/>
+        </p:spPr>
+        <p:style>
+          <a:lnRef idx="1">
+            <a:schemeClr val="accent1"/>
+          </a:lnRef>
+          <a:fillRef idx="3">
+            <a:schemeClr val="accent1"/>
+          </a:fillRef>
+          <a:effectRef idx="2">
+            <a:schemeClr val="accent1"/>
+          </a:effectRef>
+          <a:fontRef idx="minor">
+            <a:schemeClr val="lt1"/>
+          </a:fontRef>
+        </p:style>
+        <p:txBody>
+          <a:bodyPr/>
+          <a:lstStyle/>
+          <a:p>
+            <a:endParaRPr lang="he-IL"/>
+          </a:p>
+        </p:txBody>
+      </p:sp>
+      <p:pic>
+        <p:nvPicPr>
+          <p:cNvPr id="5" name="מציין מיקום תוכן 4" descr="תמונה שמכילה טקסט, צילום מסך, מספר, גופן&#10;&#10;התיאור נוצר באופן אוטומטי">
+            <a:extLst>
+              <a:ext uri="{FF2B5EF4-FFF2-40B4-BE49-F238E27FC236}">
+                <a16:creationId xmlns:a16="http://schemas.microsoft.com/office/drawing/2014/main" id="{37D2D108-F603-10C7-858C-BCBD54C894D9}"/>
+              </a:ext>
+            </a:extLst>
+          </p:cNvPr>
+          <p:cNvPicPr>
+            <a:picLocks noGrp="1" noChangeAspect="1"/>
+          </p:cNvPicPr>
+          <p:nvPr>
+            <p:ph idx="1"/>
+          </p:nvPr>
+        </p:nvPicPr>
+        <p:blipFill>
+          <a:blip r:embed="rId2">
+            <a:extLst>
+              <a:ext uri="{28A0092B-C50C-407E-A947-70E740481C1C}">
+                <a14:useLocalDpi xmlns:a14="http://schemas.microsoft.com/office/drawing/2010/main" val="0"/>
+              </a:ext>
+            </a:extLst>
+          </a:blip>
+          <a:stretch>
+            <a:fillRect/>
+          </a:stretch>
+        </p:blipFill>
+        <p:spPr>
+          <a:xfrm>
+            <a:off x="329609" y="925032"/>
+            <a:ext cx="7599050" cy="5592725"/>
+          </a:xfrm>
+          <a:prstGeom prst="rect">
+            <a:avLst/>
+          </a:prstGeom>
+        </p:spPr>
+      </p:pic>
+      <p:sp>
+        <p:nvSpPr>
+          <p:cNvPr id="26" name="Rectangle 25">
+            <a:extLst>
+              <a:ext uri="{FF2B5EF4-FFF2-40B4-BE49-F238E27FC236}">
+                <a16:creationId xmlns:a16="http://schemas.microsoft.com/office/drawing/2014/main" id="{707788D3-E467-4E25-A5E9-FD41795BD551}"/>
+              </a:ext>
+              <a:ext uri="{C183D7F6-B498-43B3-948B-1728B52AA6E4}">
+                <adec:decorative xmlns:adec="http://schemas.microsoft.com/office/drawing/2017/decorative" val="1"/>
+              </a:ext>
+            </a:extLst>
+          </p:cNvPr>
+          <p:cNvSpPr>
+            <a:spLocks noGrp="1" noRot="1" noChangeAspect="1" noMove="1" noResize="1" noEditPoints="1" noAdjustHandles="1" noChangeArrowheads="1" noChangeShapeType="1" noTextEdit="1"/>
+          </p:cNvSpPr>
+          <p:nvPr>
+            <p:extLst>
+              <p:ext uri="{386F3935-93C4-4BCD-93E2-E3B085C9AB24}">
+                <p16:designElem xmlns:p16="http://schemas.microsoft.com/office/powerpoint/2015/main" val="1"/>
+              </p:ext>
+            </p:extLst>
+          </p:nvPr>
+        </p:nvSpPr>
+        <p:spPr>
+          <a:xfrm>
+            <a:off x="8042147" y="601200"/>
+            <a:ext cx="3703320" cy="5789365"/>
+          </a:xfrm>
+          <a:prstGeom prst="rect">
+            <a:avLst/>
+          </a:prstGeom>
+          <a:solidFill>
+            <a:srgbClr val="465359"/>
+          </a:solidFill>
+          <a:ln>
+            <a:noFill/>
+          </a:ln>
+          <a:effectLst/>
+        </p:spPr>
+        <p:style>
+          <a:lnRef idx="1">
+            <a:schemeClr val="accent1"/>
+          </a:lnRef>
+          <a:fillRef idx="3">
+            <a:schemeClr val="accent1"/>
+          </a:fillRef>
+          <a:effectRef idx="2">
+            <a:schemeClr val="accent1"/>
+          </a:effectRef>
+          <a:fontRef idx="minor">
+            <a:schemeClr val="lt1"/>
+          </a:fontRef>
+        </p:style>
+        <p:txBody>
+          <a:bodyPr/>
+          <a:lstStyle/>
+          <a:p>
+            <a:endParaRPr lang="he-IL"/>
+          </a:p>
+        </p:txBody>
+      </p:sp>
+      <p:sp>
+        <p:nvSpPr>
           <p:cNvPr id="2" name="כותרת 1">
             <a:extLst>
               <a:ext uri="{FF2B5EF4-FFF2-40B4-BE49-F238E27FC236}">
@@ -5277,41 +6716,26 @@
             <p:ph type="title"/>
           </p:nvPr>
         </p:nvSpPr>
-        <p:spPr/>
-        <p:txBody>
-          <a:bodyPr/>
-          <a:lstStyle/>
-          <a:p>
-            <a:r>
-              <a:rPr lang="en-US" dirty="0"/>
+        <p:spPr>
+          <a:xfrm>
+            <a:off x="8296275" y="1419225"/>
+            <a:ext cx="3081576" cy="2085869"/>
+          </a:xfrm>
+        </p:spPr>
+        <p:txBody>
+          <a:bodyPr vert="horz" lIns="91440" tIns="45720" rIns="91440" bIns="45720" rtlCol="0" anchor="b">
+            <a:normAutofit/>
+          </a:bodyPr>
+          <a:lstStyle/>
+          <a:p>
+            <a:r>
+              <a:rPr lang="en-US" cap="all" dirty="0">
+                <a:solidFill>
+                  <a:srgbClr val="FFFFFF"/>
+                </a:solidFill>
+              </a:rPr>
               <a:t>Test Cases From STD Document</a:t>
             </a:r>
-            <a:endParaRPr lang="he-IL" dirty="0"/>
-          </a:p>
-        </p:txBody>
-      </p:sp>
-      <p:sp>
-        <p:nvSpPr>
-          <p:cNvPr id="3" name="מציין מיקום תוכן 2">
-            <a:extLst>
-              <a:ext uri="{FF2B5EF4-FFF2-40B4-BE49-F238E27FC236}">
-                <a16:creationId xmlns:a16="http://schemas.microsoft.com/office/drawing/2014/main" id="{85929A84-6D37-6942-B1F3-699BABC39725}"/>
-              </a:ext>
-            </a:extLst>
-          </p:cNvPr>
-          <p:cNvSpPr>
-            <a:spLocks noGrp="1"/>
-          </p:cNvSpPr>
-          <p:nvPr>
-            <p:ph idx="1"/>
-          </p:nvPr>
-        </p:nvSpPr>
-        <p:spPr/>
-        <p:txBody>
-          <a:bodyPr/>
-          <a:lstStyle/>
-          <a:p>
-            <a:endParaRPr lang="he-IL" dirty="0"/>
           </a:p>
         </p:txBody>
       </p:sp>
@@ -5325,13 +6749,13 @@
   <p:clrMapOvr>
     <a:masterClrMapping/>
   </p:clrMapOvr>
-  <mc:AlternateContent xmlns:mc="http://schemas.openxmlformats.org/markup-compatibility/2006">
-    <mc:Choice xmlns:p14="http://schemas.microsoft.com/office/powerpoint/2010/main" Requires="p14">
+  <mc:AlternateContent xmlns:mc="http://schemas.openxmlformats.org/markup-compatibility/2006" xmlns:p14="http://schemas.microsoft.com/office/powerpoint/2010/main">
+    <mc:Choice Requires="p14">
       <p:transition spd="slow" p14:dur="1500">
         <p:random/>
       </p:transition>
     </mc:Choice>
-    <mc:Fallback>
+    <mc:Fallback xmlns="">
       <p:transition spd="slow">
         <p:random/>
       </p:transition>
@@ -5367,6 +6791,1773 @@
       </p:grpSpPr>
       <p:sp>
         <p:nvSpPr>
+          <p:cNvPr id="10" name="Rectangle 9">
+            <a:extLst>
+              <a:ext uri="{FF2B5EF4-FFF2-40B4-BE49-F238E27FC236}">
+                <a16:creationId xmlns:a16="http://schemas.microsoft.com/office/drawing/2014/main" id="{DD651B61-325E-4E73-8445-38B0DE8AAAB6}"/>
+              </a:ext>
+              <a:ext uri="{C183D7F6-B498-43B3-948B-1728B52AA6E4}">
+                <adec:decorative xmlns:adec="http://schemas.microsoft.com/office/drawing/2017/decorative" val="1"/>
+              </a:ext>
+            </a:extLst>
+          </p:cNvPr>
+          <p:cNvSpPr>
+            <a:spLocks noGrp="1" noRot="1" noChangeAspect="1" noMove="1" noResize="1" noEditPoints="1" noAdjustHandles="1" noChangeArrowheads="1" noChangeShapeType="1" noTextEdit="1"/>
+          </p:cNvSpPr>
+          <p:nvPr>
+            <p:extLst>
+              <p:ext uri="{386F3935-93C4-4BCD-93E2-E3B085C9AB24}">
+                <p16:designElem xmlns:p16="http://schemas.microsoft.com/office/powerpoint/2015/main" val="1"/>
+              </p:ext>
+            </p:extLst>
+          </p:nvPr>
+        </p:nvSpPr>
+        <p:spPr>
+          <a:xfrm>
+            <a:off x="446534" y="457200"/>
+            <a:ext cx="3703320" cy="94997"/>
+          </a:xfrm>
+          <a:prstGeom prst="rect">
+            <a:avLst/>
+          </a:prstGeom>
+          <a:solidFill>
+            <a:srgbClr val="465359"/>
+          </a:solidFill>
+          <a:ln>
+            <a:noFill/>
+          </a:ln>
+          <a:effectLst/>
+        </p:spPr>
+        <p:style>
+          <a:lnRef idx="1">
+            <a:schemeClr val="accent1"/>
+          </a:lnRef>
+          <a:fillRef idx="3">
+            <a:schemeClr val="accent1"/>
+          </a:fillRef>
+          <a:effectRef idx="2">
+            <a:schemeClr val="accent1"/>
+          </a:effectRef>
+          <a:fontRef idx="minor">
+            <a:schemeClr val="lt1"/>
+          </a:fontRef>
+        </p:style>
+        <p:txBody>
+          <a:bodyPr/>
+          <a:lstStyle/>
+          <a:p>
+            <a:endParaRPr lang="he-IL"/>
+          </a:p>
+        </p:txBody>
+      </p:sp>
+      <p:sp>
+        <p:nvSpPr>
+          <p:cNvPr id="12" name="Rectangle 11">
+            <a:extLst>
+              <a:ext uri="{FF2B5EF4-FFF2-40B4-BE49-F238E27FC236}">
+                <a16:creationId xmlns:a16="http://schemas.microsoft.com/office/drawing/2014/main" id="{B42E5253-D3AC-4AC2-B766-8B34F13C2F5E}"/>
+              </a:ext>
+              <a:ext uri="{C183D7F6-B498-43B3-948B-1728B52AA6E4}">
+                <adec:decorative xmlns:adec="http://schemas.microsoft.com/office/drawing/2017/decorative" val="1"/>
+              </a:ext>
+            </a:extLst>
+          </p:cNvPr>
+          <p:cNvSpPr>
+            <a:spLocks noGrp="1" noRot="1" noChangeAspect="1" noMove="1" noResize="1" noEditPoints="1" noAdjustHandles="1" noChangeArrowheads="1" noChangeShapeType="1" noTextEdit="1"/>
+          </p:cNvSpPr>
+          <p:nvPr>
+            <p:extLst>
+              <p:ext uri="{386F3935-93C4-4BCD-93E2-E3B085C9AB24}">
+                <p16:designElem xmlns:p16="http://schemas.microsoft.com/office/powerpoint/2015/main" val="1"/>
+              </p:ext>
+            </p:extLst>
+          </p:nvPr>
+        </p:nvSpPr>
+        <p:spPr>
+          <a:xfrm>
+            <a:off x="8042147" y="453643"/>
+            <a:ext cx="3703320" cy="98554"/>
+          </a:xfrm>
+          <a:prstGeom prst="rect">
+            <a:avLst/>
+          </a:prstGeom>
+          <a:solidFill>
+            <a:srgbClr val="969FA7"/>
+          </a:solidFill>
+          <a:ln>
+            <a:noFill/>
+          </a:ln>
+          <a:effectLst/>
+        </p:spPr>
+        <p:style>
+          <a:lnRef idx="1">
+            <a:schemeClr val="accent1"/>
+          </a:lnRef>
+          <a:fillRef idx="3">
+            <a:schemeClr val="accent1"/>
+          </a:fillRef>
+          <a:effectRef idx="2">
+            <a:schemeClr val="accent1"/>
+          </a:effectRef>
+          <a:fontRef idx="minor">
+            <a:schemeClr val="lt1"/>
+          </a:fontRef>
+        </p:style>
+        <p:txBody>
+          <a:bodyPr/>
+          <a:lstStyle/>
+          <a:p>
+            <a:endParaRPr lang="he-IL"/>
+          </a:p>
+        </p:txBody>
+      </p:sp>
+      <p:sp>
+        <p:nvSpPr>
+          <p:cNvPr id="14" name="Rectangle 13">
+            <a:extLst>
+              <a:ext uri="{FF2B5EF4-FFF2-40B4-BE49-F238E27FC236}">
+                <a16:creationId xmlns:a16="http://schemas.microsoft.com/office/drawing/2014/main" id="{10AE8D57-436A-4073-9A75-15BB5949F8B4}"/>
+              </a:ext>
+              <a:ext uri="{C183D7F6-B498-43B3-948B-1728B52AA6E4}">
+                <adec:decorative xmlns:adec="http://schemas.microsoft.com/office/drawing/2017/decorative" val="1"/>
+              </a:ext>
+            </a:extLst>
+          </p:cNvPr>
+          <p:cNvSpPr>
+            <a:spLocks noGrp="1" noRot="1" noChangeAspect="1" noMove="1" noResize="1" noEditPoints="1" noAdjustHandles="1" noChangeArrowheads="1" noChangeShapeType="1" noTextEdit="1"/>
+          </p:cNvSpPr>
+          <p:nvPr>
+            <p:extLst>
+              <p:ext uri="{386F3935-93C4-4BCD-93E2-E3B085C9AB24}">
+                <p16:designElem xmlns:p16="http://schemas.microsoft.com/office/powerpoint/2015/main" val="1"/>
+              </p:ext>
+            </p:extLst>
+          </p:nvPr>
+        </p:nvSpPr>
+        <p:spPr>
+          <a:xfrm>
+            <a:off x="4241830" y="457200"/>
+            <a:ext cx="3703320" cy="91440"/>
+          </a:xfrm>
+          <a:prstGeom prst="rect">
+            <a:avLst/>
+          </a:prstGeom>
+          <a:solidFill>
+            <a:schemeClr val="accent1"/>
+          </a:solidFill>
+          <a:ln>
+            <a:noFill/>
+          </a:ln>
+          <a:effectLst/>
+        </p:spPr>
+        <p:style>
+          <a:lnRef idx="1">
+            <a:schemeClr val="accent1"/>
+          </a:lnRef>
+          <a:fillRef idx="3">
+            <a:schemeClr val="accent1"/>
+          </a:fillRef>
+          <a:effectRef idx="2">
+            <a:schemeClr val="accent1"/>
+          </a:effectRef>
+          <a:fontRef idx="minor">
+            <a:schemeClr val="lt1"/>
+          </a:fontRef>
+        </p:style>
+        <p:txBody>
+          <a:bodyPr/>
+          <a:lstStyle/>
+          <a:p>
+            <a:endParaRPr lang="he-IL"/>
+          </a:p>
+        </p:txBody>
+      </p:sp>
+      <p:sp>
+        <p:nvSpPr>
+          <p:cNvPr id="16" name="Rectangle 15">
+            <a:extLst>
+              <a:ext uri="{FF2B5EF4-FFF2-40B4-BE49-F238E27FC236}">
+                <a16:creationId xmlns:a16="http://schemas.microsoft.com/office/drawing/2014/main" id="{E2852671-8EB6-4EAF-8AF8-65CF3FD66456}"/>
+              </a:ext>
+              <a:ext uri="{C183D7F6-B498-43B3-948B-1728B52AA6E4}">
+                <adec:decorative xmlns:adec="http://schemas.microsoft.com/office/drawing/2017/decorative" val="1"/>
+              </a:ext>
+            </a:extLst>
+          </p:cNvPr>
+          <p:cNvSpPr>
+            <a:spLocks noGrp="1" noRot="1" noChangeAspect="1" noMove="1" noResize="1" noEditPoints="1" noAdjustHandles="1" noChangeArrowheads="1" noChangeShapeType="1" noTextEdit="1"/>
+          </p:cNvSpPr>
+          <p:nvPr>
+            <p:extLst>
+              <p:ext uri="{386F3935-93C4-4BCD-93E2-E3B085C9AB24}">
+                <p16:designElem xmlns:p16="http://schemas.microsoft.com/office/powerpoint/2015/main" val="1"/>
+              </p:ext>
+            </p:extLst>
+          </p:nvPr>
+        </p:nvSpPr>
+        <p:spPr>
+          <a:xfrm>
+            <a:off x="446534" y="3085764"/>
+            <a:ext cx="11298932" cy="3338149"/>
+          </a:xfrm>
+          <a:prstGeom prst="rect">
+            <a:avLst/>
+          </a:prstGeom>
+          <a:solidFill>
+            <a:srgbClr val="465359"/>
+          </a:solidFill>
+          <a:ln>
+            <a:noFill/>
+          </a:ln>
+          <a:effectLst/>
+        </p:spPr>
+        <p:style>
+          <a:lnRef idx="1">
+            <a:schemeClr val="accent1"/>
+          </a:lnRef>
+          <a:fillRef idx="3">
+            <a:schemeClr val="accent1"/>
+          </a:fillRef>
+          <a:effectRef idx="2">
+            <a:schemeClr val="accent1"/>
+          </a:effectRef>
+          <a:fontRef idx="minor">
+            <a:schemeClr val="lt1"/>
+          </a:fontRef>
+        </p:style>
+        <p:txBody>
+          <a:bodyPr/>
+          <a:lstStyle/>
+          <a:p>
+            <a:endParaRPr lang="he-IL"/>
+          </a:p>
+        </p:txBody>
+      </p:sp>
+      <p:sp useBgFill="1">
+        <p:nvSpPr>
+          <p:cNvPr id="18" name="Rectangle 17">
+            <a:extLst>
+              <a:ext uri="{FF2B5EF4-FFF2-40B4-BE49-F238E27FC236}">
+                <a16:creationId xmlns:a16="http://schemas.microsoft.com/office/drawing/2014/main" id="{7C427EA3-1645-4B27-A5C2-55E8E24C665F}"/>
+              </a:ext>
+              <a:ext uri="{C183D7F6-B498-43B3-948B-1728B52AA6E4}">
+                <adec:decorative xmlns:adec="http://schemas.microsoft.com/office/drawing/2017/decorative" val="1"/>
+              </a:ext>
+            </a:extLst>
+          </p:cNvPr>
+          <p:cNvSpPr>
+            <a:spLocks noGrp="1" noRot="1" noChangeAspect="1" noMove="1" noResize="1" noEditPoints="1" noAdjustHandles="1" noChangeArrowheads="1" noChangeShapeType="1" noTextEdit="1"/>
+          </p:cNvSpPr>
+          <p:nvPr>
+            <p:extLst>
+              <p:ext uri="{386F3935-93C4-4BCD-93E2-E3B085C9AB24}">
+                <p16:designElem xmlns:p16="http://schemas.microsoft.com/office/powerpoint/2015/main" val="1"/>
+              </p:ext>
+            </p:extLst>
+          </p:nvPr>
+        </p:nvSpPr>
+        <p:spPr>
+          <a:xfrm>
+            <a:off x="0" y="0"/>
+            <a:ext cx="12192000" cy="6858000"/>
+          </a:xfrm>
+          <a:prstGeom prst="rect">
+            <a:avLst/>
+          </a:prstGeom>
+          <a:ln>
+            <a:noFill/>
+          </a:ln>
+        </p:spPr>
+        <p:style>
+          <a:lnRef idx="2">
+            <a:schemeClr val="accent1">
+              <a:shade val="50000"/>
+            </a:schemeClr>
+          </a:lnRef>
+          <a:fillRef idx="1">
+            <a:schemeClr val="accent1"/>
+          </a:fillRef>
+          <a:effectRef idx="0">
+            <a:schemeClr val="accent1"/>
+          </a:effectRef>
+          <a:fontRef idx="minor">
+            <a:schemeClr val="lt1"/>
+          </a:fontRef>
+        </p:style>
+        <p:txBody>
+          <a:bodyPr rtlCol="0" anchor="ctr"/>
+          <a:lstStyle/>
+          <a:p>
+            <a:pPr algn="ctr"/>
+            <a:endParaRPr lang="en-US"/>
+          </a:p>
+        </p:txBody>
+      </p:sp>
+      <p:sp>
+        <p:nvSpPr>
+          <p:cNvPr id="20" name="Rectangle 19">
+            <a:extLst>
+              <a:ext uri="{FF2B5EF4-FFF2-40B4-BE49-F238E27FC236}">
+                <a16:creationId xmlns:a16="http://schemas.microsoft.com/office/drawing/2014/main" id="{885CDBF6-7B87-4A58-92CA-E887CA36AF04}"/>
+              </a:ext>
+              <a:ext uri="{C183D7F6-B498-43B3-948B-1728B52AA6E4}">
+                <adec:decorative xmlns:adec="http://schemas.microsoft.com/office/drawing/2017/decorative" val="1"/>
+              </a:ext>
+            </a:extLst>
+          </p:cNvPr>
+          <p:cNvSpPr>
+            <a:spLocks noGrp="1" noRot="1" noChangeAspect="1" noMove="1" noResize="1" noEditPoints="1" noAdjustHandles="1" noChangeArrowheads="1" noChangeShapeType="1" noTextEdit="1"/>
+          </p:cNvSpPr>
+          <p:nvPr>
+            <p:extLst>
+              <p:ext uri="{386F3935-93C4-4BCD-93E2-E3B085C9AB24}">
+                <p16:designElem xmlns:p16="http://schemas.microsoft.com/office/powerpoint/2015/main" val="1"/>
+              </p:ext>
+            </p:extLst>
+          </p:nvPr>
+        </p:nvSpPr>
+        <p:spPr>
+          <a:xfrm>
+            <a:off x="446534" y="457200"/>
+            <a:ext cx="3703320" cy="94997"/>
+          </a:xfrm>
+          <a:prstGeom prst="rect">
+            <a:avLst/>
+          </a:prstGeom>
+          <a:solidFill>
+            <a:srgbClr val="465359"/>
+          </a:solidFill>
+          <a:ln>
+            <a:noFill/>
+          </a:ln>
+          <a:effectLst/>
+        </p:spPr>
+        <p:style>
+          <a:lnRef idx="1">
+            <a:schemeClr val="accent1"/>
+          </a:lnRef>
+          <a:fillRef idx="3">
+            <a:schemeClr val="accent1"/>
+          </a:fillRef>
+          <a:effectRef idx="2">
+            <a:schemeClr val="accent1"/>
+          </a:effectRef>
+          <a:fontRef idx="minor">
+            <a:schemeClr val="lt1"/>
+          </a:fontRef>
+        </p:style>
+        <p:txBody>
+          <a:bodyPr/>
+          <a:lstStyle/>
+          <a:p>
+            <a:endParaRPr lang="he-IL"/>
+          </a:p>
+        </p:txBody>
+      </p:sp>
+      <p:sp>
+        <p:nvSpPr>
+          <p:cNvPr id="22" name="Rectangle 21">
+            <a:extLst>
+              <a:ext uri="{FF2B5EF4-FFF2-40B4-BE49-F238E27FC236}">
+                <a16:creationId xmlns:a16="http://schemas.microsoft.com/office/drawing/2014/main" id="{6BFF2B2E-1CF1-403F-BB44-3F9C3E7F67FF}"/>
+              </a:ext>
+              <a:ext uri="{C183D7F6-B498-43B3-948B-1728B52AA6E4}">
+                <adec:decorative xmlns:adec="http://schemas.microsoft.com/office/drawing/2017/decorative" val="1"/>
+              </a:ext>
+            </a:extLst>
+          </p:cNvPr>
+          <p:cNvSpPr>
+            <a:spLocks noGrp="1" noRot="1" noChangeAspect="1" noMove="1" noResize="1" noEditPoints="1" noAdjustHandles="1" noChangeArrowheads="1" noChangeShapeType="1" noTextEdit="1"/>
+          </p:cNvSpPr>
+          <p:nvPr>
+            <p:extLst>
+              <p:ext uri="{386F3935-93C4-4BCD-93E2-E3B085C9AB24}">
+                <p16:designElem xmlns:p16="http://schemas.microsoft.com/office/powerpoint/2015/main" val="1"/>
+              </p:ext>
+            </p:extLst>
+          </p:nvPr>
+        </p:nvSpPr>
+        <p:spPr>
+          <a:xfrm>
+            <a:off x="4241830" y="457200"/>
+            <a:ext cx="3703320" cy="91440"/>
+          </a:xfrm>
+          <a:prstGeom prst="rect">
+            <a:avLst/>
+          </a:prstGeom>
+          <a:solidFill>
+            <a:schemeClr val="accent1"/>
+          </a:solidFill>
+          <a:ln>
+            <a:noFill/>
+          </a:ln>
+          <a:effectLst/>
+        </p:spPr>
+        <p:style>
+          <a:lnRef idx="1">
+            <a:schemeClr val="accent1"/>
+          </a:lnRef>
+          <a:fillRef idx="3">
+            <a:schemeClr val="accent1"/>
+          </a:fillRef>
+          <a:effectRef idx="2">
+            <a:schemeClr val="accent1"/>
+          </a:effectRef>
+          <a:fontRef idx="minor">
+            <a:schemeClr val="lt1"/>
+          </a:fontRef>
+        </p:style>
+        <p:txBody>
+          <a:bodyPr/>
+          <a:lstStyle/>
+          <a:p>
+            <a:endParaRPr lang="he-IL"/>
+          </a:p>
+        </p:txBody>
+      </p:sp>
+      <p:sp>
+        <p:nvSpPr>
+          <p:cNvPr id="24" name="Rectangle 23">
+            <a:extLst>
+              <a:ext uri="{FF2B5EF4-FFF2-40B4-BE49-F238E27FC236}">
+                <a16:creationId xmlns:a16="http://schemas.microsoft.com/office/drawing/2014/main" id="{9D8B4D3C-0DE0-43B9-B032-32B536B96D02}"/>
+              </a:ext>
+              <a:ext uri="{C183D7F6-B498-43B3-948B-1728B52AA6E4}">
+                <adec:decorative xmlns:adec="http://schemas.microsoft.com/office/drawing/2017/decorative" val="1"/>
+              </a:ext>
+            </a:extLst>
+          </p:cNvPr>
+          <p:cNvSpPr>
+            <a:spLocks noGrp="1" noRot="1" noChangeAspect="1" noMove="1" noResize="1" noEditPoints="1" noAdjustHandles="1" noChangeArrowheads="1" noChangeShapeType="1" noTextEdit="1"/>
+          </p:cNvSpPr>
+          <p:nvPr>
+            <p:extLst>
+              <p:ext uri="{386F3935-93C4-4BCD-93E2-E3B085C9AB24}">
+                <p16:designElem xmlns:p16="http://schemas.microsoft.com/office/powerpoint/2015/main" val="1"/>
+              </p:ext>
+            </p:extLst>
+          </p:nvPr>
+        </p:nvSpPr>
+        <p:spPr>
+          <a:xfrm>
+            <a:off x="8042147" y="453643"/>
+            <a:ext cx="3703320" cy="98554"/>
+          </a:xfrm>
+          <a:prstGeom prst="rect">
+            <a:avLst/>
+          </a:prstGeom>
+          <a:solidFill>
+            <a:srgbClr val="969FA7"/>
+          </a:solidFill>
+          <a:ln>
+            <a:noFill/>
+          </a:ln>
+          <a:effectLst/>
+        </p:spPr>
+        <p:style>
+          <a:lnRef idx="1">
+            <a:schemeClr val="accent1"/>
+          </a:lnRef>
+          <a:fillRef idx="3">
+            <a:schemeClr val="accent1"/>
+          </a:fillRef>
+          <a:effectRef idx="2">
+            <a:schemeClr val="accent1"/>
+          </a:effectRef>
+          <a:fontRef idx="minor">
+            <a:schemeClr val="lt1"/>
+          </a:fontRef>
+        </p:style>
+        <p:txBody>
+          <a:bodyPr/>
+          <a:lstStyle/>
+          <a:p>
+            <a:endParaRPr lang="he-IL"/>
+          </a:p>
+        </p:txBody>
+      </p:sp>
+      <p:pic>
+        <p:nvPicPr>
+          <p:cNvPr id="5" name="מציין מיקום תוכן 4" descr="תמונה שמכילה טקסט, חשמל, צילום מסך, תצוגה&#10;&#10;התיאור נוצר באופן אוטומטי">
+            <a:extLst>
+              <a:ext uri="{FF2B5EF4-FFF2-40B4-BE49-F238E27FC236}">
+                <a16:creationId xmlns:a16="http://schemas.microsoft.com/office/drawing/2014/main" id="{763037D5-48F9-9B78-7BD2-8917B1DF884E}"/>
+              </a:ext>
+            </a:extLst>
+          </p:cNvPr>
+          <p:cNvPicPr>
+            <a:picLocks noGrp="1" noChangeAspect="1"/>
+          </p:cNvPicPr>
+          <p:nvPr>
+            <p:ph idx="1"/>
+          </p:nvPr>
+        </p:nvPicPr>
+        <p:blipFill>
+          <a:blip r:embed="rId2">
+            <a:extLst>
+              <a:ext uri="{28A0092B-C50C-407E-A947-70E740481C1C}">
+                <a14:useLocalDpi xmlns:a14="http://schemas.microsoft.com/office/drawing/2010/main" val="0"/>
+              </a:ext>
+            </a:extLst>
+          </a:blip>
+          <a:stretch>
+            <a:fillRect/>
+          </a:stretch>
+        </p:blipFill>
+        <p:spPr>
+          <a:xfrm>
+            <a:off x="85059" y="717698"/>
+            <a:ext cx="7764681" cy="5917714"/>
+          </a:xfrm>
+          <a:prstGeom prst="rect">
+            <a:avLst/>
+          </a:prstGeom>
+        </p:spPr>
+      </p:pic>
+      <p:sp>
+        <p:nvSpPr>
+          <p:cNvPr id="26" name="Rectangle 25">
+            <a:extLst>
+              <a:ext uri="{FF2B5EF4-FFF2-40B4-BE49-F238E27FC236}">
+                <a16:creationId xmlns:a16="http://schemas.microsoft.com/office/drawing/2014/main" id="{707788D3-E467-4E25-A5E9-FD41795BD551}"/>
+              </a:ext>
+              <a:ext uri="{C183D7F6-B498-43B3-948B-1728B52AA6E4}">
+                <adec:decorative xmlns:adec="http://schemas.microsoft.com/office/drawing/2017/decorative" val="1"/>
+              </a:ext>
+            </a:extLst>
+          </p:cNvPr>
+          <p:cNvSpPr>
+            <a:spLocks noGrp="1" noRot="1" noChangeAspect="1" noMove="1" noResize="1" noEditPoints="1" noAdjustHandles="1" noChangeArrowheads="1" noChangeShapeType="1" noTextEdit="1"/>
+          </p:cNvSpPr>
+          <p:nvPr>
+            <p:extLst>
+              <p:ext uri="{386F3935-93C4-4BCD-93E2-E3B085C9AB24}">
+                <p16:designElem xmlns:p16="http://schemas.microsoft.com/office/powerpoint/2015/main" val="1"/>
+              </p:ext>
+            </p:extLst>
+          </p:nvPr>
+        </p:nvSpPr>
+        <p:spPr>
+          <a:xfrm>
+            <a:off x="8042147" y="601200"/>
+            <a:ext cx="3703320" cy="5789365"/>
+          </a:xfrm>
+          <a:prstGeom prst="rect">
+            <a:avLst/>
+          </a:prstGeom>
+          <a:solidFill>
+            <a:srgbClr val="465359"/>
+          </a:solidFill>
+          <a:ln>
+            <a:noFill/>
+          </a:ln>
+          <a:effectLst/>
+        </p:spPr>
+        <p:style>
+          <a:lnRef idx="1">
+            <a:schemeClr val="accent1"/>
+          </a:lnRef>
+          <a:fillRef idx="3">
+            <a:schemeClr val="accent1"/>
+          </a:fillRef>
+          <a:effectRef idx="2">
+            <a:schemeClr val="accent1"/>
+          </a:effectRef>
+          <a:fontRef idx="minor">
+            <a:schemeClr val="lt1"/>
+          </a:fontRef>
+        </p:style>
+        <p:txBody>
+          <a:bodyPr/>
+          <a:lstStyle/>
+          <a:p>
+            <a:endParaRPr lang="he-IL"/>
+          </a:p>
+        </p:txBody>
+      </p:sp>
+      <p:sp>
+        <p:nvSpPr>
+          <p:cNvPr id="2" name="כותרת 1">
+            <a:extLst>
+              <a:ext uri="{FF2B5EF4-FFF2-40B4-BE49-F238E27FC236}">
+                <a16:creationId xmlns:a16="http://schemas.microsoft.com/office/drawing/2014/main" id="{03334CC6-B046-F0A0-941A-834A4E42B349}"/>
+              </a:ext>
+            </a:extLst>
+          </p:cNvPr>
+          <p:cNvSpPr>
+            <a:spLocks noGrp="1"/>
+          </p:cNvSpPr>
+          <p:nvPr>
+            <p:ph type="title"/>
+          </p:nvPr>
+        </p:nvSpPr>
+        <p:spPr>
+          <a:xfrm>
+            <a:off x="8296275" y="1419225"/>
+            <a:ext cx="3081576" cy="2085869"/>
+          </a:xfrm>
+        </p:spPr>
+        <p:txBody>
+          <a:bodyPr vert="horz" lIns="91440" tIns="45720" rIns="91440" bIns="45720" rtlCol="0" anchor="b">
+            <a:normAutofit/>
+          </a:bodyPr>
+          <a:lstStyle/>
+          <a:p>
+            <a:r>
+              <a:rPr lang="en-US" cap="all" dirty="0">
+                <a:solidFill>
+                  <a:srgbClr val="FFFFFF"/>
+                </a:solidFill>
+              </a:rPr>
+              <a:t>Test Cases From STD Document</a:t>
+            </a:r>
+          </a:p>
+        </p:txBody>
+      </p:sp>
+    </p:spTree>
+    <p:extLst>
+      <p:ext uri="{BB962C8B-B14F-4D97-AF65-F5344CB8AC3E}">
+        <p14:creationId xmlns:p14="http://schemas.microsoft.com/office/powerpoint/2010/main" val="1154498162"/>
+      </p:ext>
+    </p:extLst>
+  </p:cSld>
+  <p:clrMapOvr>
+    <a:masterClrMapping/>
+  </p:clrMapOvr>
+  <mc:AlternateContent xmlns:mc="http://schemas.openxmlformats.org/markup-compatibility/2006" xmlns:p14="http://schemas.microsoft.com/office/powerpoint/2010/main">
+    <mc:Choice Requires="p14">
+      <p:transition spd="slow" p14:dur="1500">
+        <p:random/>
+      </p:transition>
+    </mc:Choice>
+    <mc:Fallback xmlns="">
+      <p:transition spd="slow">
+        <p:random/>
+      </p:transition>
+    </mc:Fallback>
+  </mc:AlternateContent>
+</p:sld>
+</file>
+
+<file path=ppt/slides/slide7.xml><?xml version="1.0" encoding="utf-8"?>
+<p:sld xmlns:a="http://schemas.openxmlformats.org/drawingml/2006/main" xmlns:r="http://schemas.openxmlformats.org/officeDocument/2006/relationships" xmlns:p="http://schemas.openxmlformats.org/presentationml/2006/main">
+  <p:cSld>
+    <p:bg>
+      <p:bgPr>
+        <a:solidFill>
+          <a:schemeClr val="bg1"/>
+        </a:solidFill>
+        <a:effectLst/>
+      </p:bgPr>
+    </p:bg>
+    <p:spTree>
+      <p:nvGrpSpPr>
+        <p:cNvPr id="1" name=""/>
+        <p:cNvGrpSpPr/>
+        <p:nvPr/>
+      </p:nvGrpSpPr>
+      <p:grpSpPr>
+        <a:xfrm>
+          <a:off x="0" y="0"/>
+          <a:ext cx="0" cy="0"/>
+          <a:chOff x="0" y="0"/>
+          <a:chExt cx="0" cy="0"/>
+        </a:xfrm>
+      </p:grpSpPr>
+      <p:sp>
+        <p:nvSpPr>
+          <p:cNvPr id="10" name="Rectangle 9">
+            <a:extLst>
+              <a:ext uri="{FF2B5EF4-FFF2-40B4-BE49-F238E27FC236}">
+                <a16:creationId xmlns:a16="http://schemas.microsoft.com/office/drawing/2014/main" id="{DD651B61-325E-4E73-8445-38B0DE8AAAB6}"/>
+              </a:ext>
+              <a:ext uri="{C183D7F6-B498-43B3-948B-1728B52AA6E4}">
+                <adec:decorative xmlns:adec="http://schemas.microsoft.com/office/drawing/2017/decorative" val="1"/>
+              </a:ext>
+            </a:extLst>
+          </p:cNvPr>
+          <p:cNvSpPr>
+            <a:spLocks noGrp="1" noRot="1" noChangeAspect="1" noMove="1" noResize="1" noEditPoints="1" noAdjustHandles="1" noChangeArrowheads="1" noChangeShapeType="1" noTextEdit="1"/>
+          </p:cNvSpPr>
+          <p:nvPr>
+            <p:extLst>
+              <p:ext uri="{386F3935-93C4-4BCD-93E2-E3B085C9AB24}">
+                <p16:designElem xmlns:p16="http://schemas.microsoft.com/office/powerpoint/2015/main" val="1"/>
+              </p:ext>
+            </p:extLst>
+          </p:nvPr>
+        </p:nvSpPr>
+        <p:spPr>
+          <a:xfrm>
+            <a:off x="446534" y="457200"/>
+            <a:ext cx="3703320" cy="94997"/>
+          </a:xfrm>
+          <a:prstGeom prst="rect">
+            <a:avLst/>
+          </a:prstGeom>
+          <a:solidFill>
+            <a:srgbClr val="465359"/>
+          </a:solidFill>
+          <a:ln>
+            <a:noFill/>
+          </a:ln>
+          <a:effectLst/>
+        </p:spPr>
+        <p:style>
+          <a:lnRef idx="1">
+            <a:schemeClr val="accent1"/>
+          </a:lnRef>
+          <a:fillRef idx="3">
+            <a:schemeClr val="accent1"/>
+          </a:fillRef>
+          <a:effectRef idx="2">
+            <a:schemeClr val="accent1"/>
+          </a:effectRef>
+          <a:fontRef idx="minor">
+            <a:schemeClr val="lt1"/>
+          </a:fontRef>
+        </p:style>
+        <p:txBody>
+          <a:bodyPr/>
+          <a:lstStyle/>
+          <a:p>
+            <a:endParaRPr lang="he-IL"/>
+          </a:p>
+        </p:txBody>
+      </p:sp>
+      <p:sp>
+        <p:nvSpPr>
+          <p:cNvPr id="12" name="Rectangle 11">
+            <a:extLst>
+              <a:ext uri="{FF2B5EF4-FFF2-40B4-BE49-F238E27FC236}">
+                <a16:creationId xmlns:a16="http://schemas.microsoft.com/office/drawing/2014/main" id="{B42E5253-D3AC-4AC2-B766-8B34F13C2F5E}"/>
+              </a:ext>
+              <a:ext uri="{C183D7F6-B498-43B3-948B-1728B52AA6E4}">
+                <adec:decorative xmlns:adec="http://schemas.microsoft.com/office/drawing/2017/decorative" val="1"/>
+              </a:ext>
+            </a:extLst>
+          </p:cNvPr>
+          <p:cNvSpPr>
+            <a:spLocks noGrp="1" noRot="1" noChangeAspect="1" noMove="1" noResize="1" noEditPoints="1" noAdjustHandles="1" noChangeArrowheads="1" noChangeShapeType="1" noTextEdit="1"/>
+          </p:cNvSpPr>
+          <p:nvPr>
+            <p:extLst>
+              <p:ext uri="{386F3935-93C4-4BCD-93E2-E3B085C9AB24}">
+                <p16:designElem xmlns:p16="http://schemas.microsoft.com/office/powerpoint/2015/main" val="1"/>
+              </p:ext>
+            </p:extLst>
+          </p:nvPr>
+        </p:nvSpPr>
+        <p:spPr>
+          <a:xfrm>
+            <a:off x="8042147" y="453643"/>
+            <a:ext cx="3703320" cy="98554"/>
+          </a:xfrm>
+          <a:prstGeom prst="rect">
+            <a:avLst/>
+          </a:prstGeom>
+          <a:solidFill>
+            <a:srgbClr val="969FA7"/>
+          </a:solidFill>
+          <a:ln>
+            <a:noFill/>
+          </a:ln>
+          <a:effectLst/>
+        </p:spPr>
+        <p:style>
+          <a:lnRef idx="1">
+            <a:schemeClr val="accent1"/>
+          </a:lnRef>
+          <a:fillRef idx="3">
+            <a:schemeClr val="accent1"/>
+          </a:fillRef>
+          <a:effectRef idx="2">
+            <a:schemeClr val="accent1"/>
+          </a:effectRef>
+          <a:fontRef idx="minor">
+            <a:schemeClr val="lt1"/>
+          </a:fontRef>
+        </p:style>
+        <p:txBody>
+          <a:bodyPr/>
+          <a:lstStyle/>
+          <a:p>
+            <a:endParaRPr lang="he-IL"/>
+          </a:p>
+        </p:txBody>
+      </p:sp>
+      <p:sp>
+        <p:nvSpPr>
+          <p:cNvPr id="14" name="Rectangle 13">
+            <a:extLst>
+              <a:ext uri="{FF2B5EF4-FFF2-40B4-BE49-F238E27FC236}">
+                <a16:creationId xmlns:a16="http://schemas.microsoft.com/office/drawing/2014/main" id="{10AE8D57-436A-4073-9A75-15BB5949F8B4}"/>
+              </a:ext>
+              <a:ext uri="{C183D7F6-B498-43B3-948B-1728B52AA6E4}">
+                <adec:decorative xmlns:adec="http://schemas.microsoft.com/office/drawing/2017/decorative" val="1"/>
+              </a:ext>
+            </a:extLst>
+          </p:cNvPr>
+          <p:cNvSpPr>
+            <a:spLocks noGrp="1" noRot="1" noChangeAspect="1" noMove="1" noResize="1" noEditPoints="1" noAdjustHandles="1" noChangeArrowheads="1" noChangeShapeType="1" noTextEdit="1"/>
+          </p:cNvSpPr>
+          <p:nvPr>
+            <p:extLst>
+              <p:ext uri="{386F3935-93C4-4BCD-93E2-E3B085C9AB24}">
+                <p16:designElem xmlns:p16="http://schemas.microsoft.com/office/powerpoint/2015/main" val="1"/>
+              </p:ext>
+            </p:extLst>
+          </p:nvPr>
+        </p:nvSpPr>
+        <p:spPr>
+          <a:xfrm>
+            <a:off x="4241830" y="457200"/>
+            <a:ext cx="3703320" cy="91440"/>
+          </a:xfrm>
+          <a:prstGeom prst="rect">
+            <a:avLst/>
+          </a:prstGeom>
+          <a:solidFill>
+            <a:schemeClr val="accent1"/>
+          </a:solidFill>
+          <a:ln>
+            <a:noFill/>
+          </a:ln>
+          <a:effectLst/>
+        </p:spPr>
+        <p:style>
+          <a:lnRef idx="1">
+            <a:schemeClr val="accent1"/>
+          </a:lnRef>
+          <a:fillRef idx="3">
+            <a:schemeClr val="accent1"/>
+          </a:fillRef>
+          <a:effectRef idx="2">
+            <a:schemeClr val="accent1"/>
+          </a:effectRef>
+          <a:fontRef idx="minor">
+            <a:schemeClr val="lt1"/>
+          </a:fontRef>
+        </p:style>
+        <p:txBody>
+          <a:bodyPr/>
+          <a:lstStyle/>
+          <a:p>
+            <a:endParaRPr lang="he-IL"/>
+          </a:p>
+        </p:txBody>
+      </p:sp>
+      <p:sp>
+        <p:nvSpPr>
+          <p:cNvPr id="16" name="Rectangle 15">
+            <a:extLst>
+              <a:ext uri="{FF2B5EF4-FFF2-40B4-BE49-F238E27FC236}">
+                <a16:creationId xmlns:a16="http://schemas.microsoft.com/office/drawing/2014/main" id="{E2852671-8EB6-4EAF-8AF8-65CF3FD66456}"/>
+              </a:ext>
+              <a:ext uri="{C183D7F6-B498-43B3-948B-1728B52AA6E4}">
+                <adec:decorative xmlns:adec="http://schemas.microsoft.com/office/drawing/2017/decorative" val="1"/>
+              </a:ext>
+            </a:extLst>
+          </p:cNvPr>
+          <p:cNvSpPr>
+            <a:spLocks noGrp="1" noRot="1" noChangeAspect="1" noMove="1" noResize="1" noEditPoints="1" noAdjustHandles="1" noChangeArrowheads="1" noChangeShapeType="1" noTextEdit="1"/>
+          </p:cNvSpPr>
+          <p:nvPr>
+            <p:extLst>
+              <p:ext uri="{386F3935-93C4-4BCD-93E2-E3B085C9AB24}">
+                <p16:designElem xmlns:p16="http://schemas.microsoft.com/office/powerpoint/2015/main" val="1"/>
+              </p:ext>
+            </p:extLst>
+          </p:nvPr>
+        </p:nvSpPr>
+        <p:spPr>
+          <a:xfrm>
+            <a:off x="446534" y="3085764"/>
+            <a:ext cx="11298932" cy="3338149"/>
+          </a:xfrm>
+          <a:prstGeom prst="rect">
+            <a:avLst/>
+          </a:prstGeom>
+          <a:solidFill>
+            <a:srgbClr val="465359"/>
+          </a:solidFill>
+          <a:ln>
+            <a:noFill/>
+          </a:ln>
+          <a:effectLst/>
+        </p:spPr>
+        <p:style>
+          <a:lnRef idx="1">
+            <a:schemeClr val="accent1"/>
+          </a:lnRef>
+          <a:fillRef idx="3">
+            <a:schemeClr val="accent1"/>
+          </a:fillRef>
+          <a:effectRef idx="2">
+            <a:schemeClr val="accent1"/>
+          </a:effectRef>
+          <a:fontRef idx="minor">
+            <a:schemeClr val="lt1"/>
+          </a:fontRef>
+        </p:style>
+        <p:txBody>
+          <a:bodyPr/>
+          <a:lstStyle/>
+          <a:p>
+            <a:endParaRPr lang="he-IL"/>
+          </a:p>
+        </p:txBody>
+      </p:sp>
+      <p:sp useBgFill="1">
+        <p:nvSpPr>
+          <p:cNvPr id="18" name="Rectangle 17">
+            <a:extLst>
+              <a:ext uri="{FF2B5EF4-FFF2-40B4-BE49-F238E27FC236}">
+                <a16:creationId xmlns:a16="http://schemas.microsoft.com/office/drawing/2014/main" id="{7C427EA3-1645-4B27-A5C2-55E8E24C665F}"/>
+              </a:ext>
+              <a:ext uri="{C183D7F6-B498-43B3-948B-1728B52AA6E4}">
+                <adec:decorative xmlns:adec="http://schemas.microsoft.com/office/drawing/2017/decorative" val="1"/>
+              </a:ext>
+            </a:extLst>
+          </p:cNvPr>
+          <p:cNvSpPr>
+            <a:spLocks noGrp="1" noRot="1" noChangeAspect="1" noMove="1" noResize="1" noEditPoints="1" noAdjustHandles="1" noChangeArrowheads="1" noChangeShapeType="1" noTextEdit="1"/>
+          </p:cNvSpPr>
+          <p:nvPr>
+            <p:extLst>
+              <p:ext uri="{386F3935-93C4-4BCD-93E2-E3B085C9AB24}">
+                <p16:designElem xmlns:p16="http://schemas.microsoft.com/office/powerpoint/2015/main" val="1"/>
+              </p:ext>
+            </p:extLst>
+          </p:nvPr>
+        </p:nvSpPr>
+        <p:spPr>
+          <a:xfrm>
+            <a:off x="0" y="0"/>
+            <a:ext cx="12192000" cy="6858000"/>
+          </a:xfrm>
+          <a:prstGeom prst="rect">
+            <a:avLst/>
+          </a:prstGeom>
+          <a:ln>
+            <a:noFill/>
+          </a:ln>
+        </p:spPr>
+        <p:style>
+          <a:lnRef idx="2">
+            <a:schemeClr val="accent1">
+              <a:shade val="50000"/>
+            </a:schemeClr>
+          </a:lnRef>
+          <a:fillRef idx="1">
+            <a:schemeClr val="accent1"/>
+          </a:fillRef>
+          <a:effectRef idx="0">
+            <a:schemeClr val="accent1"/>
+          </a:effectRef>
+          <a:fontRef idx="minor">
+            <a:schemeClr val="lt1"/>
+          </a:fontRef>
+        </p:style>
+        <p:txBody>
+          <a:bodyPr rtlCol="0" anchor="ctr"/>
+          <a:lstStyle/>
+          <a:p>
+            <a:pPr algn="ctr"/>
+            <a:endParaRPr lang="en-US"/>
+          </a:p>
+        </p:txBody>
+      </p:sp>
+      <p:sp>
+        <p:nvSpPr>
+          <p:cNvPr id="20" name="Rectangle 19">
+            <a:extLst>
+              <a:ext uri="{FF2B5EF4-FFF2-40B4-BE49-F238E27FC236}">
+                <a16:creationId xmlns:a16="http://schemas.microsoft.com/office/drawing/2014/main" id="{885CDBF6-7B87-4A58-92CA-E887CA36AF04}"/>
+              </a:ext>
+              <a:ext uri="{C183D7F6-B498-43B3-948B-1728B52AA6E4}">
+                <adec:decorative xmlns:adec="http://schemas.microsoft.com/office/drawing/2017/decorative" val="1"/>
+              </a:ext>
+            </a:extLst>
+          </p:cNvPr>
+          <p:cNvSpPr>
+            <a:spLocks noGrp="1" noRot="1" noChangeAspect="1" noMove="1" noResize="1" noEditPoints="1" noAdjustHandles="1" noChangeArrowheads="1" noChangeShapeType="1" noTextEdit="1"/>
+          </p:cNvSpPr>
+          <p:nvPr>
+            <p:extLst>
+              <p:ext uri="{386F3935-93C4-4BCD-93E2-E3B085C9AB24}">
+                <p16:designElem xmlns:p16="http://schemas.microsoft.com/office/powerpoint/2015/main" val="1"/>
+              </p:ext>
+            </p:extLst>
+          </p:nvPr>
+        </p:nvSpPr>
+        <p:spPr>
+          <a:xfrm>
+            <a:off x="446534" y="457200"/>
+            <a:ext cx="3703320" cy="94997"/>
+          </a:xfrm>
+          <a:prstGeom prst="rect">
+            <a:avLst/>
+          </a:prstGeom>
+          <a:solidFill>
+            <a:srgbClr val="465359"/>
+          </a:solidFill>
+          <a:ln>
+            <a:noFill/>
+          </a:ln>
+          <a:effectLst/>
+        </p:spPr>
+        <p:style>
+          <a:lnRef idx="1">
+            <a:schemeClr val="accent1"/>
+          </a:lnRef>
+          <a:fillRef idx="3">
+            <a:schemeClr val="accent1"/>
+          </a:fillRef>
+          <a:effectRef idx="2">
+            <a:schemeClr val="accent1"/>
+          </a:effectRef>
+          <a:fontRef idx="minor">
+            <a:schemeClr val="lt1"/>
+          </a:fontRef>
+        </p:style>
+        <p:txBody>
+          <a:bodyPr/>
+          <a:lstStyle/>
+          <a:p>
+            <a:endParaRPr lang="he-IL"/>
+          </a:p>
+        </p:txBody>
+      </p:sp>
+      <p:sp>
+        <p:nvSpPr>
+          <p:cNvPr id="22" name="Rectangle 21">
+            <a:extLst>
+              <a:ext uri="{FF2B5EF4-FFF2-40B4-BE49-F238E27FC236}">
+                <a16:creationId xmlns:a16="http://schemas.microsoft.com/office/drawing/2014/main" id="{6BFF2B2E-1CF1-403F-BB44-3F9C3E7F67FF}"/>
+              </a:ext>
+              <a:ext uri="{C183D7F6-B498-43B3-948B-1728B52AA6E4}">
+                <adec:decorative xmlns:adec="http://schemas.microsoft.com/office/drawing/2017/decorative" val="1"/>
+              </a:ext>
+            </a:extLst>
+          </p:cNvPr>
+          <p:cNvSpPr>
+            <a:spLocks noGrp="1" noRot="1" noChangeAspect="1" noMove="1" noResize="1" noEditPoints="1" noAdjustHandles="1" noChangeArrowheads="1" noChangeShapeType="1" noTextEdit="1"/>
+          </p:cNvSpPr>
+          <p:nvPr>
+            <p:extLst>
+              <p:ext uri="{386F3935-93C4-4BCD-93E2-E3B085C9AB24}">
+                <p16:designElem xmlns:p16="http://schemas.microsoft.com/office/powerpoint/2015/main" val="1"/>
+              </p:ext>
+            </p:extLst>
+          </p:nvPr>
+        </p:nvSpPr>
+        <p:spPr>
+          <a:xfrm>
+            <a:off x="4241830" y="457200"/>
+            <a:ext cx="3703320" cy="91440"/>
+          </a:xfrm>
+          <a:prstGeom prst="rect">
+            <a:avLst/>
+          </a:prstGeom>
+          <a:solidFill>
+            <a:schemeClr val="accent1"/>
+          </a:solidFill>
+          <a:ln>
+            <a:noFill/>
+          </a:ln>
+          <a:effectLst/>
+        </p:spPr>
+        <p:style>
+          <a:lnRef idx="1">
+            <a:schemeClr val="accent1"/>
+          </a:lnRef>
+          <a:fillRef idx="3">
+            <a:schemeClr val="accent1"/>
+          </a:fillRef>
+          <a:effectRef idx="2">
+            <a:schemeClr val="accent1"/>
+          </a:effectRef>
+          <a:fontRef idx="minor">
+            <a:schemeClr val="lt1"/>
+          </a:fontRef>
+        </p:style>
+        <p:txBody>
+          <a:bodyPr/>
+          <a:lstStyle/>
+          <a:p>
+            <a:endParaRPr lang="he-IL"/>
+          </a:p>
+        </p:txBody>
+      </p:sp>
+      <p:sp>
+        <p:nvSpPr>
+          <p:cNvPr id="24" name="Rectangle 23">
+            <a:extLst>
+              <a:ext uri="{FF2B5EF4-FFF2-40B4-BE49-F238E27FC236}">
+                <a16:creationId xmlns:a16="http://schemas.microsoft.com/office/drawing/2014/main" id="{9D8B4D3C-0DE0-43B9-B032-32B536B96D02}"/>
+              </a:ext>
+              <a:ext uri="{C183D7F6-B498-43B3-948B-1728B52AA6E4}">
+                <adec:decorative xmlns:adec="http://schemas.microsoft.com/office/drawing/2017/decorative" val="1"/>
+              </a:ext>
+            </a:extLst>
+          </p:cNvPr>
+          <p:cNvSpPr>
+            <a:spLocks noGrp="1" noRot="1" noChangeAspect="1" noMove="1" noResize="1" noEditPoints="1" noAdjustHandles="1" noChangeArrowheads="1" noChangeShapeType="1" noTextEdit="1"/>
+          </p:cNvSpPr>
+          <p:nvPr>
+            <p:extLst>
+              <p:ext uri="{386F3935-93C4-4BCD-93E2-E3B085C9AB24}">
+                <p16:designElem xmlns:p16="http://schemas.microsoft.com/office/powerpoint/2015/main" val="1"/>
+              </p:ext>
+            </p:extLst>
+          </p:nvPr>
+        </p:nvSpPr>
+        <p:spPr>
+          <a:xfrm>
+            <a:off x="8042147" y="453643"/>
+            <a:ext cx="3703320" cy="98554"/>
+          </a:xfrm>
+          <a:prstGeom prst="rect">
+            <a:avLst/>
+          </a:prstGeom>
+          <a:solidFill>
+            <a:srgbClr val="969FA7"/>
+          </a:solidFill>
+          <a:ln>
+            <a:noFill/>
+          </a:ln>
+          <a:effectLst/>
+        </p:spPr>
+        <p:style>
+          <a:lnRef idx="1">
+            <a:schemeClr val="accent1"/>
+          </a:lnRef>
+          <a:fillRef idx="3">
+            <a:schemeClr val="accent1"/>
+          </a:fillRef>
+          <a:effectRef idx="2">
+            <a:schemeClr val="accent1"/>
+          </a:effectRef>
+          <a:fontRef idx="minor">
+            <a:schemeClr val="lt1"/>
+          </a:fontRef>
+        </p:style>
+        <p:txBody>
+          <a:bodyPr/>
+          <a:lstStyle/>
+          <a:p>
+            <a:endParaRPr lang="he-IL"/>
+          </a:p>
+        </p:txBody>
+      </p:sp>
+      <p:pic>
+        <p:nvPicPr>
+          <p:cNvPr id="5" name="מציין מיקום תוכן 4" descr="תמונה שמכילה טקסט, צילום מסך, מספר, מקביל&#10;&#10;התיאור נוצר באופן אוטומטי">
+            <a:extLst>
+              <a:ext uri="{FF2B5EF4-FFF2-40B4-BE49-F238E27FC236}">
+                <a16:creationId xmlns:a16="http://schemas.microsoft.com/office/drawing/2014/main" id="{7A02CF83-6122-6D1D-C46D-56F780775412}"/>
+              </a:ext>
+            </a:extLst>
+          </p:cNvPr>
+          <p:cNvPicPr>
+            <a:picLocks noGrp="1" noChangeAspect="1"/>
+          </p:cNvPicPr>
+          <p:nvPr>
+            <p:ph idx="1"/>
+          </p:nvPr>
+        </p:nvPicPr>
+        <p:blipFill>
+          <a:blip r:embed="rId2">
+            <a:extLst>
+              <a:ext uri="{28A0092B-C50C-407E-A947-70E740481C1C}">
+                <a14:useLocalDpi xmlns:a14="http://schemas.microsoft.com/office/drawing/2010/main" val="0"/>
+              </a:ext>
+            </a:extLst>
+          </a:blip>
+          <a:stretch>
+            <a:fillRect/>
+          </a:stretch>
+        </p:blipFill>
+        <p:spPr>
+          <a:xfrm>
+            <a:off x="58479" y="701749"/>
+            <a:ext cx="7870179" cy="5789365"/>
+          </a:xfrm>
+          <a:prstGeom prst="rect">
+            <a:avLst/>
+          </a:prstGeom>
+        </p:spPr>
+      </p:pic>
+      <p:sp>
+        <p:nvSpPr>
+          <p:cNvPr id="26" name="Rectangle 25">
+            <a:extLst>
+              <a:ext uri="{FF2B5EF4-FFF2-40B4-BE49-F238E27FC236}">
+                <a16:creationId xmlns:a16="http://schemas.microsoft.com/office/drawing/2014/main" id="{707788D3-E467-4E25-A5E9-FD41795BD551}"/>
+              </a:ext>
+              <a:ext uri="{C183D7F6-B498-43B3-948B-1728B52AA6E4}">
+                <adec:decorative xmlns:adec="http://schemas.microsoft.com/office/drawing/2017/decorative" val="1"/>
+              </a:ext>
+            </a:extLst>
+          </p:cNvPr>
+          <p:cNvSpPr>
+            <a:spLocks noGrp="1" noRot="1" noChangeAspect="1" noMove="1" noResize="1" noEditPoints="1" noAdjustHandles="1" noChangeArrowheads="1" noChangeShapeType="1" noTextEdit="1"/>
+          </p:cNvSpPr>
+          <p:nvPr>
+            <p:extLst>
+              <p:ext uri="{386F3935-93C4-4BCD-93E2-E3B085C9AB24}">
+                <p16:designElem xmlns:p16="http://schemas.microsoft.com/office/powerpoint/2015/main" val="1"/>
+              </p:ext>
+            </p:extLst>
+          </p:nvPr>
+        </p:nvSpPr>
+        <p:spPr>
+          <a:xfrm>
+            <a:off x="8042147" y="601200"/>
+            <a:ext cx="3703320" cy="5789365"/>
+          </a:xfrm>
+          <a:prstGeom prst="rect">
+            <a:avLst/>
+          </a:prstGeom>
+          <a:solidFill>
+            <a:srgbClr val="465359"/>
+          </a:solidFill>
+          <a:ln>
+            <a:noFill/>
+          </a:ln>
+          <a:effectLst/>
+        </p:spPr>
+        <p:style>
+          <a:lnRef idx="1">
+            <a:schemeClr val="accent1"/>
+          </a:lnRef>
+          <a:fillRef idx="3">
+            <a:schemeClr val="accent1"/>
+          </a:fillRef>
+          <a:effectRef idx="2">
+            <a:schemeClr val="accent1"/>
+          </a:effectRef>
+          <a:fontRef idx="minor">
+            <a:schemeClr val="lt1"/>
+          </a:fontRef>
+        </p:style>
+        <p:txBody>
+          <a:bodyPr/>
+          <a:lstStyle/>
+          <a:p>
+            <a:endParaRPr lang="he-IL"/>
+          </a:p>
+        </p:txBody>
+      </p:sp>
+      <p:sp>
+        <p:nvSpPr>
+          <p:cNvPr id="2" name="כותרת 1">
+            <a:extLst>
+              <a:ext uri="{FF2B5EF4-FFF2-40B4-BE49-F238E27FC236}">
+                <a16:creationId xmlns:a16="http://schemas.microsoft.com/office/drawing/2014/main" id="{A81EAD14-5C04-F530-BB9D-B1925E401E94}"/>
+              </a:ext>
+            </a:extLst>
+          </p:cNvPr>
+          <p:cNvSpPr>
+            <a:spLocks noGrp="1"/>
+          </p:cNvSpPr>
+          <p:nvPr>
+            <p:ph type="title"/>
+          </p:nvPr>
+        </p:nvSpPr>
+        <p:spPr>
+          <a:xfrm>
+            <a:off x="8296275" y="1419225"/>
+            <a:ext cx="3081576" cy="2085869"/>
+          </a:xfrm>
+        </p:spPr>
+        <p:txBody>
+          <a:bodyPr vert="horz" lIns="91440" tIns="45720" rIns="91440" bIns="45720" rtlCol="0" anchor="b">
+            <a:normAutofit/>
+          </a:bodyPr>
+          <a:lstStyle/>
+          <a:p>
+            <a:r>
+              <a:rPr lang="en-US" cap="all">
+                <a:solidFill>
+                  <a:srgbClr val="FFFFFF"/>
+                </a:solidFill>
+              </a:rPr>
+              <a:t>Test Cases From STD Document</a:t>
+            </a:r>
+          </a:p>
+        </p:txBody>
+      </p:sp>
+    </p:spTree>
+    <p:extLst>
+      <p:ext uri="{BB962C8B-B14F-4D97-AF65-F5344CB8AC3E}">
+        <p14:creationId xmlns:p14="http://schemas.microsoft.com/office/powerpoint/2010/main" val="1186389798"/>
+      </p:ext>
+    </p:extLst>
+  </p:cSld>
+  <p:clrMapOvr>
+    <a:masterClrMapping/>
+  </p:clrMapOvr>
+  <mc:AlternateContent xmlns:mc="http://schemas.openxmlformats.org/markup-compatibility/2006" xmlns:p14="http://schemas.microsoft.com/office/powerpoint/2010/main">
+    <mc:Choice Requires="p14">
+      <p:transition spd="slow" p14:dur="1500">
+        <p:random/>
+      </p:transition>
+    </mc:Choice>
+    <mc:Fallback xmlns="">
+      <p:transition spd="slow">
+        <p:random/>
+      </p:transition>
+    </mc:Fallback>
+  </mc:AlternateContent>
+</p:sld>
+</file>
+
+<file path=ppt/slides/slide8.xml><?xml version="1.0" encoding="utf-8"?>
+<p:sld xmlns:a="http://schemas.openxmlformats.org/drawingml/2006/main" xmlns:r="http://schemas.openxmlformats.org/officeDocument/2006/relationships" xmlns:p="http://schemas.openxmlformats.org/presentationml/2006/main">
+  <p:cSld>
+    <p:bg>
+      <p:bgPr>
+        <a:solidFill>
+          <a:schemeClr val="bg1"/>
+        </a:solidFill>
+        <a:effectLst/>
+      </p:bgPr>
+    </p:bg>
+    <p:spTree>
+      <p:nvGrpSpPr>
+        <p:cNvPr id="1" name=""/>
+        <p:cNvGrpSpPr/>
+        <p:nvPr/>
+      </p:nvGrpSpPr>
+      <p:grpSpPr>
+        <a:xfrm>
+          <a:off x="0" y="0"/>
+          <a:ext cx="0" cy="0"/>
+          <a:chOff x="0" y="0"/>
+          <a:chExt cx="0" cy="0"/>
+        </a:xfrm>
+      </p:grpSpPr>
+      <p:sp>
+        <p:nvSpPr>
+          <p:cNvPr id="62" name="Rectangle 61">
+            <a:extLst>
+              <a:ext uri="{FF2B5EF4-FFF2-40B4-BE49-F238E27FC236}">
+                <a16:creationId xmlns:a16="http://schemas.microsoft.com/office/drawing/2014/main" id="{40A0F4CC-F443-40C1-B000-840650808C87}"/>
+              </a:ext>
+              <a:ext uri="{C183D7F6-B498-43B3-948B-1728B52AA6E4}">
+                <adec:decorative xmlns:adec="http://schemas.microsoft.com/office/drawing/2017/decorative" val="1"/>
+              </a:ext>
+            </a:extLst>
+          </p:cNvPr>
+          <p:cNvSpPr>
+            <a:spLocks noGrp="1" noRot="1" noChangeAspect="1" noMove="1" noResize="1" noEditPoints="1" noAdjustHandles="1" noChangeArrowheads="1" noChangeShapeType="1" noTextEdit="1"/>
+          </p:cNvSpPr>
+          <p:nvPr>
+            <p:extLst>
+              <p:ext uri="{386F3935-93C4-4BCD-93E2-E3B085C9AB24}">
+                <p16:designElem xmlns:p16="http://schemas.microsoft.com/office/powerpoint/2015/main" val="1"/>
+              </p:ext>
+            </p:extLst>
+          </p:nvPr>
+        </p:nvSpPr>
+        <p:spPr>
+          <a:xfrm>
+            <a:off x="446534" y="457200"/>
+            <a:ext cx="3703320" cy="94997"/>
+          </a:xfrm>
+          <a:prstGeom prst="rect">
+            <a:avLst/>
+          </a:prstGeom>
+          <a:solidFill>
+            <a:srgbClr val="465359"/>
+          </a:solidFill>
+          <a:ln>
+            <a:noFill/>
+          </a:ln>
+          <a:effectLst/>
+        </p:spPr>
+        <p:style>
+          <a:lnRef idx="1">
+            <a:schemeClr val="accent1"/>
+          </a:lnRef>
+          <a:fillRef idx="3">
+            <a:schemeClr val="accent1"/>
+          </a:fillRef>
+          <a:effectRef idx="2">
+            <a:schemeClr val="accent1"/>
+          </a:effectRef>
+          <a:fontRef idx="minor">
+            <a:schemeClr val="lt1"/>
+          </a:fontRef>
+        </p:style>
+        <p:txBody>
+          <a:bodyPr/>
+          <a:lstStyle/>
+          <a:p>
+            <a:endParaRPr lang="he-IL"/>
+          </a:p>
+        </p:txBody>
+      </p:sp>
+      <p:sp>
+        <p:nvSpPr>
+          <p:cNvPr id="64" name="Rectangle 63">
+            <a:extLst>
+              <a:ext uri="{FF2B5EF4-FFF2-40B4-BE49-F238E27FC236}">
+                <a16:creationId xmlns:a16="http://schemas.microsoft.com/office/drawing/2014/main" id="{8FF3DAE6-FFD2-4E7C-8FB8-E958A258604D}"/>
+              </a:ext>
+              <a:ext uri="{C183D7F6-B498-43B3-948B-1728B52AA6E4}">
+                <adec:decorative xmlns:adec="http://schemas.microsoft.com/office/drawing/2017/decorative" val="1"/>
+              </a:ext>
+            </a:extLst>
+          </p:cNvPr>
+          <p:cNvSpPr>
+            <a:spLocks noGrp="1" noRot="1" noChangeAspect="1" noMove="1" noResize="1" noEditPoints="1" noAdjustHandles="1" noChangeArrowheads="1" noChangeShapeType="1" noTextEdit="1"/>
+          </p:cNvSpPr>
+          <p:nvPr>
+            <p:extLst>
+              <p:ext uri="{386F3935-93C4-4BCD-93E2-E3B085C9AB24}">
+                <p16:designElem xmlns:p16="http://schemas.microsoft.com/office/powerpoint/2015/main" val="1"/>
+              </p:ext>
+            </p:extLst>
+          </p:nvPr>
+        </p:nvSpPr>
+        <p:spPr>
+          <a:xfrm>
+            <a:off x="8042147" y="453643"/>
+            <a:ext cx="3703320" cy="98554"/>
+          </a:xfrm>
+          <a:prstGeom prst="rect">
+            <a:avLst/>
+          </a:prstGeom>
+          <a:solidFill>
+            <a:srgbClr val="969FA7"/>
+          </a:solidFill>
+          <a:ln>
+            <a:noFill/>
+          </a:ln>
+          <a:effectLst/>
+        </p:spPr>
+        <p:style>
+          <a:lnRef idx="1">
+            <a:schemeClr val="accent1"/>
+          </a:lnRef>
+          <a:fillRef idx="3">
+            <a:schemeClr val="accent1"/>
+          </a:fillRef>
+          <a:effectRef idx="2">
+            <a:schemeClr val="accent1"/>
+          </a:effectRef>
+          <a:fontRef idx="minor">
+            <a:schemeClr val="lt1"/>
+          </a:fontRef>
+        </p:style>
+        <p:txBody>
+          <a:bodyPr/>
+          <a:lstStyle/>
+          <a:p>
+            <a:endParaRPr lang="he-IL"/>
+          </a:p>
+        </p:txBody>
+      </p:sp>
+      <p:sp>
+        <p:nvSpPr>
+          <p:cNvPr id="66" name="Rectangle 65">
+            <a:extLst>
+              <a:ext uri="{FF2B5EF4-FFF2-40B4-BE49-F238E27FC236}">
+                <a16:creationId xmlns:a16="http://schemas.microsoft.com/office/drawing/2014/main" id="{A2F7A394-B482-4D36-A98E-11A3212A1F12}"/>
+              </a:ext>
+              <a:ext uri="{C183D7F6-B498-43B3-948B-1728B52AA6E4}">
+                <adec:decorative xmlns:adec="http://schemas.microsoft.com/office/drawing/2017/decorative" val="1"/>
+              </a:ext>
+            </a:extLst>
+          </p:cNvPr>
+          <p:cNvSpPr>
+            <a:spLocks noGrp="1" noRot="1" noChangeAspect="1" noMove="1" noResize="1" noEditPoints="1" noAdjustHandles="1" noChangeArrowheads="1" noChangeShapeType="1" noTextEdit="1"/>
+          </p:cNvSpPr>
+          <p:nvPr>
+            <p:extLst>
+              <p:ext uri="{386F3935-93C4-4BCD-93E2-E3B085C9AB24}">
+                <p16:designElem xmlns:p16="http://schemas.microsoft.com/office/powerpoint/2015/main" val="1"/>
+              </p:ext>
+            </p:extLst>
+          </p:nvPr>
+        </p:nvSpPr>
+        <p:spPr>
+          <a:xfrm>
+            <a:off x="4241830" y="457200"/>
+            <a:ext cx="3703320" cy="91440"/>
+          </a:xfrm>
+          <a:prstGeom prst="rect">
+            <a:avLst/>
+          </a:prstGeom>
+          <a:solidFill>
+            <a:schemeClr val="accent1"/>
+          </a:solidFill>
+          <a:ln>
+            <a:noFill/>
+          </a:ln>
+          <a:effectLst/>
+        </p:spPr>
+        <p:style>
+          <a:lnRef idx="1">
+            <a:schemeClr val="accent1"/>
+          </a:lnRef>
+          <a:fillRef idx="3">
+            <a:schemeClr val="accent1"/>
+          </a:fillRef>
+          <a:effectRef idx="2">
+            <a:schemeClr val="accent1"/>
+          </a:effectRef>
+          <a:fontRef idx="minor">
+            <a:schemeClr val="lt1"/>
+          </a:fontRef>
+        </p:style>
+        <p:txBody>
+          <a:bodyPr/>
+          <a:lstStyle/>
+          <a:p>
+            <a:endParaRPr lang="he-IL"/>
+          </a:p>
+        </p:txBody>
+      </p:sp>
+      <p:sp useBgFill="1">
+        <p:nvSpPr>
+          <p:cNvPr id="68" name="Rectangle 67">
+            <a:extLst>
+              <a:ext uri="{FF2B5EF4-FFF2-40B4-BE49-F238E27FC236}">
+                <a16:creationId xmlns:a16="http://schemas.microsoft.com/office/drawing/2014/main" id="{A4308965-434A-4011-8316-8ABEFFED04CD}"/>
+              </a:ext>
+              <a:ext uri="{C183D7F6-B498-43B3-948B-1728B52AA6E4}">
+                <adec:decorative xmlns:adec="http://schemas.microsoft.com/office/drawing/2017/decorative" val="1"/>
+              </a:ext>
+            </a:extLst>
+          </p:cNvPr>
+          <p:cNvSpPr>
+            <a:spLocks noGrp="1" noRot="1" noChangeAspect="1" noMove="1" noResize="1" noEditPoints="1" noAdjustHandles="1" noChangeArrowheads="1" noChangeShapeType="1" noTextEdit="1"/>
+          </p:cNvSpPr>
+          <p:nvPr>
+            <p:extLst>
+              <p:ext uri="{386F3935-93C4-4BCD-93E2-E3B085C9AB24}">
+                <p16:designElem xmlns:p16="http://schemas.microsoft.com/office/powerpoint/2015/main" val="1"/>
+              </p:ext>
+            </p:extLst>
+          </p:nvPr>
+        </p:nvSpPr>
+        <p:spPr>
+          <a:xfrm>
+            <a:off x="0" y="0"/>
+            <a:ext cx="12192000" cy="6858000"/>
+          </a:xfrm>
+          <a:prstGeom prst="rect">
+            <a:avLst/>
+          </a:prstGeom>
+          <a:ln>
+            <a:noFill/>
+          </a:ln>
+        </p:spPr>
+        <p:style>
+          <a:lnRef idx="2">
+            <a:schemeClr val="accent1">
+              <a:shade val="50000"/>
+            </a:schemeClr>
+          </a:lnRef>
+          <a:fillRef idx="1">
+            <a:schemeClr val="accent1"/>
+          </a:fillRef>
+          <a:effectRef idx="0">
+            <a:schemeClr val="accent1"/>
+          </a:effectRef>
+          <a:fontRef idx="minor">
+            <a:schemeClr val="lt1"/>
+          </a:fontRef>
+        </p:style>
+        <p:txBody>
+          <a:bodyPr rtlCol="0" anchor="ctr"/>
+          <a:lstStyle/>
+          <a:p>
+            <a:pPr algn="ctr"/>
+            <a:endParaRPr lang="en-US"/>
+          </a:p>
+        </p:txBody>
+      </p:sp>
+      <p:pic>
+        <p:nvPicPr>
+          <p:cNvPr id="19" name="תמונה 18" descr="תמונה שמכילה טקסט, צילום מסך, תוכנה, תכונות מולטימדיה&#10;&#10;התיאור נוצר באופן אוטומטי">
+            <a:extLst>
+              <a:ext uri="{FF2B5EF4-FFF2-40B4-BE49-F238E27FC236}">
+                <a16:creationId xmlns:a16="http://schemas.microsoft.com/office/drawing/2014/main" id="{F49E8803-A82A-3082-78F5-9A2F0A7DCD09}"/>
+              </a:ext>
+            </a:extLst>
+          </p:cNvPr>
+          <p:cNvPicPr>
+            <a:picLocks noChangeAspect="1"/>
+          </p:cNvPicPr>
+          <p:nvPr/>
+        </p:nvPicPr>
+        <p:blipFill>
+          <a:blip r:embed="rId2">
+            <a:extLst>
+              <a:ext uri="{28A0092B-C50C-407E-A947-70E740481C1C}">
+                <a14:useLocalDpi xmlns:a14="http://schemas.microsoft.com/office/drawing/2010/main" val="0"/>
+              </a:ext>
+            </a:extLst>
+          </a:blip>
+          <a:stretch>
+            <a:fillRect/>
+          </a:stretch>
+        </p:blipFill>
+        <p:spPr>
+          <a:xfrm>
+            <a:off x="0" y="1382231"/>
+            <a:ext cx="6321054" cy="4784651"/>
+          </a:xfrm>
+          <a:prstGeom prst="rect">
+            <a:avLst/>
+          </a:prstGeom>
+        </p:spPr>
+      </p:pic>
+      <p:pic>
+        <p:nvPicPr>
+          <p:cNvPr id="13" name="תמונה 12" descr="תמונה שמכילה טקסט, צילום מסך, תוכנה, תכונות מולטימדיה&#10;&#10;התיאור נוצר באופן אוטומטי">
+            <a:extLst>
+              <a:ext uri="{FF2B5EF4-FFF2-40B4-BE49-F238E27FC236}">
+                <a16:creationId xmlns:a16="http://schemas.microsoft.com/office/drawing/2014/main" id="{B3555BF8-9819-58BA-F913-0B9E79163099}"/>
+              </a:ext>
+            </a:extLst>
+          </p:cNvPr>
+          <p:cNvPicPr>
+            <a:picLocks noChangeAspect="1"/>
+          </p:cNvPicPr>
+          <p:nvPr/>
+        </p:nvPicPr>
+        <p:blipFill>
+          <a:blip r:embed="rId3">
+            <a:extLst>
+              <a:ext uri="{28A0092B-C50C-407E-A947-70E740481C1C}">
+                <a14:useLocalDpi xmlns:a14="http://schemas.microsoft.com/office/drawing/2010/main" val="0"/>
+              </a:ext>
+            </a:extLst>
+          </a:blip>
+          <a:stretch>
+            <a:fillRect/>
+          </a:stretch>
+        </p:blipFill>
+        <p:spPr>
+          <a:xfrm>
+            <a:off x="5827428" y="1382231"/>
+            <a:ext cx="6321054" cy="4784651"/>
+          </a:xfrm>
+          <a:prstGeom prst="rect">
+            <a:avLst/>
+          </a:prstGeom>
+        </p:spPr>
+      </p:pic>
+      <p:sp>
+        <p:nvSpPr>
+          <p:cNvPr id="27" name="תיבת טקסט 26">
+            <a:extLst>
+              <a:ext uri="{FF2B5EF4-FFF2-40B4-BE49-F238E27FC236}">
+                <a16:creationId xmlns:a16="http://schemas.microsoft.com/office/drawing/2014/main" id="{BFE47797-EA20-85C2-1FD4-87B99D8F4243}"/>
+              </a:ext>
+            </a:extLst>
+          </p:cNvPr>
+          <p:cNvSpPr txBox="1"/>
+          <p:nvPr/>
+        </p:nvSpPr>
+        <p:spPr>
+          <a:xfrm>
+            <a:off x="731773" y="380660"/>
+            <a:ext cx="8256182" cy="584775"/>
+          </a:xfrm>
+          <a:prstGeom prst="rect">
+            <a:avLst/>
+          </a:prstGeom>
+        </p:spPr>
+        <p:style>
+          <a:lnRef idx="2">
+            <a:schemeClr val="accent1">
+              <a:shade val="15000"/>
+            </a:schemeClr>
+          </a:lnRef>
+          <a:fillRef idx="1">
+            <a:schemeClr val="accent1"/>
+          </a:fillRef>
+          <a:effectRef idx="0">
+            <a:schemeClr val="accent1"/>
+          </a:effectRef>
+          <a:fontRef idx="minor">
+            <a:schemeClr val="lt1"/>
+          </a:fontRef>
+        </p:style>
+        <p:txBody>
+          <a:bodyPr wrap="square" rtlCol="1">
+            <a:spAutoFit/>
+          </a:bodyPr>
+          <a:lstStyle/>
+          <a:p>
+            <a:pPr algn="l" rtl="0"/>
+            <a:r>
+              <a:rPr lang="en-US" sz="3200" dirty="0"/>
+              <a:t>Running The Test With Different Browsers</a:t>
+            </a:r>
+            <a:endParaRPr lang="he-IL" sz="3200" dirty="0"/>
+          </a:p>
+        </p:txBody>
+      </p:sp>
+    </p:spTree>
+    <p:extLst>
+      <p:ext uri="{BB962C8B-B14F-4D97-AF65-F5344CB8AC3E}">
+        <p14:creationId xmlns:p14="http://schemas.microsoft.com/office/powerpoint/2010/main" val="1981581210"/>
+      </p:ext>
+    </p:extLst>
+  </p:cSld>
+  <p:clrMapOvr>
+    <a:overrideClrMapping bg1="dk1" tx1="lt1" bg2="dk2" tx2="lt2" accent1="accent1" accent2="accent2" accent3="accent3" accent4="accent4" accent5="accent5" accent6="accent6" hlink="hlink" folHlink="folHlink"/>
+  </p:clrMapOvr>
+  <mc:AlternateContent xmlns:mc="http://schemas.openxmlformats.org/markup-compatibility/2006" xmlns:p14="http://schemas.microsoft.com/office/powerpoint/2010/main">
+    <mc:Choice Requires="p14">
+      <p:transition spd="slow" p14:dur="1500">
+        <p:random/>
+      </p:transition>
+    </mc:Choice>
+    <mc:Fallback xmlns="">
+      <p:transition spd="slow">
+        <p:random/>
+      </p:transition>
+    </mc:Fallback>
+  </mc:AlternateContent>
+</p:sld>
+</file>
+
+<file path=ppt/slides/slide9.xml><?xml version="1.0" encoding="utf-8"?>
+<p:sld xmlns:a="http://schemas.openxmlformats.org/drawingml/2006/main" xmlns:r="http://schemas.openxmlformats.org/officeDocument/2006/relationships" xmlns:p="http://schemas.openxmlformats.org/presentationml/2006/main">
+  <p:cSld>
+    <p:bg>
+      <p:bgPr>
+        <a:solidFill>
+          <a:schemeClr val="bg1"/>
+        </a:solidFill>
+        <a:effectLst/>
+      </p:bgPr>
+    </p:bg>
+    <p:spTree>
+      <p:nvGrpSpPr>
+        <p:cNvPr id="1" name=""/>
+        <p:cNvGrpSpPr/>
+        <p:nvPr/>
+      </p:nvGrpSpPr>
+      <p:grpSpPr>
+        <a:xfrm>
+          <a:off x="0" y="0"/>
+          <a:ext cx="0" cy="0"/>
+          <a:chOff x="0" y="0"/>
+          <a:chExt cx="0" cy="0"/>
+        </a:xfrm>
+      </p:grpSpPr>
+      <p:sp>
+        <p:nvSpPr>
           <p:cNvPr id="36" name="Rectangle 23">
             <a:extLst>
               <a:ext uri="{FF2B5EF4-FFF2-40B4-BE49-F238E27FC236}">
@@ -5835,13 +9026,13 @@
   <p:clrMapOvr>
     <a:masterClrMapping/>
   </p:clrMapOvr>
-  <mc:AlternateContent xmlns:mc="http://schemas.openxmlformats.org/markup-compatibility/2006">
-    <mc:Choice xmlns:p14="http://schemas.microsoft.com/office/powerpoint/2010/main" Requires="p14">
+  <mc:AlternateContent xmlns:mc="http://schemas.openxmlformats.org/markup-compatibility/2006" xmlns:p14="http://schemas.microsoft.com/office/powerpoint/2010/main">
+    <mc:Choice Requires="p14">
       <p:transition spd="slow" p14:dur="1500">
         <p:random/>
       </p:transition>
     </mc:Choice>
-    <mc:Fallback>
+    <mc:Fallback xmlns="">
       <p:transition spd="slow">
         <p:random/>
       </p:transition>

--- a/Final Project Part1/Automation Project Part 1 presentation.pptx
+++ b/Final Project Part1/Automation Project Part 1 presentation.pptx
@@ -11,11 +11,10 @@
     <p:sldId id="258" r:id="rId5"/>
     <p:sldId id="259" r:id="rId6"/>
     <p:sldId id="263" r:id="rId7"/>
-    <p:sldId id="264" r:id="rId8"/>
-    <p:sldId id="262" r:id="rId9"/>
-    <p:sldId id="260" r:id="rId10"/>
-    <p:sldId id="265" r:id="rId11"/>
-    <p:sldId id="266" r:id="rId12"/>
+    <p:sldId id="262" r:id="rId8"/>
+    <p:sldId id="260" r:id="rId9"/>
+    <p:sldId id="265" r:id="rId10"/>
+    <p:sldId id="266" r:id="rId11"/>
   </p:sldIdLst>
   <p:sldSz cx="12192000" cy="6858000"/>
   <p:notesSz cx="6858000" cy="9144000"/>
@@ -360,7 +359,7 @@
           <a:p>
             <a:fld id="{ED291B17-9318-49DB-B28B-6E5994AE9581}" type="datetime1">
               <a:rPr lang="en-US" smtClean="0"/>
-              <a:t>7/14/2024</a:t>
+              <a:t>7/15/2024</a:t>
             </a:fld>
             <a:endParaRPr lang="en-US" dirty="0"/>
           </a:p>
@@ -575,7 +574,7 @@
           <a:p>
             <a:fld id="{2CED4963-E985-44C4-B8C4-FDD613B7C2F8}" type="datetime1">
               <a:rPr lang="en-US" smtClean="0"/>
-              <a:t>7/14/2024</a:t>
+              <a:t>7/15/2024</a:t>
             </a:fld>
             <a:endParaRPr lang="en-US" dirty="0"/>
           </a:p>
@@ -949,7 +948,7 @@
           <a:p>
             <a:fld id="{ED291B17-9318-49DB-B28B-6E5994AE9581}" type="datetime1">
               <a:rPr lang="en-US" smtClean="0"/>
-              <a:t>7/14/2024</a:t>
+              <a:t>7/15/2024</a:t>
             </a:fld>
             <a:endParaRPr lang="en-US" dirty="0"/>
           </a:p>
@@ -1159,7 +1158,7 @@
           <a:p>
             <a:fld id="{78DD82B9-B8EE-4375-B6FF-88FA6ABB15D9}" type="datetime1">
               <a:rPr lang="en-US" smtClean="0"/>
-              <a:t>7/14/2024</a:t>
+              <a:t>7/15/2024</a:t>
             </a:fld>
             <a:endParaRPr lang="en-US" dirty="0"/>
           </a:p>
@@ -1483,7 +1482,7 @@
           <a:p>
             <a:fld id="{B2497495-0637-405E-AE64-5CC7506D51F5}" type="datetime1">
               <a:rPr lang="en-US" smtClean="0"/>
-              <a:t>7/14/2024</a:t>
+              <a:t>7/15/2024</a:t>
             </a:fld>
             <a:endParaRPr lang="en-US" dirty="0"/>
           </a:p>
@@ -1748,7 +1747,7 @@
           <a:p>
             <a:fld id="{7BFFD690-9426-415D-8B65-26881E07B2D4}" type="datetime1">
               <a:rPr lang="en-US" smtClean="0"/>
-              <a:t>7/14/2024</a:t>
+              <a:t>7/15/2024</a:t>
             </a:fld>
             <a:endParaRPr lang="en-US" dirty="0"/>
           </a:p>
@@ -2182,7 +2181,7 @@
           <a:p>
             <a:fld id="{04C4989A-474C-40DE-95B9-011C28B71673}" type="datetime1">
               <a:rPr lang="en-US" smtClean="0"/>
-              <a:t>7/14/2024</a:t>
+              <a:t>7/15/2024</a:t>
             </a:fld>
             <a:endParaRPr lang="en-US" dirty="0"/>
           </a:p>
@@ -2317,7 +2316,7 @@
           <a:p>
             <a:fld id="{5DB4ED54-5B5E-4A04-93D3-5772E3CE3818}" type="datetime1">
               <a:rPr lang="en-US" smtClean="0"/>
-              <a:t>7/14/2024</a:t>
+              <a:t>7/15/2024</a:t>
             </a:fld>
             <a:endParaRPr lang="en-US" dirty="0"/>
           </a:p>
@@ -2424,7 +2423,7 @@
           <a:p>
             <a:fld id="{4EDE50D6-574B-40AF-946F-D52A04ADE379}" type="datetime1">
               <a:rPr lang="en-US" smtClean="0"/>
-              <a:t>7/14/2024</a:t>
+              <a:t>7/15/2024</a:t>
             </a:fld>
             <a:endParaRPr lang="en-US" dirty="0"/>
           </a:p>
@@ -2813,7 +2812,7 @@
           <a:p>
             <a:fld id="{D82884F1-FFEA-405F-9602-3DCA865EDA4E}" type="datetime1">
               <a:rPr lang="en-US" smtClean="0"/>
-              <a:t>7/14/2024</a:t>
+              <a:t>7/15/2024</a:t>
             </a:fld>
             <a:endParaRPr lang="en-US" dirty="0"/>
           </a:p>
@@ -3118,7 +3117,7 @@
           <a:p>
             <a:fld id="{7E18DB4A-8810-4A10-AD5C-D5E2C667F5B3}" type="datetime1">
               <a:rPr lang="en-US" smtClean="0"/>
-              <a:t>7/14/2024</a:t>
+              <a:t>7/15/2024</a:t>
             </a:fld>
             <a:endParaRPr lang="en-US" dirty="0"/>
           </a:p>
@@ -3341,7 +3340,7 @@
           <a:p>
             <a:fld id="{ED291B17-9318-49DB-B28B-6E5994AE9581}" type="datetime1">
               <a:rPr lang="en-US" smtClean="0"/>
-              <a:t>7/14/2024</a:t>
+              <a:t>7/15/2024</a:t>
             </a:fld>
             <a:endParaRPr lang="en-US" dirty="0"/>
           </a:p>
@@ -4482,337 +4481,6 @@
           <a:chExt cx="0" cy="0"/>
         </a:xfrm>
       </p:grpSpPr>
-      <p:sp useBgFill="1">
-        <p:nvSpPr>
-          <p:cNvPr id="9" name="Rectangle 8">
-            <a:extLst>
-              <a:ext uri="{FF2B5EF4-FFF2-40B4-BE49-F238E27FC236}">
-                <a16:creationId xmlns:a16="http://schemas.microsoft.com/office/drawing/2014/main" id="{504BED40-EAF7-4E55-AFF7-2CD840EBD3AA}"/>
-              </a:ext>
-              <a:ext uri="{C183D7F6-B498-43B3-948B-1728B52AA6E4}">
-                <adec:decorative xmlns:adec="http://schemas.microsoft.com/office/drawing/2017/decorative" val="1"/>
-              </a:ext>
-            </a:extLst>
-          </p:cNvPr>
-          <p:cNvSpPr>
-            <a:spLocks noGrp="1" noRot="1" noChangeAspect="1" noMove="1" noResize="1" noEditPoints="1" noAdjustHandles="1" noChangeArrowheads="1" noChangeShapeType="1" noTextEdit="1"/>
-          </p:cNvSpPr>
-          <p:nvPr>
-            <p:extLst>
-              <p:ext uri="{386F3935-93C4-4BCD-93E2-E3B085C9AB24}">
-                <p16:designElem xmlns:p16="http://schemas.microsoft.com/office/powerpoint/2015/main" val="1"/>
-              </p:ext>
-            </p:extLst>
-          </p:nvPr>
-        </p:nvSpPr>
-        <p:spPr>
-          <a:xfrm>
-            <a:off x="0" y="0"/>
-            <a:ext cx="12192000" cy="6858000"/>
-          </a:xfrm>
-          <a:prstGeom prst="rect">
-            <a:avLst/>
-          </a:prstGeom>
-          <a:ln>
-            <a:noFill/>
-          </a:ln>
-        </p:spPr>
-        <p:style>
-          <a:lnRef idx="2">
-            <a:schemeClr val="accent1">
-              <a:shade val="50000"/>
-            </a:schemeClr>
-          </a:lnRef>
-          <a:fillRef idx="1">
-            <a:schemeClr val="accent1"/>
-          </a:fillRef>
-          <a:effectRef idx="0">
-            <a:schemeClr val="accent1"/>
-          </a:effectRef>
-          <a:fontRef idx="minor">
-            <a:schemeClr val="lt1"/>
-          </a:fontRef>
-        </p:style>
-        <p:txBody>
-          <a:bodyPr rtlCol="0" anchor="ctr"/>
-          <a:lstStyle/>
-          <a:p>
-            <a:pPr algn="ctr"/>
-            <a:endParaRPr lang="en-US"/>
-          </a:p>
-        </p:txBody>
-      </p:sp>
-      <p:sp>
-        <p:nvSpPr>
-          <p:cNvPr id="2" name="כותרת 1">
-            <a:extLst>
-              <a:ext uri="{FF2B5EF4-FFF2-40B4-BE49-F238E27FC236}">
-                <a16:creationId xmlns:a16="http://schemas.microsoft.com/office/drawing/2014/main" id="{18B2BB5A-88F1-21DE-9CE2-622CEB143C10}"/>
-              </a:ext>
-            </a:extLst>
-          </p:cNvPr>
-          <p:cNvSpPr>
-            <a:spLocks noGrp="1"/>
-          </p:cNvSpPr>
-          <p:nvPr>
-            <p:ph type="title"/>
-          </p:nvPr>
-        </p:nvSpPr>
-        <p:spPr>
-          <a:xfrm>
-            <a:off x="581193" y="702156"/>
-            <a:ext cx="6309003" cy="1013800"/>
-          </a:xfrm>
-        </p:spPr>
-        <p:txBody>
-          <a:bodyPr>
-            <a:normAutofit/>
-          </a:bodyPr>
-          <a:lstStyle/>
-          <a:p>
-            <a:pPr>
-              <a:lnSpc>
-                <a:spcPct val="90000"/>
-              </a:lnSpc>
-            </a:pPr>
-            <a:r>
-              <a:rPr lang="en-US" sz="3300">
-                <a:solidFill>
-                  <a:schemeClr val="tx2"/>
-                </a:solidFill>
-              </a:rPr>
-              <a:t>Difficulties And Hurdles During The Project</a:t>
-            </a:r>
-            <a:endParaRPr lang="he-IL" sz="3300">
-              <a:solidFill>
-                <a:schemeClr val="tx2"/>
-              </a:solidFill>
-            </a:endParaRPr>
-          </a:p>
-        </p:txBody>
-      </p:sp>
-      <p:sp>
-        <p:nvSpPr>
-          <p:cNvPr id="11" name="Rectangle 10">
-            <a:extLst>
-              <a:ext uri="{FF2B5EF4-FFF2-40B4-BE49-F238E27FC236}">
-                <a16:creationId xmlns:a16="http://schemas.microsoft.com/office/drawing/2014/main" id="{F367CCF1-BB1E-41CF-8499-94A870C33EFA}"/>
-              </a:ext>
-              <a:ext uri="{C183D7F6-B498-43B3-948B-1728B52AA6E4}">
-                <adec:decorative xmlns:adec="http://schemas.microsoft.com/office/drawing/2017/decorative" val="1"/>
-              </a:ext>
-            </a:extLst>
-          </p:cNvPr>
-          <p:cNvSpPr>
-            <a:spLocks noGrp="1" noRot="1" noChangeAspect="1" noMove="1" noResize="1" noEditPoints="1" noAdjustHandles="1" noChangeArrowheads="1" noChangeShapeType="1" noTextEdit="1"/>
-          </p:cNvSpPr>
-          <p:nvPr>
-            <p:extLst>
-              <p:ext uri="{386F3935-93C4-4BCD-93E2-E3B085C9AB24}">
-                <p16:designElem xmlns:p16="http://schemas.microsoft.com/office/powerpoint/2015/main" val="1"/>
-              </p:ext>
-            </p:extLst>
-          </p:nvPr>
-        </p:nvSpPr>
-        <p:spPr>
-          <a:xfrm>
-            <a:off x="446534" y="457200"/>
-            <a:ext cx="6675120" cy="94997"/>
-          </a:xfrm>
-          <a:prstGeom prst="rect">
-            <a:avLst/>
-          </a:prstGeom>
-          <a:solidFill>
-            <a:schemeClr val="accent1"/>
-          </a:solidFill>
-          <a:ln>
-            <a:noFill/>
-          </a:ln>
-          <a:effectLst/>
-        </p:spPr>
-        <p:style>
-          <a:lnRef idx="1">
-            <a:schemeClr val="accent1"/>
-          </a:lnRef>
-          <a:fillRef idx="3">
-            <a:schemeClr val="accent1"/>
-          </a:fillRef>
-          <a:effectRef idx="2">
-            <a:schemeClr val="accent1"/>
-          </a:effectRef>
-          <a:fontRef idx="minor">
-            <a:schemeClr val="lt1"/>
-          </a:fontRef>
-        </p:style>
-        <p:txBody>
-          <a:bodyPr/>
-          <a:lstStyle/>
-          <a:p>
-            <a:endParaRPr lang="en-US"/>
-          </a:p>
-        </p:txBody>
-      </p:sp>
-      <p:sp>
-        <p:nvSpPr>
-          <p:cNvPr id="3" name="מציין מיקום תוכן 2">
-            <a:extLst>
-              <a:ext uri="{FF2B5EF4-FFF2-40B4-BE49-F238E27FC236}">
-                <a16:creationId xmlns:a16="http://schemas.microsoft.com/office/drawing/2014/main" id="{148CE4C4-2C1F-BC75-CEA3-72B4754E3258}"/>
-              </a:ext>
-            </a:extLst>
-          </p:cNvPr>
-          <p:cNvSpPr>
-            <a:spLocks noGrp="1"/>
-          </p:cNvSpPr>
-          <p:nvPr>
-            <p:ph idx="1"/>
-          </p:nvPr>
-        </p:nvSpPr>
-        <p:spPr>
-          <a:xfrm>
-            <a:off x="581194" y="1896533"/>
-            <a:ext cx="6309003" cy="3962266"/>
-          </a:xfrm>
-        </p:spPr>
-        <p:txBody>
-          <a:bodyPr>
-            <a:normAutofit/>
-          </a:bodyPr>
-          <a:lstStyle/>
-          <a:p>
-            <a:pPr marL="0" indent="0">
-              <a:buNone/>
-            </a:pPr>
-            <a:r>
-              <a:rPr lang="en-US" dirty="0">
-                <a:solidFill>
-                  <a:schemeClr val="tx2"/>
-                </a:solidFill>
-                <a:latin typeface="+mj-lt"/>
-              </a:rPr>
-              <a:t>During the project I faced some difficulties and problems that challenged me. </a:t>
-            </a:r>
-          </a:p>
-          <a:p>
-            <a:pPr marL="0" indent="0">
-              <a:buNone/>
-            </a:pPr>
-            <a:r>
-              <a:rPr lang="en-US" dirty="0">
-                <a:solidFill>
-                  <a:schemeClr val="tx2"/>
-                </a:solidFill>
-                <a:latin typeface="+mj-lt"/>
-              </a:rPr>
-              <a:t>An example for this is a random bug that suddenly occurred while I making sure that the test are running smoothly and made all the test fail without changing anything in the code, but with some help from my friends (credit for Jameel for helping me with this bug </a:t>
-            </a:r>
-            <a:r>
-              <a:rPr lang="en-US" dirty="0">
-                <a:solidFill>
-                  <a:schemeClr val="tx2"/>
-                </a:solidFill>
-                <a:latin typeface="+mj-lt"/>
-                <a:sym typeface="Wingdings" panose="05000000000000000000" pitchFamily="2" charset="2"/>
-              </a:rPr>
-              <a:t>), I managed to solve it.</a:t>
-            </a:r>
-            <a:r>
-              <a:rPr lang="en-US" dirty="0">
-                <a:solidFill>
-                  <a:schemeClr val="tx2"/>
-                </a:solidFill>
-                <a:latin typeface="+mj-lt"/>
-              </a:rPr>
-              <a:t> </a:t>
-            </a:r>
-            <a:endParaRPr lang="he-IL" dirty="0">
-              <a:solidFill>
-                <a:schemeClr val="tx2"/>
-              </a:solidFill>
-              <a:latin typeface="+mj-lt"/>
-            </a:endParaRPr>
-          </a:p>
-        </p:txBody>
-      </p:sp>
-      <p:pic>
-        <p:nvPicPr>
-          <p:cNvPr id="5" name="Picture 4" descr="Ladybug on a white background">
-            <a:extLst>
-              <a:ext uri="{FF2B5EF4-FFF2-40B4-BE49-F238E27FC236}">
-                <a16:creationId xmlns:a16="http://schemas.microsoft.com/office/drawing/2014/main" id="{2194E2D6-73DE-0F89-7075-496062F3728C}"/>
-              </a:ext>
-            </a:extLst>
-          </p:cNvPr>
-          <p:cNvPicPr>
-            <a:picLocks noChangeAspect="1"/>
-          </p:cNvPicPr>
-          <p:nvPr/>
-        </p:nvPicPr>
-        <p:blipFill rotWithShape="1">
-          <a:blip r:embed="rId2"/>
-          <a:srcRect l="9496" r="44873" b="2"/>
-          <a:stretch/>
-        </p:blipFill>
-        <p:spPr>
-          <a:xfrm>
-            <a:off x="7521283" y="10"/>
-            <a:ext cx="4670717" cy="6857990"/>
-          </a:xfrm>
-          <a:prstGeom prst="rect">
-            <a:avLst/>
-          </a:prstGeom>
-        </p:spPr>
-      </p:pic>
-    </p:spTree>
-    <p:extLst>
-      <p:ext uri="{BB962C8B-B14F-4D97-AF65-F5344CB8AC3E}">
-        <p14:creationId xmlns:p14="http://schemas.microsoft.com/office/powerpoint/2010/main" val="273271295"/>
-      </p:ext>
-    </p:extLst>
-  </p:cSld>
-  <p:clrMapOvr>
-    <a:masterClrMapping/>
-  </p:clrMapOvr>
-  <mc:AlternateContent xmlns:mc="http://schemas.openxmlformats.org/markup-compatibility/2006" xmlns:p14="http://schemas.microsoft.com/office/powerpoint/2010/main">
-    <mc:Choice Requires="p14">
-      <p:transition spd="slow" p14:dur="1500">
-        <p:random/>
-      </p:transition>
-    </mc:Choice>
-    <mc:Fallback xmlns="">
-      <p:transition spd="slow">
-        <p:random/>
-      </p:transition>
-    </mc:Fallback>
-  </mc:AlternateContent>
-</p:sld>
-</file>
-
-<file path=ppt/slides/slide11.xml><?xml version="1.0" encoding="utf-8"?>
-<p:sld xmlns:a="http://schemas.openxmlformats.org/drawingml/2006/main" xmlns:r="http://schemas.openxmlformats.org/officeDocument/2006/relationships" xmlns:p="http://schemas.openxmlformats.org/presentationml/2006/main">
-  <p:cSld>
-    <p:bg>
-      <p:bgPr>
-        <a:solidFill>
-          <a:schemeClr val="bg1"/>
-        </a:solidFill>
-        <a:effectLst/>
-      </p:bgPr>
-    </p:bg>
-    <p:spTree>
-      <p:nvGrpSpPr>
-        <p:cNvPr id="1" name=""/>
-        <p:cNvGrpSpPr/>
-        <p:nvPr/>
-      </p:nvGrpSpPr>
-      <p:grpSpPr>
-        <a:xfrm>
-          <a:off x="0" y="0"/>
-          <a:ext cx="0" cy="0"/>
-          <a:chOff x="0" y="0"/>
-          <a:chExt cx="0" cy="0"/>
-        </a:xfrm>
-      </p:grpSpPr>
       <p:sp>
         <p:nvSpPr>
           <p:cNvPr id="9" name="Rectangle 8">
@@ -6116,7 +5784,7 @@
       </p:grpSpPr>
       <p:sp>
         <p:nvSpPr>
-          <p:cNvPr id="10" name="Rectangle 9">
+          <p:cNvPr id="31" name="Rectangle 30">
             <a:extLst>
               <a:ext uri="{FF2B5EF4-FFF2-40B4-BE49-F238E27FC236}">
                 <a16:creationId xmlns:a16="http://schemas.microsoft.com/office/drawing/2014/main" id="{DD651B61-325E-4E73-8445-38B0DE8AAAB6}"/>
@@ -6177,7 +5845,7 @@
       </p:sp>
       <p:sp>
         <p:nvSpPr>
-          <p:cNvPr id="12" name="Rectangle 11">
+          <p:cNvPr id="33" name="Rectangle 32">
             <a:extLst>
               <a:ext uri="{FF2B5EF4-FFF2-40B4-BE49-F238E27FC236}">
                 <a16:creationId xmlns:a16="http://schemas.microsoft.com/office/drawing/2014/main" id="{B42E5253-D3AC-4AC2-B766-8B34F13C2F5E}"/>
@@ -6238,7 +5906,7 @@
       </p:sp>
       <p:sp>
         <p:nvSpPr>
-          <p:cNvPr id="14" name="Rectangle 13">
+          <p:cNvPr id="35" name="Rectangle 34">
             <a:extLst>
               <a:ext uri="{FF2B5EF4-FFF2-40B4-BE49-F238E27FC236}">
                 <a16:creationId xmlns:a16="http://schemas.microsoft.com/office/drawing/2014/main" id="{10AE8D57-436A-4073-9A75-15BB5949F8B4}"/>
@@ -6299,7 +5967,7 @@
       </p:sp>
       <p:sp>
         <p:nvSpPr>
-          <p:cNvPr id="16" name="Rectangle 15">
+          <p:cNvPr id="37" name="Rectangle 36">
             <a:extLst>
               <a:ext uri="{FF2B5EF4-FFF2-40B4-BE49-F238E27FC236}">
                 <a16:creationId xmlns:a16="http://schemas.microsoft.com/office/drawing/2014/main" id="{E2852671-8EB6-4EAF-8AF8-65CF3FD66456}"/>
@@ -6360,7 +6028,7 @@
       </p:sp>
       <p:sp useBgFill="1">
         <p:nvSpPr>
-          <p:cNvPr id="18" name="Rectangle 17">
+          <p:cNvPr id="39" name="Rectangle 38">
             <a:extLst>
               <a:ext uri="{FF2B5EF4-FFF2-40B4-BE49-F238E27FC236}">
                 <a16:creationId xmlns:a16="http://schemas.microsoft.com/office/drawing/2014/main" id="{7C427EA3-1645-4B27-A5C2-55E8E24C665F}"/>
@@ -6420,7 +6088,7 @@
       </p:sp>
       <p:sp>
         <p:nvSpPr>
-          <p:cNvPr id="20" name="Rectangle 19">
+          <p:cNvPr id="41" name="Rectangle 40">
             <a:extLst>
               <a:ext uri="{FF2B5EF4-FFF2-40B4-BE49-F238E27FC236}">
                 <a16:creationId xmlns:a16="http://schemas.microsoft.com/office/drawing/2014/main" id="{885CDBF6-7B87-4A58-92CA-E887CA36AF04}"/>
@@ -6481,7 +6149,7 @@
       </p:sp>
       <p:sp>
         <p:nvSpPr>
-          <p:cNvPr id="22" name="Rectangle 21">
+          <p:cNvPr id="43" name="Rectangle 42">
             <a:extLst>
               <a:ext uri="{FF2B5EF4-FFF2-40B4-BE49-F238E27FC236}">
                 <a16:creationId xmlns:a16="http://schemas.microsoft.com/office/drawing/2014/main" id="{6BFF2B2E-1CF1-403F-BB44-3F9C3E7F67FF}"/>
@@ -6542,7 +6210,7 @@
       </p:sp>
       <p:sp>
         <p:nvSpPr>
-          <p:cNvPr id="24" name="Rectangle 23">
+          <p:cNvPr id="45" name="Rectangle 44">
             <a:extLst>
               <a:ext uri="{FF2B5EF4-FFF2-40B4-BE49-F238E27FC236}">
                 <a16:creationId xmlns:a16="http://schemas.microsoft.com/office/drawing/2014/main" id="{9D8B4D3C-0DE0-43B9-B032-32B536B96D02}"/>
@@ -6603,10 +6271,10 @@
       </p:sp>
       <p:pic>
         <p:nvPicPr>
-          <p:cNvPr id="5" name="מציין מיקום תוכן 4" descr="תמונה שמכילה טקסט, צילום מסך, מספר, גופן&#10;&#10;התיאור נוצר באופן אוטומטי">
-            <a:extLst>
-              <a:ext uri="{FF2B5EF4-FFF2-40B4-BE49-F238E27FC236}">
-                <a16:creationId xmlns:a16="http://schemas.microsoft.com/office/drawing/2014/main" id="{37D2D108-F603-10C7-858C-BCBD54C894D9}"/>
+          <p:cNvPr id="7" name="מציין מיקום תוכן 6" descr="תמונה שמכילה טקסט, צילום מסך, מספר, גופן&#10;&#10;התיאור נוצר באופן אוטומטי">
+            <a:extLst>
+              <a:ext uri="{FF2B5EF4-FFF2-40B4-BE49-F238E27FC236}">
+                <a16:creationId xmlns:a16="http://schemas.microsoft.com/office/drawing/2014/main" id="{87522A86-F87A-25E5-BAE9-4D4DA6A0C04F}"/>
               </a:ext>
             </a:extLst>
           </p:cNvPr>
@@ -6631,8 +6299,8 @@
         </p:blipFill>
         <p:spPr>
           <a:xfrm>
-            <a:off x="329609" y="925032"/>
-            <a:ext cx="7599050" cy="5592725"/>
+            <a:off x="255181" y="643269"/>
+            <a:ext cx="7469372" cy="5938283"/>
           </a:xfrm>
           <a:prstGeom prst="rect">
             <a:avLst/>
@@ -6641,7 +6309,7 @@
       </p:pic>
       <p:sp>
         <p:nvSpPr>
-          <p:cNvPr id="26" name="Rectangle 25">
+          <p:cNvPr id="47" name="Rectangle 46">
             <a:extLst>
               <a:ext uri="{FF2B5EF4-FFF2-40B4-BE49-F238E27FC236}">
                 <a16:creationId xmlns:a16="http://schemas.microsoft.com/office/drawing/2014/main" id="{707788D3-E467-4E25-A5E9-FD41795BD551}"/>
@@ -6791,7 +6459,7 @@
       </p:grpSpPr>
       <p:sp>
         <p:nvSpPr>
-          <p:cNvPr id="10" name="Rectangle 9">
+          <p:cNvPr id="31" name="Rectangle 30">
             <a:extLst>
               <a:ext uri="{FF2B5EF4-FFF2-40B4-BE49-F238E27FC236}">
                 <a16:creationId xmlns:a16="http://schemas.microsoft.com/office/drawing/2014/main" id="{DD651B61-325E-4E73-8445-38B0DE8AAAB6}"/>
@@ -6852,7 +6520,7 @@
       </p:sp>
       <p:sp>
         <p:nvSpPr>
-          <p:cNvPr id="12" name="Rectangle 11">
+          <p:cNvPr id="33" name="Rectangle 32">
             <a:extLst>
               <a:ext uri="{FF2B5EF4-FFF2-40B4-BE49-F238E27FC236}">
                 <a16:creationId xmlns:a16="http://schemas.microsoft.com/office/drawing/2014/main" id="{B42E5253-D3AC-4AC2-B766-8B34F13C2F5E}"/>
@@ -6913,7 +6581,7 @@
       </p:sp>
       <p:sp>
         <p:nvSpPr>
-          <p:cNvPr id="14" name="Rectangle 13">
+          <p:cNvPr id="35" name="Rectangle 34">
             <a:extLst>
               <a:ext uri="{FF2B5EF4-FFF2-40B4-BE49-F238E27FC236}">
                 <a16:creationId xmlns:a16="http://schemas.microsoft.com/office/drawing/2014/main" id="{10AE8D57-436A-4073-9A75-15BB5949F8B4}"/>
@@ -6974,7 +6642,7 @@
       </p:sp>
       <p:sp>
         <p:nvSpPr>
-          <p:cNvPr id="16" name="Rectangle 15">
+          <p:cNvPr id="37" name="Rectangle 36">
             <a:extLst>
               <a:ext uri="{FF2B5EF4-FFF2-40B4-BE49-F238E27FC236}">
                 <a16:creationId xmlns:a16="http://schemas.microsoft.com/office/drawing/2014/main" id="{E2852671-8EB6-4EAF-8AF8-65CF3FD66456}"/>
@@ -7035,7 +6703,7 @@
       </p:sp>
       <p:sp useBgFill="1">
         <p:nvSpPr>
-          <p:cNvPr id="18" name="Rectangle 17">
+          <p:cNvPr id="39" name="Rectangle 38">
             <a:extLst>
               <a:ext uri="{FF2B5EF4-FFF2-40B4-BE49-F238E27FC236}">
                 <a16:creationId xmlns:a16="http://schemas.microsoft.com/office/drawing/2014/main" id="{7C427EA3-1645-4B27-A5C2-55E8E24C665F}"/>
@@ -7095,7 +6763,7 @@
       </p:sp>
       <p:sp>
         <p:nvSpPr>
-          <p:cNvPr id="20" name="Rectangle 19">
+          <p:cNvPr id="41" name="Rectangle 40">
             <a:extLst>
               <a:ext uri="{FF2B5EF4-FFF2-40B4-BE49-F238E27FC236}">
                 <a16:creationId xmlns:a16="http://schemas.microsoft.com/office/drawing/2014/main" id="{885CDBF6-7B87-4A58-92CA-E887CA36AF04}"/>
@@ -7156,7 +6824,7 @@
       </p:sp>
       <p:sp>
         <p:nvSpPr>
-          <p:cNvPr id="22" name="Rectangle 21">
+          <p:cNvPr id="43" name="Rectangle 42">
             <a:extLst>
               <a:ext uri="{FF2B5EF4-FFF2-40B4-BE49-F238E27FC236}">
                 <a16:creationId xmlns:a16="http://schemas.microsoft.com/office/drawing/2014/main" id="{6BFF2B2E-1CF1-403F-BB44-3F9C3E7F67FF}"/>
@@ -7217,7 +6885,7 @@
       </p:sp>
       <p:sp>
         <p:nvSpPr>
-          <p:cNvPr id="24" name="Rectangle 23">
+          <p:cNvPr id="45" name="Rectangle 44">
             <a:extLst>
               <a:ext uri="{FF2B5EF4-FFF2-40B4-BE49-F238E27FC236}">
                 <a16:creationId xmlns:a16="http://schemas.microsoft.com/office/drawing/2014/main" id="{9D8B4D3C-0DE0-43B9-B032-32B536B96D02}"/>
@@ -7278,10 +6946,10 @@
       </p:sp>
       <p:pic>
         <p:nvPicPr>
-          <p:cNvPr id="5" name="מציין מיקום תוכן 4" descr="תמונה שמכילה טקסט, חשמל, צילום מסך, תצוגה&#10;&#10;התיאור נוצר באופן אוטומטי">
-            <a:extLst>
-              <a:ext uri="{FF2B5EF4-FFF2-40B4-BE49-F238E27FC236}">
-                <a16:creationId xmlns:a16="http://schemas.microsoft.com/office/drawing/2014/main" id="{763037D5-48F9-9B78-7BD2-8917B1DF884E}"/>
+          <p:cNvPr id="7" name="מציין מיקום תוכן 6" descr="תמונה שמכילה טקסט, צילום מסך, גופן, מספר&#10;&#10;התיאור נוצר באופן אוטומטי">
+            <a:extLst>
+              <a:ext uri="{FF2B5EF4-FFF2-40B4-BE49-F238E27FC236}">
+                <a16:creationId xmlns:a16="http://schemas.microsoft.com/office/drawing/2014/main" id="{4BF33C6B-16F2-56E7-BE9E-E26952A0F623}"/>
               </a:ext>
             </a:extLst>
           </p:cNvPr>
@@ -7306,8 +6974,8 @@
         </p:blipFill>
         <p:spPr>
           <a:xfrm>
-            <a:off x="85059" y="717698"/>
-            <a:ext cx="7764681" cy="5917714"/>
+            <a:off x="345558" y="818706"/>
+            <a:ext cx="7599592" cy="5667153"/>
           </a:xfrm>
           <a:prstGeom prst="rect">
             <a:avLst/>
@@ -7316,7 +6984,7 @@
       </p:pic>
       <p:sp>
         <p:nvSpPr>
-          <p:cNvPr id="26" name="Rectangle 25">
+          <p:cNvPr id="47" name="Rectangle 46">
             <a:extLst>
               <a:ext uri="{FF2B5EF4-FFF2-40B4-BE49-F238E27FC236}">
                 <a16:creationId xmlns:a16="http://schemas.microsoft.com/office/drawing/2014/main" id="{707788D3-E467-4E25-A5E9-FD41795BD551}"/>
@@ -7466,10 +7134,10 @@
       </p:grpSpPr>
       <p:sp>
         <p:nvSpPr>
-          <p:cNvPr id="10" name="Rectangle 9">
-            <a:extLst>
-              <a:ext uri="{FF2B5EF4-FFF2-40B4-BE49-F238E27FC236}">
-                <a16:creationId xmlns:a16="http://schemas.microsoft.com/office/drawing/2014/main" id="{DD651B61-325E-4E73-8445-38B0DE8AAAB6}"/>
+          <p:cNvPr id="62" name="Rectangle 61">
+            <a:extLst>
+              <a:ext uri="{FF2B5EF4-FFF2-40B4-BE49-F238E27FC236}">
+                <a16:creationId xmlns:a16="http://schemas.microsoft.com/office/drawing/2014/main" id="{40A0F4CC-F443-40C1-B000-840650808C87}"/>
               </a:ext>
               <a:ext uri="{C183D7F6-B498-43B3-948B-1728B52AA6E4}">
                 <adec:decorative xmlns:adec="http://schemas.microsoft.com/office/drawing/2017/decorative" val="1"/>
@@ -7527,10 +7195,10 @@
       </p:sp>
       <p:sp>
         <p:nvSpPr>
-          <p:cNvPr id="12" name="Rectangle 11">
-            <a:extLst>
-              <a:ext uri="{FF2B5EF4-FFF2-40B4-BE49-F238E27FC236}">
-                <a16:creationId xmlns:a16="http://schemas.microsoft.com/office/drawing/2014/main" id="{B42E5253-D3AC-4AC2-B766-8B34F13C2F5E}"/>
+          <p:cNvPr id="64" name="Rectangle 63">
+            <a:extLst>
+              <a:ext uri="{FF2B5EF4-FFF2-40B4-BE49-F238E27FC236}">
+                <a16:creationId xmlns:a16="http://schemas.microsoft.com/office/drawing/2014/main" id="{8FF3DAE6-FFD2-4E7C-8FB8-E958A258604D}"/>
               </a:ext>
               <a:ext uri="{C183D7F6-B498-43B3-948B-1728B52AA6E4}">
                 <adec:decorative xmlns:adec="http://schemas.microsoft.com/office/drawing/2017/decorative" val="1"/>
@@ -7588,10 +7256,10 @@
       </p:sp>
       <p:sp>
         <p:nvSpPr>
-          <p:cNvPr id="14" name="Rectangle 13">
-            <a:extLst>
-              <a:ext uri="{FF2B5EF4-FFF2-40B4-BE49-F238E27FC236}">
-                <a16:creationId xmlns:a16="http://schemas.microsoft.com/office/drawing/2014/main" id="{10AE8D57-436A-4073-9A75-15BB5949F8B4}"/>
+          <p:cNvPr id="66" name="Rectangle 65">
+            <a:extLst>
+              <a:ext uri="{FF2B5EF4-FFF2-40B4-BE49-F238E27FC236}">
+                <a16:creationId xmlns:a16="http://schemas.microsoft.com/office/drawing/2014/main" id="{A2F7A394-B482-4D36-A98E-11A3212A1F12}"/>
               </a:ext>
               <a:ext uri="{C183D7F6-B498-43B3-948B-1728B52AA6E4}">
                 <adec:decorative xmlns:adec="http://schemas.microsoft.com/office/drawing/2017/decorative" val="1"/>
@@ -7647,73 +7315,12 @@
           </a:p>
         </p:txBody>
       </p:sp>
-      <p:sp>
-        <p:nvSpPr>
-          <p:cNvPr id="16" name="Rectangle 15">
-            <a:extLst>
-              <a:ext uri="{FF2B5EF4-FFF2-40B4-BE49-F238E27FC236}">
-                <a16:creationId xmlns:a16="http://schemas.microsoft.com/office/drawing/2014/main" id="{E2852671-8EB6-4EAF-8AF8-65CF3FD66456}"/>
-              </a:ext>
-              <a:ext uri="{C183D7F6-B498-43B3-948B-1728B52AA6E4}">
-                <adec:decorative xmlns:adec="http://schemas.microsoft.com/office/drawing/2017/decorative" val="1"/>
-              </a:ext>
-            </a:extLst>
-          </p:cNvPr>
-          <p:cNvSpPr>
-            <a:spLocks noGrp="1" noRot="1" noChangeAspect="1" noMove="1" noResize="1" noEditPoints="1" noAdjustHandles="1" noChangeArrowheads="1" noChangeShapeType="1" noTextEdit="1"/>
-          </p:cNvSpPr>
-          <p:nvPr>
-            <p:extLst>
-              <p:ext uri="{386F3935-93C4-4BCD-93E2-E3B085C9AB24}">
-                <p16:designElem xmlns:p16="http://schemas.microsoft.com/office/powerpoint/2015/main" val="1"/>
-              </p:ext>
-            </p:extLst>
-          </p:nvPr>
-        </p:nvSpPr>
-        <p:spPr>
-          <a:xfrm>
-            <a:off x="446534" y="3085764"/>
-            <a:ext cx="11298932" cy="3338149"/>
-          </a:xfrm>
-          <a:prstGeom prst="rect">
-            <a:avLst/>
-          </a:prstGeom>
-          <a:solidFill>
-            <a:srgbClr val="465359"/>
-          </a:solidFill>
-          <a:ln>
-            <a:noFill/>
-          </a:ln>
-          <a:effectLst/>
-        </p:spPr>
-        <p:style>
-          <a:lnRef idx="1">
-            <a:schemeClr val="accent1"/>
-          </a:lnRef>
-          <a:fillRef idx="3">
-            <a:schemeClr val="accent1"/>
-          </a:fillRef>
-          <a:effectRef idx="2">
-            <a:schemeClr val="accent1"/>
-          </a:effectRef>
-          <a:fontRef idx="minor">
-            <a:schemeClr val="lt1"/>
-          </a:fontRef>
-        </p:style>
-        <p:txBody>
-          <a:bodyPr/>
-          <a:lstStyle/>
-          <a:p>
-            <a:endParaRPr lang="he-IL"/>
-          </a:p>
-        </p:txBody>
-      </p:sp>
       <p:sp useBgFill="1">
         <p:nvSpPr>
-          <p:cNvPr id="18" name="Rectangle 17">
-            <a:extLst>
-              <a:ext uri="{FF2B5EF4-FFF2-40B4-BE49-F238E27FC236}">
-                <a16:creationId xmlns:a16="http://schemas.microsoft.com/office/drawing/2014/main" id="{7C427EA3-1645-4B27-A5C2-55E8E24C665F}"/>
+          <p:cNvPr id="68" name="Rectangle 67">
+            <a:extLst>
+              <a:ext uri="{FF2B5EF4-FFF2-40B4-BE49-F238E27FC236}">
+                <a16:creationId xmlns:a16="http://schemas.microsoft.com/office/drawing/2014/main" id="{A4308965-434A-4011-8316-8ABEFFED04CD}"/>
               </a:ext>
               <a:ext uri="{C183D7F6-B498-43B3-948B-1728B52AA6E4}">
                 <adec:decorative xmlns:adec="http://schemas.microsoft.com/office/drawing/2017/decorative" val="1"/>
@@ -7768,53 +7375,109 @@
           </a:p>
         </p:txBody>
       </p:sp>
-      <p:sp>
-        <p:nvSpPr>
-          <p:cNvPr id="20" name="Rectangle 19">
-            <a:extLst>
-              <a:ext uri="{FF2B5EF4-FFF2-40B4-BE49-F238E27FC236}">
-                <a16:creationId xmlns:a16="http://schemas.microsoft.com/office/drawing/2014/main" id="{885CDBF6-7B87-4A58-92CA-E887CA36AF04}"/>
-              </a:ext>
-              <a:ext uri="{C183D7F6-B498-43B3-948B-1728B52AA6E4}">
-                <adec:decorative xmlns:adec="http://schemas.microsoft.com/office/drawing/2017/decorative" val="1"/>
-              </a:ext>
-            </a:extLst>
-          </p:cNvPr>
-          <p:cNvSpPr>
-            <a:spLocks noGrp="1" noRot="1" noChangeAspect="1" noMove="1" noResize="1" noEditPoints="1" noAdjustHandles="1" noChangeArrowheads="1" noChangeShapeType="1" noTextEdit="1"/>
-          </p:cNvSpPr>
-          <p:nvPr>
-            <p:extLst>
-              <p:ext uri="{386F3935-93C4-4BCD-93E2-E3B085C9AB24}">
-                <p16:designElem xmlns:p16="http://schemas.microsoft.com/office/powerpoint/2015/main" val="1"/>
-              </p:ext>
-            </p:extLst>
-          </p:nvPr>
-        </p:nvSpPr>
-        <p:spPr>
-          <a:xfrm>
-            <a:off x="446534" y="457200"/>
-            <a:ext cx="3703320" cy="94997"/>
+      <p:pic>
+        <p:nvPicPr>
+          <p:cNvPr id="19" name="תמונה 18" descr="תמונה שמכילה טקסט, צילום מסך, תוכנה, תכונות מולטימדיה&#10;&#10;התיאור נוצר באופן אוטומטי">
+            <a:extLst>
+              <a:ext uri="{FF2B5EF4-FFF2-40B4-BE49-F238E27FC236}">
+                <a16:creationId xmlns:a16="http://schemas.microsoft.com/office/drawing/2014/main" id="{F49E8803-A82A-3082-78F5-9A2F0A7DCD09}"/>
+              </a:ext>
+            </a:extLst>
+          </p:cNvPr>
+          <p:cNvPicPr>
+            <a:picLocks noChangeAspect="1"/>
+          </p:cNvPicPr>
+          <p:nvPr/>
+        </p:nvPicPr>
+        <p:blipFill>
+          <a:blip r:embed="rId2">
+            <a:extLst>
+              <a:ext uri="{28A0092B-C50C-407E-A947-70E740481C1C}">
+                <a14:useLocalDpi xmlns:a14="http://schemas.microsoft.com/office/drawing/2010/main" val="0"/>
+              </a:ext>
+            </a:extLst>
+          </a:blip>
+          <a:stretch>
+            <a:fillRect/>
+          </a:stretch>
+        </p:blipFill>
+        <p:spPr>
+          <a:xfrm>
+            <a:off x="0" y="1382231"/>
+            <a:ext cx="6321054" cy="4784651"/>
           </a:xfrm>
           <a:prstGeom prst="rect">
             <a:avLst/>
           </a:prstGeom>
-          <a:solidFill>
-            <a:srgbClr val="465359"/>
-          </a:solidFill>
-          <a:ln>
-            <a:noFill/>
-          </a:ln>
-          <a:effectLst/>
+        </p:spPr>
+      </p:pic>
+      <p:pic>
+        <p:nvPicPr>
+          <p:cNvPr id="13" name="תמונה 12" descr="תמונה שמכילה טקסט, צילום מסך, תוכנה, תכונות מולטימדיה&#10;&#10;התיאור נוצר באופן אוטומטי">
+            <a:extLst>
+              <a:ext uri="{FF2B5EF4-FFF2-40B4-BE49-F238E27FC236}">
+                <a16:creationId xmlns:a16="http://schemas.microsoft.com/office/drawing/2014/main" id="{B3555BF8-9819-58BA-F913-0B9E79163099}"/>
+              </a:ext>
+            </a:extLst>
+          </p:cNvPr>
+          <p:cNvPicPr>
+            <a:picLocks noChangeAspect="1"/>
+          </p:cNvPicPr>
+          <p:nvPr/>
+        </p:nvPicPr>
+        <p:blipFill>
+          <a:blip r:embed="rId3">
+            <a:extLst>
+              <a:ext uri="{28A0092B-C50C-407E-A947-70E740481C1C}">
+                <a14:useLocalDpi xmlns:a14="http://schemas.microsoft.com/office/drawing/2010/main" val="0"/>
+              </a:ext>
+            </a:extLst>
+          </a:blip>
+          <a:stretch>
+            <a:fillRect/>
+          </a:stretch>
+        </p:blipFill>
+        <p:spPr>
+          <a:xfrm>
+            <a:off x="5827428" y="1382231"/>
+            <a:ext cx="6321054" cy="4784651"/>
+          </a:xfrm>
+          <a:prstGeom prst="rect">
+            <a:avLst/>
+          </a:prstGeom>
+        </p:spPr>
+      </p:pic>
+      <p:sp>
+        <p:nvSpPr>
+          <p:cNvPr id="27" name="תיבת טקסט 26">
+            <a:extLst>
+              <a:ext uri="{FF2B5EF4-FFF2-40B4-BE49-F238E27FC236}">
+                <a16:creationId xmlns:a16="http://schemas.microsoft.com/office/drawing/2014/main" id="{BFE47797-EA20-85C2-1FD4-87B99D8F4243}"/>
+              </a:ext>
+            </a:extLst>
+          </p:cNvPr>
+          <p:cNvSpPr txBox="1"/>
+          <p:nvPr/>
+        </p:nvSpPr>
+        <p:spPr>
+          <a:xfrm>
+            <a:off x="731773" y="380660"/>
+            <a:ext cx="8256182" cy="584775"/>
+          </a:xfrm>
+          <a:prstGeom prst="rect">
+            <a:avLst/>
+          </a:prstGeom>
         </p:spPr>
         <p:style>
-          <a:lnRef idx="1">
-            <a:schemeClr val="accent1"/>
+          <a:lnRef idx="2">
+            <a:schemeClr val="accent1">
+              <a:shade val="15000"/>
+            </a:schemeClr>
           </a:lnRef>
-          <a:fillRef idx="3">
+          <a:fillRef idx="1">
             <a:schemeClr val="accent1"/>
           </a:fillRef>
-          <a:effectRef idx="2">
+          <a:effectRef idx="0">
             <a:schemeClr val="accent1"/>
           </a:effectRef>
           <a:fontRef idx="minor">
@@ -7822,282 +7485,29 @@
           </a:fontRef>
         </p:style>
         <p:txBody>
-          <a:bodyPr/>
-          <a:lstStyle/>
-          <a:p>
-            <a:endParaRPr lang="he-IL"/>
-          </a:p>
-        </p:txBody>
-      </p:sp>
-      <p:sp>
-        <p:nvSpPr>
-          <p:cNvPr id="22" name="Rectangle 21">
-            <a:extLst>
-              <a:ext uri="{FF2B5EF4-FFF2-40B4-BE49-F238E27FC236}">
-                <a16:creationId xmlns:a16="http://schemas.microsoft.com/office/drawing/2014/main" id="{6BFF2B2E-1CF1-403F-BB44-3F9C3E7F67FF}"/>
-              </a:ext>
-              <a:ext uri="{C183D7F6-B498-43B3-948B-1728B52AA6E4}">
-                <adec:decorative xmlns:adec="http://schemas.microsoft.com/office/drawing/2017/decorative" val="1"/>
-              </a:ext>
-            </a:extLst>
-          </p:cNvPr>
-          <p:cNvSpPr>
-            <a:spLocks noGrp="1" noRot="1" noChangeAspect="1" noMove="1" noResize="1" noEditPoints="1" noAdjustHandles="1" noChangeArrowheads="1" noChangeShapeType="1" noTextEdit="1"/>
-          </p:cNvSpPr>
-          <p:nvPr>
-            <p:extLst>
-              <p:ext uri="{386F3935-93C4-4BCD-93E2-E3B085C9AB24}">
-                <p16:designElem xmlns:p16="http://schemas.microsoft.com/office/powerpoint/2015/main" val="1"/>
-              </p:ext>
-            </p:extLst>
-          </p:nvPr>
-        </p:nvSpPr>
-        <p:spPr>
-          <a:xfrm>
-            <a:off x="4241830" y="457200"/>
-            <a:ext cx="3703320" cy="91440"/>
-          </a:xfrm>
-          <a:prstGeom prst="rect">
-            <a:avLst/>
-          </a:prstGeom>
-          <a:solidFill>
-            <a:schemeClr val="accent1"/>
-          </a:solidFill>
-          <a:ln>
-            <a:noFill/>
-          </a:ln>
-          <a:effectLst/>
-        </p:spPr>
-        <p:style>
-          <a:lnRef idx="1">
-            <a:schemeClr val="accent1"/>
-          </a:lnRef>
-          <a:fillRef idx="3">
-            <a:schemeClr val="accent1"/>
-          </a:fillRef>
-          <a:effectRef idx="2">
-            <a:schemeClr val="accent1"/>
-          </a:effectRef>
-          <a:fontRef idx="minor">
-            <a:schemeClr val="lt1"/>
-          </a:fontRef>
-        </p:style>
-        <p:txBody>
-          <a:bodyPr/>
-          <a:lstStyle/>
-          <a:p>
-            <a:endParaRPr lang="he-IL"/>
-          </a:p>
-        </p:txBody>
-      </p:sp>
-      <p:sp>
-        <p:nvSpPr>
-          <p:cNvPr id="24" name="Rectangle 23">
-            <a:extLst>
-              <a:ext uri="{FF2B5EF4-FFF2-40B4-BE49-F238E27FC236}">
-                <a16:creationId xmlns:a16="http://schemas.microsoft.com/office/drawing/2014/main" id="{9D8B4D3C-0DE0-43B9-B032-32B536B96D02}"/>
-              </a:ext>
-              <a:ext uri="{C183D7F6-B498-43B3-948B-1728B52AA6E4}">
-                <adec:decorative xmlns:adec="http://schemas.microsoft.com/office/drawing/2017/decorative" val="1"/>
-              </a:ext>
-            </a:extLst>
-          </p:cNvPr>
-          <p:cNvSpPr>
-            <a:spLocks noGrp="1" noRot="1" noChangeAspect="1" noMove="1" noResize="1" noEditPoints="1" noAdjustHandles="1" noChangeArrowheads="1" noChangeShapeType="1" noTextEdit="1"/>
-          </p:cNvSpPr>
-          <p:nvPr>
-            <p:extLst>
-              <p:ext uri="{386F3935-93C4-4BCD-93E2-E3B085C9AB24}">
-                <p16:designElem xmlns:p16="http://schemas.microsoft.com/office/powerpoint/2015/main" val="1"/>
-              </p:ext>
-            </p:extLst>
-          </p:nvPr>
-        </p:nvSpPr>
-        <p:spPr>
-          <a:xfrm>
-            <a:off x="8042147" y="453643"/>
-            <a:ext cx="3703320" cy="98554"/>
-          </a:xfrm>
-          <a:prstGeom prst="rect">
-            <a:avLst/>
-          </a:prstGeom>
-          <a:solidFill>
-            <a:srgbClr val="969FA7"/>
-          </a:solidFill>
-          <a:ln>
-            <a:noFill/>
-          </a:ln>
-          <a:effectLst/>
-        </p:spPr>
-        <p:style>
-          <a:lnRef idx="1">
-            <a:schemeClr val="accent1"/>
-          </a:lnRef>
-          <a:fillRef idx="3">
-            <a:schemeClr val="accent1"/>
-          </a:fillRef>
-          <a:effectRef idx="2">
-            <a:schemeClr val="accent1"/>
-          </a:effectRef>
-          <a:fontRef idx="minor">
-            <a:schemeClr val="lt1"/>
-          </a:fontRef>
-        </p:style>
-        <p:txBody>
-          <a:bodyPr/>
-          <a:lstStyle/>
-          <a:p>
-            <a:endParaRPr lang="he-IL"/>
-          </a:p>
-        </p:txBody>
-      </p:sp>
-      <p:pic>
-        <p:nvPicPr>
-          <p:cNvPr id="5" name="מציין מיקום תוכן 4" descr="תמונה שמכילה טקסט, צילום מסך, מספר, מקביל&#10;&#10;התיאור נוצר באופן אוטומטי">
-            <a:extLst>
-              <a:ext uri="{FF2B5EF4-FFF2-40B4-BE49-F238E27FC236}">
-                <a16:creationId xmlns:a16="http://schemas.microsoft.com/office/drawing/2014/main" id="{7A02CF83-6122-6D1D-C46D-56F780775412}"/>
-              </a:ext>
-            </a:extLst>
-          </p:cNvPr>
-          <p:cNvPicPr>
-            <a:picLocks noGrp="1" noChangeAspect="1"/>
-          </p:cNvPicPr>
-          <p:nvPr>
-            <p:ph idx="1"/>
-          </p:nvPr>
-        </p:nvPicPr>
-        <p:blipFill>
-          <a:blip r:embed="rId2">
-            <a:extLst>
-              <a:ext uri="{28A0092B-C50C-407E-A947-70E740481C1C}">
-                <a14:useLocalDpi xmlns:a14="http://schemas.microsoft.com/office/drawing/2010/main" val="0"/>
-              </a:ext>
-            </a:extLst>
-          </a:blip>
-          <a:stretch>
-            <a:fillRect/>
-          </a:stretch>
-        </p:blipFill>
-        <p:spPr>
-          <a:xfrm>
-            <a:off x="58479" y="701749"/>
-            <a:ext cx="7870179" cy="5789365"/>
-          </a:xfrm>
-          <a:prstGeom prst="rect">
-            <a:avLst/>
-          </a:prstGeom>
-        </p:spPr>
-      </p:pic>
-      <p:sp>
-        <p:nvSpPr>
-          <p:cNvPr id="26" name="Rectangle 25">
-            <a:extLst>
-              <a:ext uri="{FF2B5EF4-FFF2-40B4-BE49-F238E27FC236}">
-                <a16:creationId xmlns:a16="http://schemas.microsoft.com/office/drawing/2014/main" id="{707788D3-E467-4E25-A5E9-FD41795BD551}"/>
-              </a:ext>
-              <a:ext uri="{C183D7F6-B498-43B3-948B-1728B52AA6E4}">
-                <adec:decorative xmlns:adec="http://schemas.microsoft.com/office/drawing/2017/decorative" val="1"/>
-              </a:ext>
-            </a:extLst>
-          </p:cNvPr>
-          <p:cNvSpPr>
-            <a:spLocks noGrp="1" noRot="1" noChangeAspect="1" noMove="1" noResize="1" noEditPoints="1" noAdjustHandles="1" noChangeArrowheads="1" noChangeShapeType="1" noTextEdit="1"/>
-          </p:cNvSpPr>
-          <p:nvPr>
-            <p:extLst>
-              <p:ext uri="{386F3935-93C4-4BCD-93E2-E3B085C9AB24}">
-                <p16:designElem xmlns:p16="http://schemas.microsoft.com/office/powerpoint/2015/main" val="1"/>
-              </p:ext>
-            </p:extLst>
-          </p:nvPr>
-        </p:nvSpPr>
-        <p:spPr>
-          <a:xfrm>
-            <a:off x="8042147" y="601200"/>
-            <a:ext cx="3703320" cy="5789365"/>
-          </a:xfrm>
-          <a:prstGeom prst="rect">
-            <a:avLst/>
-          </a:prstGeom>
-          <a:solidFill>
-            <a:srgbClr val="465359"/>
-          </a:solidFill>
-          <a:ln>
-            <a:noFill/>
-          </a:ln>
-          <a:effectLst/>
-        </p:spPr>
-        <p:style>
-          <a:lnRef idx="1">
-            <a:schemeClr val="accent1"/>
-          </a:lnRef>
-          <a:fillRef idx="3">
-            <a:schemeClr val="accent1"/>
-          </a:fillRef>
-          <a:effectRef idx="2">
-            <a:schemeClr val="accent1"/>
-          </a:effectRef>
-          <a:fontRef idx="minor">
-            <a:schemeClr val="lt1"/>
-          </a:fontRef>
-        </p:style>
-        <p:txBody>
-          <a:bodyPr/>
-          <a:lstStyle/>
-          <a:p>
-            <a:endParaRPr lang="he-IL"/>
-          </a:p>
-        </p:txBody>
-      </p:sp>
-      <p:sp>
-        <p:nvSpPr>
-          <p:cNvPr id="2" name="כותרת 1">
-            <a:extLst>
-              <a:ext uri="{FF2B5EF4-FFF2-40B4-BE49-F238E27FC236}">
-                <a16:creationId xmlns:a16="http://schemas.microsoft.com/office/drawing/2014/main" id="{A81EAD14-5C04-F530-BB9D-B1925E401E94}"/>
-              </a:ext>
-            </a:extLst>
-          </p:cNvPr>
-          <p:cNvSpPr>
-            <a:spLocks noGrp="1"/>
-          </p:cNvSpPr>
-          <p:nvPr>
-            <p:ph type="title"/>
-          </p:nvPr>
-        </p:nvSpPr>
-        <p:spPr>
-          <a:xfrm>
-            <a:off x="8296275" y="1419225"/>
-            <a:ext cx="3081576" cy="2085869"/>
-          </a:xfrm>
-        </p:spPr>
-        <p:txBody>
-          <a:bodyPr vert="horz" lIns="91440" tIns="45720" rIns="91440" bIns="45720" rtlCol="0" anchor="b">
-            <a:normAutofit/>
+          <a:bodyPr wrap="square" rtlCol="1">
+            <a:spAutoFit/>
           </a:bodyPr>
           <a:lstStyle/>
           <a:p>
-            <a:r>
-              <a:rPr lang="en-US" cap="all">
-                <a:solidFill>
-                  <a:srgbClr val="FFFFFF"/>
-                </a:solidFill>
-              </a:rPr>
-              <a:t>Test Cases From STD Document</a:t>
-            </a:r>
+            <a:pPr algn="l" rtl="0"/>
+            <a:r>
+              <a:rPr lang="en-US" sz="3200" dirty="0"/>
+              <a:t>Running The Test With Different Browsers</a:t>
+            </a:r>
+            <a:endParaRPr lang="he-IL" sz="3200" dirty="0"/>
           </a:p>
         </p:txBody>
       </p:sp>
     </p:spTree>
     <p:extLst>
       <p:ext uri="{BB962C8B-B14F-4D97-AF65-F5344CB8AC3E}">
-        <p14:creationId xmlns:p14="http://schemas.microsoft.com/office/powerpoint/2010/main" val="1186389798"/>
+        <p14:creationId xmlns:p14="http://schemas.microsoft.com/office/powerpoint/2010/main" val="1981581210"/>
       </p:ext>
     </p:extLst>
   </p:cSld>
   <p:clrMapOvr>
-    <a:masterClrMapping/>
+    <a:overrideClrMapping bg1="dk1" tx1="lt1" bg2="dk2" tx2="lt2" accent1="accent1" accent2="accent2" accent3="accent3" accent4="accent4" accent5="accent5" accent6="accent6" hlink="hlink" folHlink="folHlink"/>
   </p:clrMapOvr>
   <mc:AlternateContent xmlns:mc="http://schemas.openxmlformats.org/markup-compatibility/2006" xmlns:p14="http://schemas.microsoft.com/office/powerpoint/2010/main">
     <mc:Choice Requires="p14">
@@ -8141,10 +7551,10 @@
       </p:grpSpPr>
       <p:sp>
         <p:nvSpPr>
-          <p:cNvPr id="62" name="Rectangle 61">
-            <a:extLst>
-              <a:ext uri="{FF2B5EF4-FFF2-40B4-BE49-F238E27FC236}">
-                <a16:creationId xmlns:a16="http://schemas.microsoft.com/office/drawing/2014/main" id="{40A0F4CC-F443-40C1-B000-840650808C87}"/>
+          <p:cNvPr id="36" name="Rectangle 23">
+            <a:extLst>
+              <a:ext uri="{FF2B5EF4-FFF2-40B4-BE49-F238E27FC236}">
+                <a16:creationId xmlns:a16="http://schemas.microsoft.com/office/drawing/2014/main" id="{E6C8E6EB-4C59-429B-97E4-72A058CFC4FB}"/>
               </a:ext>
               <a:ext uri="{C183D7F6-B498-43B3-948B-1728B52AA6E4}">
                 <adec:decorative xmlns:adec="http://schemas.microsoft.com/office/drawing/2017/decorative" val="1"/>
@@ -8202,10 +7612,10 @@
       </p:sp>
       <p:sp>
         <p:nvSpPr>
-          <p:cNvPr id="64" name="Rectangle 63">
-            <a:extLst>
-              <a:ext uri="{FF2B5EF4-FFF2-40B4-BE49-F238E27FC236}">
-                <a16:creationId xmlns:a16="http://schemas.microsoft.com/office/drawing/2014/main" id="{8FF3DAE6-FFD2-4E7C-8FB8-E958A258604D}"/>
+          <p:cNvPr id="37" name="Rectangle 25">
+            <a:extLst>
+              <a:ext uri="{FF2B5EF4-FFF2-40B4-BE49-F238E27FC236}">
+                <a16:creationId xmlns:a16="http://schemas.microsoft.com/office/drawing/2014/main" id="{B5B90362-AFCC-46A9-B41C-A257A8C5B314}"/>
               </a:ext>
               <a:ext uri="{C183D7F6-B498-43B3-948B-1728B52AA6E4}">
                 <adec:decorative xmlns:adec="http://schemas.microsoft.com/office/drawing/2017/decorative" val="1"/>
@@ -8263,10 +7673,10 @@
       </p:sp>
       <p:sp>
         <p:nvSpPr>
-          <p:cNvPr id="66" name="Rectangle 65">
-            <a:extLst>
-              <a:ext uri="{FF2B5EF4-FFF2-40B4-BE49-F238E27FC236}">
-                <a16:creationId xmlns:a16="http://schemas.microsoft.com/office/drawing/2014/main" id="{A2F7A394-B482-4D36-A98E-11A3212A1F12}"/>
+          <p:cNvPr id="38" name="Rectangle 27">
+            <a:extLst>
+              <a:ext uri="{FF2B5EF4-FFF2-40B4-BE49-F238E27FC236}">
+                <a16:creationId xmlns:a16="http://schemas.microsoft.com/office/drawing/2014/main" id="{F71EF7F1-38BA-471D-8CD4-2A9AE8E35527}"/>
               </a:ext>
               <a:ext uri="{C183D7F6-B498-43B3-948B-1728B52AA6E4}">
                 <adec:decorative xmlns:adec="http://schemas.microsoft.com/office/drawing/2017/decorative" val="1"/>
@@ -8322,12 +7732,12 @@
           </a:p>
         </p:txBody>
       </p:sp>
-      <p:sp useBgFill="1">
-        <p:nvSpPr>
-          <p:cNvPr id="68" name="Rectangle 67">
-            <a:extLst>
-              <a:ext uri="{FF2B5EF4-FFF2-40B4-BE49-F238E27FC236}">
-                <a16:creationId xmlns:a16="http://schemas.microsoft.com/office/drawing/2014/main" id="{A4308965-434A-4011-8316-8ABEFFED04CD}"/>
+      <p:sp>
+        <p:nvSpPr>
+          <p:cNvPr id="39" name="Rectangle 29">
+            <a:extLst>
+              <a:ext uri="{FF2B5EF4-FFF2-40B4-BE49-F238E27FC236}">
+                <a16:creationId xmlns:a16="http://schemas.microsoft.com/office/drawing/2014/main" id="{C0524398-BFB4-4C4A-8317-83B8729F9B26}"/>
               </a:ext>
               <a:ext uri="{C183D7F6-B498-43B3-948B-1728B52AA6E4}">
                 <adec:decorative xmlns:adec="http://schemas.microsoft.com/office/drawing/2017/decorative" val="1"/>
@@ -8347,12 +7757,123 @@
         </p:nvSpPr>
         <p:spPr>
           <a:xfrm>
-            <a:off x="0" y="0"/>
-            <a:ext cx="12192000" cy="6858000"/>
+            <a:off x="446534" y="3085764"/>
+            <a:ext cx="11298932" cy="3338149"/>
           </a:xfrm>
           <a:prstGeom prst="rect">
             <a:avLst/>
           </a:prstGeom>
+          <a:solidFill>
+            <a:srgbClr val="465359"/>
+          </a:solidFill>
+          <a:ln>
+            <a:noFill/>
+          </a:ln>
+          <a:effectLst/>
+        </p:spPr>
+        <p:style>
+          <a:lnRef idx="1">
+            <a:schemeClr val="accent1"/>
+          </a:lnRef>
+          <a:fillRef idx="3">
+            <a:schemeClr val="accent1"/>
+          </a:fillRef>
+          <a:effectRef idx="2">
+            <a:schemeClr val="accent1"/>
+          </a:effectRef>
+          <a:fontRef idx="minor">
+            <a:schemeClr val="lt1"/>
+          </a:fontRef>
+        </p:style>
+        <p:txBody>
+          <a:bodyPr/>
+          <a:lstStyle/>
+          <a:p>
+            <a:endParaRPr lang="he-IL"/>
+          </a:p>
+        </p:txBody>
+      </p:sp>
+      <p:pic>
+        <p:nvPicPr>
+          <p:cNvPr id="5" name="Picture 4" descr="Computer script on a screen">
+            <a:extLst>
+              <a:ext uri="{FF2B5EF4-FFF2-40B4-BE49-F238E27FC236}">
+                <a16:creationId xmlns:a16="http://schemas.microsoft.com/office/drawing/2014/main" id="{299DC042-C516-B884-4BC5-C41866E5D65F}"/>
+              </a:ext>
+            </a:extLst>
+          </p:cNvPr>
+          <p:cNvPicPr>
+            <a:picLocks noChangeAspect="1"/>
+          </p:cNvPicPr>
+          <p:nvPr/>
+        </p:nvPicPr>
+        <p:blipFill rotWithShape="1">
+          <a:blip r:embed="rId2"/>
+          <a:srcRect t="7017" b="8713"/>
+          <a:stretch/>
+        </p:blipFill>
+        <p:spPr>
+          <a:xfrm>
+            <a:off x="-3047" y="10"/>
+            <a:ext cx="12191999" cy="6857990"/>
+          </a:xfrm>
+          <a:prstGeom prst="rect">
+            <a:avLst/>
+          </a:prstGeom>
+        </p:spPr>
+      </p:pic>
+      <p:sp>
+        <p:nvSpPr>
+          <p:cNvPr id="40" name="Rectangle 31">
+            <a:extLst>
+              <a:ext uri="{FF2B5EF4-FFF2-40B4-BE49-F238E27FC236}">
+                <a16:creationId xmlns:a16="http://schemas.microsoft.com/office/drawing/2014/main" id="{007891EC-4501-44ED-A8C8-B11B6DB767AB}"/>
+              </a:ext>
+              <a:ext uri="{C183D7F6-B498-43B3-948B-1728B52AA6E4}">
+                <adec:decorative xmlns:adec="http://schemas.microsoft.com/office/drawing/2017/decorative" val="1"/>
+              </a:ext>
+            </a:extLst>
+          </p:cNvPr>
+          <p:cNvSpPr>
+            <a:spLocks noGrp="1" noRot="1" noChangeAspect="1" noMove="1" noResize="1" noEditPoints="1" noAdjustHandles="1" noChangeArrowheads="1" noChangeShapeType="1" noTextEdit="1"/>
+          </p:cNvSpPr>
+          <p:nvPr>
+            <p:extLst>
+              <p:ext uri="{386F3935-93C4-4BCD-93E2-E3B085C9AB24}">
+                <p16:designElem xmlns:p16="http://schemas.microsoft.com/office/powerpoint/2015/main" val="1"/>
+              </p:ext>
+            </p:extLst>
+          </p:nvPr>
+        </p:nvSpPr>
+        <p:spPr>
+          <a:xfrm>
+            <a:off x="0" y="2207602"/>
+            <a:ext cx="12191999" cy="3162146"/>
+          </a:xfrm>
+          <a:prstGeom prst="rect">
+            <a:avLst/>
+          </a:prstGeom>
+          <a:gradFill flip="none" rotWithShape="1">
+            <a:gsLst>
+              <a:gs pos="0">
+                <a:schemeClr val="tx2">
+                  <a:alpha val="0"/>
+                </a:schemeClr>
+              </a:gs>
+              <a:gs pos="50000">
+                <a:schemeClr val="tx2">
+                  <a:alpha val="35000"/>
+                </a:schemeClr>
+              </a:gs>
+              <a:gs pos="100000">
+                <a:schemeClr val="tx2">
+                  <a:alpha val="0"/>
+                </a:schemeClr>
+              </a:gs>
+            </a:gsLst>
+            <a:lin ang="16200000" scaled="1"/>
+            <a:tileRect/>
+          </a:gradFill>
           <a:ln>
             <a:noFill/>
           </a:ln>
@@ -8382,139 +7903,121 @@
           </a:p>
         </p:txBody>
       </p:sp>
-      <p:pic>
-        <p:nvPicPr>
-          <p:cNvPr id="19" name="תמונה 18" descr="תמונה שמכילה טקסט, צילום מסך, תוכנה, תכונות מולטימדיה&#10;&#10;התיאור נוצר באופן אוטומטי">
-            <a:extLst>
-              <a:ext uri="{FF2B5EF4-FFF2-40B4-BE49-F238E27FC236}">
-                <a16:creationId xmlns:a16="http://schemas.microsoft.com/office/drawing/2014/main" id="{F49E8803-A82A-3082-78F5-9A2F0A7DCD09}"/>
-              </a:ext>
-            </a:extLst>
-          </p:cNvPr>
-          <p:cNvPicPr>
-            <a:picLocks noChangeAspect="1"/>
-          </p:cNvPicPr>
-          <p:nvPr/>
-        </p:nvPicPr>
-        <p:blipFill>
-          <a:blip r:embed="rId2">
-            <a:extLst>
-              <a:ext uri="{28A0092B-C50C-407E-A947-70E740481C1C}">
-                <a14:useLocalDpi xmlns:a14="http://schemas.microsoft.com/office/drawing/2010/main" val="0"/>
-              </a:ext>
-            </a:extLst>
-          </a:blip>
-          <a:stretch>
-            <a:fillRect/>
-          </a:stretch>
-        </p:blipFill>
-        <p:spPr>
-          <a:xfrm>
-            <a:off x="0" y="1382231"/>
-            <a:ext cx="6321054" cy="4784651"/>
-          </a:xfrm>
-          <a:prstGeom prst="rect">
+      <p:sp>
+        <p:nvSpPr>
+          <p:cNvPr id="2" name="כותרת 1">
+            <a:extLst>
+              <a:ext uri="{FF2B5EF4-FFF2-40B4-BE49-F238E27FC236}">
+                <a16:creationId xmlns:a16="http://schemas.microsoft.com/office/drawing/2014/main" id="{0A4D794B-DA85-9BEB-78C6-9A8C0DBBD868}"/>
+              </a:ext>
+            </a:extLst>
+          </p:cNvPr>
+          <p:cNvSpPr>
+            <a:spLocks noGrp="1"/>
+          </p:cNvSpPr>
+          <p:nvPr>
+            <p:ph type="title"/>
+          </p:nvPr>
+        </p:nvSpPr>
+        <p:spPr>
+          <a:xfrm>
+            <a:off x="643466" y="643467"/>
+            <a:ext cx="10905059" cy="3330353"/>
+          </a:xfrm>
+          <a:effectLst>
+            <a:outerShdw blurRad="50800" dist="38100" dir="2700000" algn="tl" rotWithShape="0">
+              <a:prstClr val="black">
+                <a:alpha val="40000"/>
+              </a:prstClr>
+            </a:outerShdw>
+          </a:effectLst>
+        </p:spPr>
+        <p:txBody>
+          <a:bodyPr vert="horz" lIns="91440" tIns="45720" rIns="91440" bIns="45720" rtlCol="0" anchor="b">
+            <a:normAutofit/>
+          </a:bodyPr>
+          <a:lstStyle/>
+          <a:p>
+            <a:pPr algn="ctr"/>
+            <a:r>
+              <a:rPr lang="en-US" cap="all">
+                <a:solidFill>
+                  <a:schemeClr val="bg1"/>
+                </a:solidFill>
+              </a:rPr>
+              <a:t>Now Let’s See The Code Itself</a:t>
+            </a:r>
+          </a:p>
+        </p:txBody>
+      </p:sp>
+      <p:cxnSp>
+        <p:nvCxnSpPr>
+          <p:cNvPr id="41" name="Straight Connector 33">
+            <a:extLst>
+              <a:ext uri="{FF2B5EF4-FFF2-40B4-BE49-F238E27FC236}">
+                <a16:creationId xmlns:a16="http://schemas.microsoft.com/office/drawing/2014/main" id="{34E5597F-CE67-4085-9548-E6A8036DA3BB}"/>
+              </a:ext>
+              <a:ext uri="{C183D7F6-B498-43B3-948B-1728B52AA6E4}">
+                <adec:decorative xmlns:adec="http://schemas.microsoft.com/office/drawing/2017/decorative" val="1"/>
+              </a:ext>
+            </a:extLst>
+          </p:cNvPr>
+          <p:cNvCxnSpPr>
+            <a:cxnSpLocks noGrp="1" noRot="1" noChangeAspect="1" noMove="1" noResize="1" noEditPoints="1" noAdjustHandles="1" noChangeArrowheads="1" noChangeShapeType="1"/>
+          </p:cNvCxnSpPr>
+          <p:nvPr>
+            <p:extLst>
+              <p:ext uri="{386F3935-93C4-4BCD-93E2-E3B085C9AB24}">
+                <p16:designElem xmlns:p16="http://schemas.microsoft.com/office/powerpoint/2015/main" val="1"/>
+              </p:ext>
+            </p:extLst>
+          </p:nvPr>
+        </p:nvCxnSpPr>
+        <p:spPr>
+          <a:xfrm>
+            <a:off x="3393881" y="4035362"/>
+            <a:ext cx="5404237" cy="0"/>
+          </a:xfrm>
+          <a:prstGeom prst="line">
             <a:avLst/>
           </a:prstGeom>
-        </p:spPr>
-      </p:pic>
-      <p:pic>
-        <p:nvPicPr>
-          <p:cNvPr id="13" name="תמונה 12" descr="תמונה שמכילה טקסט, צילום מסך, תוכנה, תכונות מולטימדיה&#10;&#10;התיאור נוצר באופן אוטומטי">
-            <a:extLst>
-              <a:ext uri="{FF2B5EF4-FFF2-40B4-BE49-F238E27FC236}">
-                <a16:creationId xmlns:a16="http://schemas.microsoft.com/office/drawing/2014/main" id="{B3555BF8-9819-58BA-F913-0B9E79163099}"/>
-              </a:ext>
-            </a:extLst>
-          </p:cNvPr>
-          <p:cNvPicPr>
-            <a:picLocks noChangeAspect="1"/>
-          </p:cNvPicPr>
-          <p:nvPr/>
-        </p:nvPicPr>
-        <p:blipFill>
-          <a:blip r:embed="rId3">
-            <a:extLst>
-              <a:ext uri="{28A0092B-C50C-407E-A947-70E740481C1C}">
-                <a14:useLocalDpi xmlns:a14="http://schemas.microsoft.com/office/drawing/2010/main" val="0"/>
-              </a:ext>
-            </a:extLst>
-          </a:blip>
-          <a:stretch>
-            <a:fillRect/>
-          </a:stretch>
-        </p:blipFill>
-        <p:spPr>
-          <a:xfrm>
-            <a:off x="5827428" y="1382231"/>
-            <a:ext cx="6321054" cy="4784651"/>
-          </a:xfrm>
-          <a:prstGeom prst="rect">
-            <a:avLst/>
-          </a:prstGeom>
-        </p:spPr>
-      </p:pic>
-      <p:sp>
-        <p:nvSpPr>
-          <p:cNvPr id="27" name="תיבת טקסט 26">
-            <a:extLst>
-              <a:ext uri="{FF2B5EF4-FFF2-40B4-BE49-F238E27FC236}">
-                <a16:creationId xmlns:a16="http://schemas.microsoft.com/office/drawing/2014/main" id="{BFE47797-EA20-85C2-1FD4-87B99D8F4243}"/>
-              </a:ext>
-            </a:extLst>
-          </p:cNvPr>
-          <p:cNvSpPr txBox="1"/>
-          <p:nvPr/>
-        </p:nvSpPr>
-        <p:spPr>
-          <a:xfrm>
-            <a:off x="731773" y="380660"/>
-            <a:ext cx="8256182" cy="584775"/>
-          </a:xfrm>
-          <a:prstGeom prst="rect">
-            <a:avLst/>
-          </a:prstGeom>
+          <a:ln>
+            <a:solidFill>
+              <a:schemeClr val="bg1"/>
+            </a:solidFill>
+          </a:ln>
+          <a:effectLst>
+            <a:outerShdw blurRad="50800" dist="38100" dir="2700000" algn="tl" rotWithShape="0">
+              <a:prstClr val="black">
+                <a:alpha val="40000"/>
+              </a:prstClr>
+            </a:outerShdw>
+          </a:effectLst>
         </p:spPr>
         <p:style>
-          <a:lnRef idx="2">
-            <a:schemeClr val="accent1">
-              <a:shade val="15000"/>
-            </a:schemeClr>
+          <a:lnRef idx="1">
+            <a:schemeClr val="accent1"/>
           </a:lnRef>
-          <a:fillRef idx="1">
+          <a:fillRef idx="0">
             <a:schemeClr val="accent1"/>
           </a:fillRef>
           <a:effectRef idx="0">
             <a:schemeClr val="accent1"/>
           </a:effectRef>
           <a:fontRef idx="minor">
-            <a:schemeClr val="lt1"/>
+            <a:schemeClr val="tx1"/>
           </a:fontRef>
         </p:style>
-        <p:txBody>
-          <a:bodyPr wrap="square" rtlCol="1">
-            <a:spAutoFit/>
-          </a:bodyPr>
-          <a:lstStyle/>
-          <a:p>
-            <a:pPr algn="l" rtl="0"/>
-            <a:r>
-              <a:rPr lang="en-US" sz="3200" dirty="0"/>
-              <a:t>Running The Test With Different Browsers</a:t>
-            </a:r>
-            <a:endParaRPr lang="he-IL" sz="3200" dirty="0"/>
-          </a:p>
-        </p:txBody>
-      </p:sp>
+      </p:cxnSp>
     </p:spTree>
     <p:extLst>
       <p:ext uri="{BB962C8B-B14F-4D97-AF65-F5344CB8AC3E}">
-        <p14:creationId xmlns:p14="http://schemas.microsoft.com/office/powerpoint/2010/main" val="1981581210"/>
+        <p14:creationId xmlns:p14="http://schemas.microsoft.com/office/powerpoint/2010/main" val="2546586994"/>
       </p:ext>
     </p:extLst>
   </p:cSld>
   <p:clrMapOvr>
-    <a:overrideClrMapping bg1="dk1" tx1="lt1" bg2="dk2" tx2="lt2" accent1="accent1" accent2="accent2" accent3="accent3" accent4="accent4" accent5="accent5" accent6="accent6" hlink="hlink" folHlink="folHlink"/>
+    <a:masterClrMapping/>
   </p:clrMapOvr>
   <mc:AlternateContent xmlns:mc="http://schemas.openxmlformats.org/markup-compatibility/2006" xmlns:p14="http://schemas.microsoft.com/office/powerpoint/2010/main">
     <mc:Choice Requires="p14">
@@ -8556,12 +8059,12 @@
           <a:chExt cx="0" cy="0"/>
         </a:xfrm>
       </p:grpSpPr>
-      <p:sp>
-        <p:nvSpPr>
-          <p:cNvPr id="36" name="Rectangle 23">
-            <a:extLst>
-              <a:ext uri="{FF2B5EF4-FFF2-40B4-BE49-F238E27FC236}">
-                <a16:creationId xmlns:a16="http://schemas.microsoft.com/office/drawing/2014/main" id="{E6C8E6EB-4C59-429B-97E4-72A058CFC4FB}"/>
+      <p:sp useBgFill="1">
+        <p:nvSpPr>
+          <p:cNvPr id="9" name="Rectangle 8">
+            <a:extLst>
+              <a:ext uri="{FF2B5EF4-FFF2-40B4-BE49-F238E27FC236}">
+                <a16:creationId xmlns:a16="http://schemas.microsoft.com/office/drawing/2014/main" id="{504BED40-EAF7-4E55-AFF7-2CD840EBD3AA}"/>
               </a:ext>
               <a:ext uri="{C183D7F6-B498-43B3-948B-1728B52AA6E4}">
                 <adec:decorative xmlns:adec="http://schemas.microsoft.com/office/drawing/2017/decorative" val="1"/>
@@ -8581,14 +8084,123 @@
         </p:nvSpPr>
         <p:spPr>
           <a:xfrm>
+            <a:off x="0" y="0"/>
+            <a:ext cx="12192000" cy="6858000"/>
+          </a:xfrm>
+          <a:prstGeom prst="rect">
+            <a:avLst/>
+          </a:prstGeom>
+          <a:ln>
+            <a:noFill/>
+          </a:ln>
+        </p:spPr>
+        <p:style>
+          <a:lnRef idx="2">
+            <a:schemeClr val="accent1">
+              <a:shade val="50000"/>
+            </a:schemeClr>
+          </a:lnRef>
+          <a:fillRef idx="1">
+            <a:schemeClr val="accent1"/>
+          </a:fillRef>
+          <a:effectRef idx="0">
+            <a:schemeClr val="accent1"/>
+          </a:effectRef>
+          <a:fontRef idx="minor">
+            <a:schemeClr val="lt1"/>
+          </a:fontRef>
+        </p:style>
+        <p:txBody>
+          <a:bodyPr rtlCol="0" anchor="ctr"/>
+          <a:lstStyle/>
+          <a:p>
+            <a:pPr algn="ctr"/>
+            <a:endParaRPr lang="en-US"/>
+          </a:p>
+        </p:txBody>
+      </p:sp>
+      <p:sp>
+        <p:nvSpPr>
+          <p:cNvPr id="2" name="כותרת 1">
+            <a:extLst>
+              <a:ext uri="{FF2B5EF4-FFF2-40B4-BE49-F238E27FC236}">
+                <a16:creationId xmlns:a16="http://schemas.microsoft.com/office/drawing/2014/main" id="{18B2BB5A-88F1-21DE-9CE2-622CEB143C10}"/>
+              </a:ext>
+            </a:extLst>
+          </p:cNvPr>
+          <p:cNvSpPr>
+            <a:spLocks noGrp="1"/>
+          </p:cNvSpPr>
+          <p:nvPr>
+            <p:ph type="title"/>
+          </p:nvPr>
+        </p:nvSpPr>
+        <p:spPr>
+          <a:xfrm>
+            <a:off x="581193" y="702156"/>
+            <a:ext cx="6309003" cy="1013800"/>
+          </a:xfrm>
+        </p:spPr>
+        <p:txBody>
+          <a:bodyPr>
+            <a:normAutofit/>
+          </a:bodyPr>
+          <a:lstStyle/>
+          <a:p>
+            <a:pPr>
+              <a:lnSpc>
+                <a:spcPct val="90000"/>
+              </a:lnSpc>
+            </a:pPr>
+            <a:r>
+              <a:rPr lang="en-US" sz="3300">
+                <a:solidFill>
+                  <a:schemeClr val="tx2"/>
+                </a:solidFill>
+              </a:rPr>
+              <a:t>Difficulties And Hurdles During The Project</a:t>
+            </a:r>
+            <a:endParaRPr lang="he-IL" sz="3300">
+              <a:solidFill>
+                <a:schemeClr val="tx2"/>
+              </a:solidFill>
+            </a:endParaRPr>
+          </a:p>
+        </p:txBody>
+      </p:sp>
+      <p:sp>
+        <p:nvSpPr>
+          <p:cNvPr id="11" name="Rectangle 10">
+            <a:extLst>
+              <a:ext uri="{FF2B5EF4-FFF2-40B4-BE49-F238E27FC236}">
+                <a16:creationId xmlns:a16="http://schemas.microsoft.com/office/drawing/2014/main" id="{F367CCF1-BB1E-41CF-8499-94A870C33EFA}"/>
+              </a:ext>
+              <a:ext uri="{C183D7F6-B498-43B3-948B-1728B52AA6E4}">
+                <adec:decorative xmlns:adec="http://schemas.microsoft.com/office/drawing/2017/decorative" val="1"/>
+              </a:ext>
+            </a:extLst>
+          </p:cNvPr>
+          <p:cNvSpPr>
+            <a:spLocks noGrp="1" noRot="1" noChangeAspect="1" noMove="1" noResize="1" noEditPoints="1" noAdjustHandles="1" noChangeArrowheads="1" noChangeShapeType="1" noTextEdit="1"/>
+          </p:cNvSpPr>
+          <p:nvPr>
+            <p:extLst>
+              <p:ext uri="{386F3935-93C4-4BCD-93E2-E3B085C9AB24}">
+                <p16:designElem xmlns:p16="http://schemas.microsoft.com/office/powerpoint/2015/main" val="1"/>
+              </p:ext>
+            </p:extLst>
+          </p:nvPr>
+        </p:nvSpPr>
+        <p:spPr>
+          <a:xfrm>
             <a:off x="446534" y="457200"/>
-            <a:ext cx="3703320" cy="94997"/>
+            <a:ext cx="6675120" cy="94997"/>
           </a:xfrm>
           <a:prstGeom prst="rect">
             <a:avLst/>
           </a:prstGeom>
           <a:solidFill>
-            <a:srgbClr val="465359"/>
+            <a:schemeClr val="accent1"/>
           </a:solidFill>
           <a:ln>
             <a:noFill/>
@@ -8613,199 +8225,98 @@
           <a:bodyPr/>
           <a:lstStyle/>
           <a:p>
-            <a:endParaRPr lang="he-IL"/>
-          </a:p>
-        </p:txBody>
-      </p:sp>
-      <p:sp>
-        <p:nvSpPr>
-          <p:cNvPr id="37" name="Rectangle 25">
-            <a:extLst>
-              <a:ext uri="{FF2B5EF4-FFF2-40B4-BE49-F238E27FC236}">
-                <a16:creationId xmlns:a16="http://schemas.microsoft.com/office/drawing/2014/main" id="{B5B90362-AFCC-46A9-B41C-A257A8C5B314}"/>
-              </a:ext>
-              <a:ext uri="{C183D7F6-B498-43B3-948B-1728B52AA6E4}">
-                <adec:decorative xmlns:adec="http://schemas.microsoft.com/office/drawing/2017/decorative" val="1"/>
-              </a:ext>
-            </a:extLst>
-          </p:cNvPr>
-          <p:cNvSpPr>
-            <a:spLocks noGrp="1" noRot="1" noChangeAspect="1" noMove="1" noResize="1" noEditPoints="1" noAdjustHandles="1" noChangeArrowheads="1" noChangeShapeType="1" noTextEdit="1"/>
-          </p:cNvSpPr>
-          <p:nvPr>
-            <p:extLst>
-              <p:ext uri="{386F3935-93C4-4BCD-93E2-E3B085C9AB24}">
-                <p16:designElem xmlns:p16="http://schemas.microsoft.com/office/powerpoint/2015/main" val="1"/>
-              </p:ext>
-            </p:extLst>
-          </p:nvPr>
-        </p:nvSpPr>
-        <p:spPr>
-          <a:xfrm>
-            <a:off x="8042147" y="453643"/>
-            <a:ext cx="3703320" cy="98554"/>
-          </a:xfrm>
-          <a:prstGeom prst="rect">
-            <a:avLst/>
-          </a:prstGeom>
-          <a:solidFill>
-            <a:srgbClr val="969FA7"/>
-          </a:solidFill>
-          <a:ln>
-            <a:noFill/>
-          </a:ln>
-          <a:effectLst/>
-        </p:spPr>
-        <p:style>
-          <a:lnRef idx="1">
-            <a:schemeClr val="accent1"/>
-          </a:lnRef>
-          <a:fillRef idx="3">
-            <a:schemeClr val="accent1"/>
-          </a:fillRef>
-          <a:effectRef idx="2">
-            <a:schemeClr val="accent1"/>
-          </a:effectRef>
-          <a:fontRef idx="minor">
-            <a:schemeClr val="lt1"/>
-          </a:fontRef>
-        </p:style>
-        <p:txBody>
-          <a:bodyPr/>
-          <a:lstStyle/>
-          <a:p>
-            <a:endParaRPr lang="he-IL"/>
-          </a:p>
-        </p:txBody>
-      </p:sp>
-      <p:sp>
-        <p:nvSpPr>
-          <p:cNvPr id="38" name="Rectangle 27">
-            <a:extLst>
-              <a:ext uri="{FF2B5EF4-FFF2-40B4-BE49-F238E27FC236}">
-                <a16:creationId xmlns:a16="http://schemas.microsoft.com/office/drawing/2014/main" id="{F71EF7F1-38BA-471D-8CD4-2A9AE8E35527}"/>
-              </a:ext>
-              <a:ext uri="{C183D7F6-B498-43B3-948B-1728B52AA6E4}">
-                <adec:decorative xmlns:adec="http://schemas.microsoft.com/office/drawing/2017/decorative" val="1"/>
-              </a:ext>
-            </a:extLst>
-          </p:cNvPr>
-          <p:cNvSpPr>
-            <a:spLocks noGrp="1" noRot="1" noChangeAspect="1" noMove="1" noResize="1" noEditPoints="1" noAdjustHandles="1" noChangeArrowheads="1" noChangeShapeType="1" noTextEdit="1"/>
-          </p:cNvSpPr>
-          <p:nvPr>
-            <p:extLst>
-              <p:ext uri="{386F3935-93C4-4BCD-93E2-E3B085C9AB24}">
-                <p16:designElem xmlns:p16="http://schemas.microsoft.com/office/powerpoint/2015/main" val="1"/>
-              </p:ext>
-            </p:extLst>
-          </p:nvPr>
-        </p:nvSpPr>
-        <p:spPr>
-          <a:xfrm>
-            <a:off x="4241830" y="457200"/>
-            <a:ext cx="3703320" cy="91440"/>
-          </a:xfrm>
-          <a:prstGeom prst="rect">
-            <a:avLst/>
-          </a:prstGeom>
-          <a:solidFill>
-            <a:schemeClr val="accent1"/>
-          </a:solidFill>
-          <a:ln>
-            <a:noFill/>
-          </a:ln>
-          <a:effectLst/>
-        </p:spPr>
-        <p:style>
-          <a:lnRef idx="1">
-            <a:schemeClr val="accent1"/>
-          </a:lnRef>
-          <a:fillRef idx="3">
-            <a:schemeClr val="accent1"/>
-          </a:fillRef>
-          <a:effectRef idx="2">
-            <a:schemeClr val="accent1"/>
-          </a:effectRef>
-          <a:fontRef idx="minor">
-            <a:schemeClr val="lt1"/>
-          </a:fontRef>
-        </p:style>
-        <p:txBody>
-          <a:bodyPr/>
-          <a:lstStyle/>
-          <a:p>
-            <a:endParaRPr lang="he-IL"/>
-          </a:p>
-        </p:txBody>
-      </p:sp>
-      <p:sp>
-        <p:nvSpPr>
-          <p:cNvPr id="39" name="Rectangle 29">
-            <a:extLst>
-              <a:ext uri="{FF2B5EF4-FFF2-40B4-BE49-F238E27FC236}">
-                <a16:creationId xmlns:a16="http://schemas.microsoft.com/office/drawing/2014/main" id="{C0524398-BFB4-4C4A-8317-83B8729F9B26}"/>
-              </a:ext>
-              <a:ext uri="{C183D7F6-B498-43B3-948B-1728B52AA6E4}">
-                <adec:decorative xmlns:adec="http://schemas.microsoft.com/office/drawing/2017/decorative" val="1"/>
-              </a:ext>
-            </a:extLst>
-          </p:cNvPr>
-          <p:cNvSpPr>
-            <a:spLocks noGrp="1" noRot="1" noChangeAspect="1" noMove="1" noResize="1" noEditPoints="1" noAdjustHandles="1" noChangeArrowheads="1" noChangeShapeType="1" noTextEdit="1"/>
-          </p:cNvSpPr>
-          <p:nvPr>
-            <p:extLst>
-              <p:ext uri="{386F3935-93C4-4BCD-93E2-E3B085C9AB24}">
-                <p16:designElem xmlns:p16="http://schemas.microsoft.com/office/powerpoint/2015/main" val="1"/>
-              </p:ext>
-            </p:extLst>
-          </p:nvPr>
-        </p:nvSpPr>
-        <p:spPr>
-          <a:xfrm>
-            <a:off x="446534" y="3085764"/>
-            <a:ext cx="11298932" cy="3338149"/>
-          </a:xfrm>
-          <a:prstGeom prst="rect">
-            <a:avLst/>
-          </a:prstGeom>
-          <a:solidFill>
-            <a:srgbClr val="465359"/>
-          </a:solidFill>
-          <a:ln>
-            <a:noFill/>
-          </a:ln>
-          <a:effectLst/>
-        </p:spPr>
-        <p:style>
-          <a:lnRef idx="1">
-            <a:schemeClr val="accent1"/>
-          </a:lnRef>
-          <a:fillRef idx="3">
-            <a:schemeClr val="accent1"/>
-          </a:fillRef>
-          <a:effectRef idx="2">
-            <a:schemeClr val="accent1"/>
-          </a:effectRef>
-          <a:fontRef idx="minor">
-            <a:schemeClr val="lt1"/>
-          </a:fontRef>
-        </p:style>
-        <p:txBody>
-          <a:bodyPr/>
-          <a:lstStyle/>
-          <a:p>
-            <a:endParaRPr lang="he-IL"/>
+            <a:endParaRPr lang="en-US"/>
+          </a:p>
+        </p:txBody>
+      </p:sp>
+      <p:sp>
+        <p:nvSpPr>
+          <p:cNvPr id="3" name="מציין מיקום תוכן 2">
+            <a:extLst>
+              <a:ext uri="{FF2B5EF4-FFF2-40B4-BE49-F238E27FC236}">
+                <a16:creationId xmlns:a16="http://schemas.microsoft.com/office/drawing/2014/main" id="{148CE4C4-2C1F-BC75-CEA3-72B4754E3258}"/>
+              </a:ext>
+            </a:extLst>
+          </p:cNvPr>
+          <p:cNvSpPr>
+            <a:spLocks noGrp="1"/>
+          </p:cNvSpPr>
+          <p:nvPr>
+            <p:ph idx="1"/>
+          </p:nvPr>
+        </p:nvSpPr>
+        <p:spPr>
+          <a:xfrm>
+            <a:off x="581194" y="1896533"/>
+            <a:ext cx="6309003" cy="3962266"/>
+          </a:xfrm>
+        </p:spPr>
+        <p:txBody>
+          <a:bodyPr>
+            <a:normAutofit/>
+          </a:bodyPr>
+          <a:lstStyle/>
+          <a:p>
+            <a:pPr marL="0" indent="0">
+              <a:buNone/>
+            </a:pPr>
+            <a:r>
+              <a:rPr lang="en-US" dirty="0">
+                <a:solidFill>
+                  <a:schemeClr val="tx2"/>
+                </a:solidFill>
+                <a:latin typeface="+mj-lt"/>
+              </a:rPr>
+              <a:t>During the project I faced some difficulties and problems that challenged me. </a:t>
+            </a:r>
+          </a:p>
+          <a:p>
+            <a:pPr marL="0" indent="0">
+              <a:buNone/>
+            </a:pPr>
+            <a:r>
+              <a:rPr lang="en-US" dirty="0">
+                <a:solidFill>
+                  <a:schemeClr val="tx2"/>
+                </a:solidFill>
+                <a:latin typeface="+mj-lt"/>
+              </a:rPr>
+              <a:t>An example for this is a random bug that suddenly occurred while I making sure that the test are running smoothly and made all the test fail without changing anything in the code, but with some help from my friends (credit for Jameel for helping me with this bug </a:t>
+            </a:r>
+            <a:r>
+              <a:rPr lang="en-US" dirty="0">
+                <a:solidFill>
+                  <a:schemeClr val="tx2"/>
+                </a:solidFill>
+                <a:latin typeface="+mj-lt"/>
+                <a:sym typeface="Wingdings" panose="05000000000000000000" pitchFamily="2" charset="2"/>
+              </a:rPr>
+              <a:t>), I managed to solve it.</a:t>
+            </a:r>
+            <a:r>
+              <a:rPr lang="en-US" dirty="0">
+                <a:solidFill>
+                  <a:schemeClr val="tx2"/>
+                </a:solidFill>
+                <a:latin typeface="+mj-lt"/>
+              </a:rPr>
+              <a:t> </a:t>
+            </a:r>
+            <a:endParaRPr lang="he-IL" dirty="0">
+              <a:solidFill>
+                <a:schemeClr val="tx2"/>
+              </a:solidFill>
+              <a:latin typeface="+mj-lt"/>
+            </a:endParaRPr>
           </a:p>
         </p:txBody>
       </p:sp>
       <p:pic>
         <p:nvPicPr>
-          <p:cNvPr id="5" name="Picture 4" descr="Computer script on a screen">
-            <a:extLst>
-              <a:ext uri="{FF2B5EF4-FFF2-40B4-BE49-F238E27FC236}">
-                <a16:creationId xmlns:a16="http://schemas.microsoft.com/office/drawing/2014/main" id="{299DC042-C516-B884-4BC5-C41866E5D65F}"/>
+          <p:cNvPr id="5" name="Picture 4" descr="Ladybug on a white background">
+            <a:extLst>
+              <a:ext uri="{FF2B5EF4-FFF2-40B4-BE49-F238E27FC236}">
+                <a16:creationId xmlns:a16="http://schemas.microsoft.com/office/drawing/2014/main" id="{2194E2D6-73DE-0F89-7075-496062F3728C}"/>
               </a:ext>
             </a:extLst>
           </p:cNvPr>
@@ -8816,210 +8327,23 @@
         </p:nvPicPr>
         <p:blipFill rotWithShape="1">
           <a:blip r:embed="rId2"/>
-          <a:srcRect t="7017" b="8713"/>
+          <a:srcRect l="9496" r="44873" b="2"/>
           <a:stretch/>
         </p:blipFill>
         <p:spPr>
           <a:xfrm>
-            <a:off x="-3047" y="10"/>
-            <a:ext cx="12191999" cy="6857990"/>
+            <a:off x="7521283" y="10"/>
+            <a:ext cx="4670717" cy="6857990"/>
           </a:xfrm>
           <a:prstGeom prst="rect">
             <a:avLst/>
           </a:prstGeom>
         </p:spPr>
       </p:pic>
-      <p:sp>
-        <p:nvSpPr>
-          <p:cNvPr id="40" name="Rectangle 31">
-            <a:extLst>
-              <a:ext uri="{FF2B5EF4-FFF2-40B4-BE49-F238E27FC236}">
-                <a16:creationId xmlns:a16="http://schemas.microsoft.com/office/drawing/2014/main" id="{007891EC-4501-44ED-A8C8-B11B6DB767AB}"/>
-              </a:ext>
-              <a:ext uri="{C183D7F6-B498-43B3-948B-1728B52AA6E4}">
-                <adec:decorative xmlns:adec="http://schemas.microsoft.com/office/drawing/2017/decorative" val="1"/>
-              </a:ext>
-            </a:extLst>
-          </p:cNvPr>
-          <p:cNvSpPr>
-            <a:spLocks noGrp="1" noRot="1" noChangeAspect="1" noMove="1" noResize="1" noEditPoints="1" noAdjustHandles="1" noChangeArrowheads="1" noChangeShapeType="1" noTextEdit="1"/>
-          </p:cNvSpPr>
-          <p:nvPr>
-            <p:extLst>
-              <p:ext uri="{386F3935-93C4-4BCD-93E2-E3B085C9AB24}">
-                <p16:designElem xmlns:p16="http://schemas.microsoft.com/office/powerpoint/2015/main" val="1"/>
-              </p:ext>
-            </p:extLst>
-          </p:nvPr>
-        </p:nvSpPr>
-        <p:spPr>
-          <a:xfrm>
-            <a:off x="0" y="2207602"/>
-            <a:ext cx="12191999" cy="3162146"/>
-          </a:xfrm>
-          <a:prstGeom prst="rect">
-            <a:avLst/>
-          </a:prstGeom>
-          <a:gradFill flip="none" rotWithShape="1">
-            <a:gsLst>
-              <a:gs pos="0">
-                <a:schemeClr val="tx2">
-                  <a:alpha val="0"/>
-                </a:schemeClr>
-              </a:gs>
-              <a:gs pos="50000">
-                <a:schemeClr val="tx2">
-                  <a:alpha val="35000"/>
-                </a:schemeClr>
-              </a:gs>
-              <a:gs pos="100000">
-                <a:schemeClr val="tx2">
-                  <a:alpha val="0"/>
-                </a:schemeClr>
-              </a:gs>
-            </a:gsLst>
-            <a:lin ang="16200000" scaled="1"/>
-            <a:tileRect/>
-          </a:gradFill>
-          <a:ln>
-            <a:noFill/>
-          </a:ln>
-        </p:spPr>
-        <p:style>
-          <a:lnRef idx="2">
-            <a:schemeClr val="accent1">
-              <a:shade val="50000"/>
-            </a:schemeClr>
-          </a:lnRef>
-          <a:fillRef idx="1">
-            <a:schemeClr val="accent1"/>
-          </a:fillRef>
-          <a:effectRef idx="0">
-            <a:schemeClr val="accent1"/>
-          </a:effectRef>
-          <a:fontRef idx="minor">
-            <a:schemeClr val="lt1"/>
-          </a:fontRef>
-        </p:style>
-        <p:txBody>
-          <a:bodyPr rtlCol="0" anchor="ctr"/>
-          <a:lstStyle/>
-          <a:p>
-            <a:pPr algn="ctr"/>
-            <a:endParaRPr lang="en-US"/>
-          </a:p>
-        </p:txBody>
-      </p:sp>
-      <p:sp>
-        <p:nvSpPr>
-          <p:cNvPr id="2" name="כותרת 1">
-            <a:extLst>
-              <a:ext uri="{FF2B5EF4-FFF2-40B4-BE49-F238E27FC236}">
-                <a16:creationId xmlns:a16="http://schemas.microsoft.com/office/drawing/2014/main" id="{0A4D794B-DA85-9BEB-78C6-9A8C0DBBD868}"/>
-              </a:ext>
-            </a:extLst>
-          </p:cNvPr>
-          <p:cNvSpPr>
-            <a:spLocks noGrp="1"/>
-          </p:cNvSpPr>
-          <p:nvPr>
-            <p:ph type="title"/>
-          </p:nvPr>
-        </p:nvSpPr>
-        <p:spPr>
-          <a:xfrm>
-            <a:off x="643466" y="643467"/>
-            <a:ext cx="10905059" cy="3330353"/>
-          </a:xfrm>
-          <a:effectLst>
-            <a:outerShdw blurRad="50800" dist="38100" dir="2700000" algn="tl" rotWithShape="0">
-              <a:prstClr val="black">
-                <a:alpha val="40000"/>
-              </a:prstClr>
-            </a:outerShdw>
-          </a:effectLst>
-        </p:spPr>
-        <p:txBody>
-          <a:bodyPr vert="horz" lIns="91440" tIns="45720" rIns="91440" bIns="45720" rtlCol="0" anchor="b">
-            <a:normAutofit/>
-          </a:bodyPr>
-          <a:lstStyle/>
-          <a:p>
-            <a:pPr algn="ctr"/>
-            <a:r>
-              <a:rPr lang="en-US" cap="all">
-                <a:solidFill>
-                  <a:schemeClr val="bg1"/>
-                </a:solidFill>
-              </a:rPr>
-              <a:t>Now Let’s See The Code Itself</a:t>
-            </a:r>
-          </a:p>
-        </p:txBody>
-      </p:sp>
-      <p:cxnSp>
-        <p:nvCxnSpPr>
-          <p:cNvPr id="41" name="Straight Connector 33">
-            <a:extLst>
-              <a:ext uri="{FF2B5EF4-FFF2-40B4-BE49-F238E27FC236}">
-                <a16:creationId xmlns:a16="http://schemas.microsoft.com/office/drawing/2014/main" id="{34E5597F-CE67-4085-9548-E6A8036DA3BB}"/>
-              </a:ext>
-              <a:ext uri="{C183D7F6-B498-43B3-948B-1728B52AA6E4}">
-                <adec:decorative xmlns:adec="http://schemas.microsoft.com/office/drawing/2017/decorative" val="1"/>
-              </a:ext>
-            </a:extLst>
-          </p:cNvPr>
-          <p:cNvCxnSpPr>
-            <a:cxnSpLocks noGrp="1" noRot="1" noChangeAspect="1" noMove="1" noResize="1" noEditPoints="1" noAdjustHandles="1" noChangeArrowheads="1" noChangeShapeType="1"/>
-          </p:cNvCxnSpPr>
-          <p:nvPr>
-            <p:extLst>
-              <p:ext uri="{386F3935-93C4-4BCD-93E2-E3B085C9AB24}">
-                <p16:designElem xmlns:p16="http://schemas.microsoft.com/office/powerpoint/2015/main" val="1"/>
-              </p:ext>
-            </p:extLst>
-          </p:nvPr>
-        </p:nvCxnSpPr>
-        <p:spPr>
-          <a:xfrm>
-            <a:off x="3393881" y="4035362"/>
-            <a:ext cx="5404237" cy="0"/>
-          </a:xfrm>
-          <a:prstGeom prst="line">
-            <a:avLst/>
-          </a:prstGeom>
-          <a:ln>
-            <a:solidFill>
-              <a:schemeClr val="bg1"/>
-            </a:solidFill>
-          </a:ln>
-          <a:effectLst>
-            <a:outerShdw blurRad="50800" dist="38100" dir="2700000" algn="tl" rotWithShape="0">
-              <a:prstClr val="black">
-                <a:alpha val="40000"/>
-              </a:prstClr>
-            </a:outerShdw>
-          </a:effectLst>
-        </p:spPr>
-        <p:style>
-          <a:lnRef idx="1">
-            <a:schemeClr val="accent1"/>
-          </a:lnRef>
-          <a:fillRef idx="0">
-            <a:schemeClr val="accent1"/>
-          </a:fillRef>
-          <a:effectRef idx="0">
-            <a:schemeClr val="accent1"/>
-          </a:effectRef>
-          <a:fontRef idx="minor">
-            <a:schemeClr val="tx1"/>
-          </a:fontRef>
-        </p:style>
-      </p:cxnSp>
     </p:spTree>
     <p:extLst>
       <p:ext uri="{BB962C8B-B14F-4D97-AF65-F5344CB8AC3E}">
-        <p14:creationId xmlns:p14="http://schemas.microsoft.com/office/powerpoint/2010/main" val="2546586994"/>
+        <p14:creationId xmlns:p14="http://schemas.microsoft.com/office/powerpoint/2010/main" val="273271295"/>
       </p:ext>
     </p:extLst>
   </p:cSld>

--- a/Final Project Part1/Automation Project Part 1 presentation.pptx
+++ b/Final Project Part1/Automation Project Part 1 presentation.pptx
@@ -5482,8 +5482,9 @@
           </a:bodyPr>
           <a:lstStyle/>
           <a:p>
-            <a:pPr marL="0" indent="0">
-              <a:buNone/>
+            <a:pPr>
+              <a:buFont typeface="Wingdings" panose="05000000000000000000" pitchFamily="2" charset="2"/>
+              <a:buChar char="v"/>
             </a:pPr>
             <a:r>
               <a:rPr lang="en-US" dirty="0">
@@ -5495,8 +5496,9 @@
             </a:r>
           </a:p>
           <a:p>
-            <a:pPr marL="0" indent="0">
-              <a:buNone/>
+            <a:pPr>
+              <a:buFont typeface="Wingdings" panose="05000000000000000000" pitchFamily="2" charset="2"/>
+              <a:buChar char="v"/>
             </a:pPr>
             <a:r>
               <a:rPr lang="en-US" dirty="0">
@@ -5504,7 +5506,7 @@
                   <a:schemeClr val="tx2"/>
                 </a:solidFill>
               </a:rPr>
-              <a:t>In addition, the website displays the list of libraries closest to the user's current location, in addition to the possibility of searching many libraries around the world with the option to buy or borrow books and other items through a link that takes you to the website of the desired library.</a:t>
+              <a:t>In addition, the website displays the list of libraries closest to the user's current location, in addition to the possibility of searching many libraries around the world.</a:t>
             </a:r>
             <a:endParaRPr lang="he-IL" dirty="0">
               <a:solidFill>
